--- a/page_template.pptx
+++ b/page_template.pptx
@@ -4,8 +4,13 @@
   <p:sldMasterIdLst>
     <p:sldMasterId id="2147483660" r:id="rId1"/>
   </p:sldMasterIdLst>
+  <p:notesMasterIdLst>
+    <p:notesMasterId r:id="rId5"/>
+  </p:notesMasterIdLst>
   <p:sldIdLst>
     <p:sldId id="256" r:id="rId2"/>
+    <p:sldId id="259" r:id="rId3"/>
+    <p:sldId id="260" r:id="rId4"/>
   </p:sldIdLst>
   <p:sldSz cx="7772400" cy="10972800"/>
   <p:notesSz cx="6858000" cy="9144000"/>
@@ -104,7 +109,445 @@
       </a:defRPr>
     </a:lvl9pPr>
   </p:defaultTextStyle>
+  <p:extLst>
+    <p:ext uri="{EFAFB233-063F-42B5-8137-9DF3F51BA10A}">
+      <p15:sldGuideLst xmlns:p15="http://schemas.microsoft.com/office/powerpoint/2012/main"/>
+    </p:ext>
+  </p:extLst>
 </p:presentation>
+</file>
+
+<file path=ppt/notesMasters/notesMaster1.xml><?xml version="1.0" encoding="utf-8"?>
+<p:notesMaster xmlns:a="http://schemas.openxmlformats.org/drawingml/2006/main" xmlns:r="http://schemas.openxmlformats.org/officeDocument/2006/relationships" xmlns:p="http://schemas.openxmlformats.org/presentationml/2006/main">
+  <p:cSld>
+    <p:bg>
+      <p:bgRef idx="1001">
+        <a:schemeClr val="bg1"/>
+      </p:bgRef>
+    </p:bg>
+    <p:spTree>
+      <p:nvGrpSpPr>
+        <p:cNvPr id="1" name=""/>
+        <p:cNvGrpSpPr/>
+        <p:nvPr/>
+      </p:nvGrpSpPr>
+      <p:grpSpPr>
+        <a:xfrm>
+          <a:off x="0" y="0"/>
+          <a:ext cx="0" cy="0"/>
+          <a:chOff x="0" y="0"/>
+          <a:chExt cx="0" cy="0"/>
+        </a:xfrm>
+      </p:grpSpPr>
+      <p:sp>
+        <p:nvSpPr>
+          <p:cNvPr id="2" name="Header Placeholder 1"/>
+          <p:cNvSpPr>
+            <a:spLocks noGrp="1"/>
+          </p:cNvSpPr>
+          <p:nvPr>
+            <p:ph type="hdr" sz="quarter"/>
+          </p:nvPr>
+        </p:nvSpPr>
+        <p:spPr>
+          <a:xfrm>
+            <a:off x="0" y="0"/>
+            <a:ext cx="2971800" cy="458788"/>
+          </a:xfrm>
+          <a:prstGeom prst="rect">
+            <a:avLst/>
+          </a:prstGeom>
+        </p:spPr>
+        <p:txBody>
+          <a:bodyPr vert="horz" lIns="91440" tIns="45720" rIns="91440" bIns="45720" rtlCol="0"/>
+          <a:lstStyle>
+            <a:lvl1pPr algn="l">
+              <a:defRPr sz="1200"/>
+            </a:lvl1pPr>
+          </a:lstStyle>
+          <a:p>
+            <a:endParaRPr lang="en-US"/>
+          </a:p>
+        </p:txBody>
+      </p:sp>
+      <p:sp>
+        <p:nvSpPr>
+          <p:cNvPr id="3" name="Date Placeholder 2"/>
+          <p:cNvSpPr>
+            <a:spLocks noGrp="1"/>
+          </p:cNvSpPr>
+          <p:nvPr>
+            <p:ph type="dt" idx="1"/>
+          </p:nvPr>
+        </p:nvSpPr>
+        <p:spPr>
+          <a:xfrm>
+            <a:off x="3884613" y="0"/>
+            <a:ext cx="2971800" cy="458788"/>
+          </a:xfrm>
+          <a:prstGeom prst="rect">
+            <a:avLst/>
+          </a:prstGeom>
+        </p:spPr>
+        <p:txBody>
+          <a:bodyPr vert="horz" lIns="91440" tIns="45720" rIns="91440" bIns="45720" rtlCol="0"/>
+          <a:lstStyle>
+            <a:lvl1pPr algn="r">
+              <a:defRPr sz="1200"/>
+            </a:lvl1pPr>
+          </a:lstStyle>
+          <a:p>
+            <a:fld id="{3DF87311-07F7-407A-849F-BB20D4C5A338}" type="datetimeFigureOut">
+              <a:rPr lang="en-US" smtClean="0"/>
+              <a:t>9/9/2023</a:t>
+            </a:fld>
+            <a:endParaRPr lang="en-US"/>
+          </a:p>
+        </p:txBody>
+      </p:sp>
+      <p:sp>
+        <p:nvSpPr>
+          <p:cNvPr id="4" name="Slide Image Placeholder 3"/>
+          <p:cNvSpPr>
+            <a:spLocks noGrp="1" noRot="1" noChangeAspect="1"/>
+          </p:cNvSpPr>
+          <p:nvPr>
+            <p:ph type="sldImg" idx="2"/>
+          </p:nvPr>
+        </p:nvSpPr>
+        <p:spPr>
+          <a:xfrm>
+            <a:off x="2335213" y="1143000"/>
+            <a:ext cx="2187575" cy="3086100"/>
+          </a:xfrm>
+          <a:prstGeom prst="rect">
+            <a:avLst/>
+          </a:prstGeom>
+          <a:noFill/>
+          <a:ln w="12700">
+            <a:solidFill>
+              <a:prstClr val="black"/>
+            </a:solidFill>
+          </a:ln>
+        </p:spPr>
+        <p:txBody>
+          <a:bodyPr vert="horz" lIns="91440" tIns="45720" rIns="91440" bIns="45720" rtlCol="0" anchor="ctr"/>
+          <a:lstStyle/>
+          <a:p>
+            <a:endParaRPr lang="en-US"/>
+          </a:p>
+        </p:txBody>
+      </p:sp>
+      <p:sp>
+        <p:nvSpPr>
+          <p:cNvPr id="5" name="Notes Placeholder 4"/>
+          <p:cNvSpPr>
+            <a:spLocks noGrp="1"/>
+          </p:cNvSpPr>
+          <p:nvPr>
+            <p:ph type="body" sz="quarter" idx="3"/>
+          </p:nvPr>
+        </p:nvSpPr>
+        <p:spPr>
+          <a:xfrm>
+            <a:off x="685800" y="4400550"/>
+            <a:ext cx="5486400" cy="3600450"/>
+          </a:xfrm>
+          <a:prstGeom prst="rect">
+            <a:avLst/>
+          </a:prstGeom>
+        </p:spPr>
+        <p:txBody>
+          <a:bodyPr vert="horz" lIns="91440" tIns="45720" rIns="91440" bIns="45720" rtlCol="0"/>
+          <a:lstStyle/>
+          <a:p>
+            <a:pPr lvl="0"/>
+            <a:r>
+              <a:rPr lang="en-US"/>
+              <a:t>Click to edit Master text styles</a:t>
+            </a:r>
+          </a:p>
+          <a:p>
+            <a:pPr lvl="1"/>
+            <a:r>
+              <a:rPr lang="en-US"/>
+              <a:t>Second level</a:t>
+            </a:r>
+          </a:p>
+          <a:p>
+            <a:pPr lvl="2"/>
+            <a:r>
+              <a:rPr lang="en-US"/>
+              <a:t>Third level</a:t>
+            </a:r>
+          </a:p>
+          <a:p>
+            <a:pPr lvl="3"/>
+            <a:r>
+              <a:rPr lang="en-US"/>
+              <a:t>Fourth level</a:t>
+            </a:r>
+          </a:p>
+          <a:p>
+            <a:pPr lvl="4"/>
+            <a:r>
+              <a:rPr lang="en-US"/>
+              <a:t>Fifth level</a:t>
+            </a:r>
+          </a:p>
+        </p:txBody>
+      </p:sp>
+      <p:sp>
+        <p:nvSpPr>
+          <p:cNvPr id="6" name="Footer Placeholder 5"/>
+          <p:cNvSpPr>
+            <a:spLocks noGrp="1"/>
+          </p:cNvSpPr>
+          <p:nvPr>
+            <p:ph type="ftr" sz="quarter" idx="4"/>
+          </p:nvPr>
+        </p:nvSpPr>
+        <p:spPr>
+          <a:xfrm>
+            <a:off x="0" y="8685213"/>
+            <a:ext cx="2971800" cy="458787"/>
+          </a:xfrm>
+          <a:prstGeom prst="rect">
+            <a:avLst/>
+          </a:prstGeom>
+        </p:spPr>
+        <p:txBody>
+          <a:bodyPr vert="horz" lIns="91440" tIns="45720" rIns="91440" bIns="45720" rtlCol="0" anchor="b"/>
+          <a:lstStyle>
+            <a:lvl1pPr algn="l">
+              <a:defRPr sz="1200"/>
+            </a:lvl1pPr>
+          </a:lstStyle>
+          <a:p>
+            <a:endParaRPr lang="en-US"/>
+          </a:p>
+        </p:txBody>
+      </p:sp>
+      <p:sp>
+        <p:nvSpPr>
+          <p:cNvPr id="7" name="Slide Number Placeholder 6"/>
+          <p:cNvSpPr>
+            <a:spLocks noGrp="1"/>
+          </p:cNvSpPr>
+          <p:nvPr>
+            <p:ph type="sldNum" sz="quarter" idx="5"/>
+          </p:nvPr>
+        </p:nvSpPr>
+        <p:spPr>
+          <a:xfrm>
+            <a:off x="3884613" y="8685213"/>
+            <a:ext cx="2971800" cy="458787"/>
+          </a:xfrm>
+          <a:prstGeom prst="rect">
+            <a:avLst/>
+          </a:prstGeom>
+        </p:spPr>
+        <p:txBody>
+          <a:bodyPr vert="horz" lIns="91440" tIns="45720" rIns="91440" bIns="45720" rtlCol="0" anchor="b"/>
+          <a:lstStyle>
+            <a:lvl1pPr algn="r">
+              <a:defRPr sz="1200"/>
+            </a:lvl1pPr>
+          </a:lstStyle>
+          <a:p>
+            <a:fld id="{227F8766-EFF1-4074-8A21-DE652EC35FF6}" type="slidenum">
+              <a:rPr lang="en-US" smtClean="0"/>
+              <a:t>‹#›</a:t>
+            </a:fld>
+            <a:endParaRPr lang="en-US"/>
+          </a:p>
+        </p:txBody>
+      </p:sp>
+    </p:spTree>
+    <p:extLst>
+      <p:ext uri="{BB962C8B-B14F-4D97-AF65-F5344CB8AC3E}">
+        <p14:creationId xmlns:p14="http://schemas.microsoft.com/office/powerpoint/2010/main" val="4160892028"/>
+      </p:ext>
+    </p:extLst>
+  </p:cSld>
+  <p:clrMap bg1="lt1" tx1="dk1" bg2="lt2" tx2="dk2" accent1="accent1" accent2="accent2" accent3="accent3" accent4="accent4" accent5="accent5" accent6="accent6" hlink="hlink" folHlink="folHlink"/>
+  <p:notesStyle>
+    <a:lvl1pPr marL="0" algn="l" defTabSz="914400" rtl="0" eaLnBrk="1" latinLnBrk="0" hangingPunct="1">
+      <a:defRPr sz="1200" kern="1200">
+        <a:solidFill>
+          <a:schemeClr val="tx1"/>
+        </a:solidFill>
+        <a:latin typeface="+mn-lt"/>
+        <a:ea typeface="+mn-ea"/>
+        <a:cs typeface="+mn-cs"/>
+      </a:defRPr>
+    </a:lvl1pPr>
+    <a:lvl2pPr marL="457200" algn="l" defTabSz="914400" rtl="0" eaLnBrk="1" latinLnBrk="0" hangingPunct="1">
+      <a:defRPr sz="1200" kern="1200">
+        <a:solidFill>
+          <a:schemeClr val="tx1"/>
+        </a:solidFill>
+        <a:latin typeface="+mn-lt"/>
+        <a:ea typeface="+mn-ea"/>
+        <a:cs typeface="+mn-cs"/>
+      </a:defRPr>
+    </a:lvl2pPr>
+    <a:lvl3pPr marL="914400" algn="l" defTabSz="914400" rtl="0" eaLnBrk="1" latinLnBrk="0" hangingPunct="1">
+      <a:defRPr sz="1200" kern="1200">
+        <a:solidFill>
+          <a:schemeClr val="tx1"/>
+        </a:solidFill>
+        <a:latin typeface="+mn-lt"/>
+        <a:ea typeface="+mn-ea"/>
+        <a:cs typeface="+mn-cs"/>
+      </a:defRPr>
+    </a:lvl3pPr>
+    <a:lvl4pPr marL="1371600" algn="l" defTabSz="914400" rtl="0" eaLnBrk="1" latinLnBrk="0" hangingPunct="1">
+      <a:defRPr sz="1200" kern="1200">
+        <a:solidFill>
+          <a:schemeClr val="tx1"/>
+        </a:solidFill>
+        <a:latin typeface="+mn-lt"/>
+        <a:ea typeface="+mn-ea"/>
+        <a:cs typeface="+mn-cs"/>
+      </a:defRPr>
+    </a:lvl4pPr>
+    <a:lvl5pPr marL="1828800" algn="l" defTabSz="914400" rtl="0" eaLnBrk="1" latinLnBrk="0" hangingPunct="1">
+      <a:defRPr sz="1200" kern="1200">
+        <a:solidFill>
+          <a:schemeClr val="tx1"/>
+        </a:solidFill>
+        <a:latin typeface="+mn-lt"/>
+        <a:ea typeface="+mn-ea"/>
+        <a:cs typeface="+mn-cs"/>
+      </a:defRPr>
+    </a:lvl5pPr>
+    <a:lvl6pPr marL="2286000" algn="l" defTabSz="914400" rtl="0" eaLnBrk="1" latinLnBrk="0" hangingPunct="1">
+      <a:defRPr sz="1200" kern="1200">
+        <a:solidFill>
+          <a:schemeClr val="tx1"/>
+        </a:solidFill>
+        <a:latin typeface="+mn-lt"/>
+        <a:ea typeface="+mn-ea"/>
+        <a:cs typeface="+mn-cs"/>
+      </a:defRPr>
+    </a:lvl6pPr>
+    <a:lvl7pPr marL="2743200" algn="l" defTabSz="914400" rtl="0" eaLnBrk="1" latinLnBrk="0" hangingPunct="1">
+      <a:defRPr sz="1200" kern="1200">
+        <a:solidFill>
+          <a:schemeClr val="tx1"/>
+        </a:solidFill>
+        <a:latin typeface="+mn-lt"/>
+        <a:ea typeface="+mn-ea"/>
+        <a:cs typeface="+mn-cs"/>
+      </a:defRPr>
+    </a:lvl7pPr>
+    <a:lvl8pPr marL="3200400" algn="l" defTabSz="914400" rtl="0" eaLnBrk="1" latinLnBrk="0" hangingPunct="1">
+      <a:defRPr sz="1200" kern="1200">
+        <a:solidFill>
+          <a:schemeClr val="tx1"/>
+        </a:solidFill>
+        <a:latin typeface="+mn-lt"/>
+        <a:ea typeface="+mn-ea"/>
+        <a:cs typeface="+mn-cs"/>
+      </a:defRPr>
+    </a:lvl8pPr>
+    <a:lvl9pPr marL="3657600" algn="l" defTabSz="914400" rtl="0" eaLnBrk="1" latinLnBrk="0" hangingPunct="1">
+      <a:defRPr sz="1200" kern="1200">
+        <a:solidFill>
+          <a:schemeClr val="tx1"/>
+        </a:solidFill>
+        <a:latin typeface="+mn-lt"/>
+        <a:ea typeface="+mn-ea"/>
+        <a:cs typeface="+mn-cs"/>
+      </a:defRPr>
+    </a:lvl9pPr>
+  </p:notesStyle>
+</p:notesMaster>
+</file>
+
+<file path=ppt/notesSlides/notesSlide1.xml><?xml version="1.0" encoding="utf-8"?>
+<p:notes xmlns:a="http://schemas.openxmlformats.org/drawingml/2006/main" xmlns:r="http://schemas.openxmlformats.org/officeDocument/2006/relationships" xmlns:p="http://schemas.openxmlformats.org/presentationml/2006/main">
+  <p:cSld>
+    <p:spTree>
+      <p:nvGrpSpPr>
+        <p:cNvPr id="1" name=""/>
+        <p:cNvGrpSpPr/>
+        <p:nvPr/>
+      </p:nvGrpSpPr>
+      <p:grpSpPr>
+        <a:xfrm>
+          <a:off x="0" y="0"/>
+          <a:ext cx="0" cy="0"/>
+          <a:chOff x="0" y="0"/>
+          <a:chExt cx="0" cy="0"/>
+        </a:xfrm>
+      </p:grpSpPr>
+      <p:sp>
+        <p:nvSpPr>
+          <p:cNvPr id="2" name="Slide Image Placeholder 1"/>
+          <p:cNvSpPr>
+            <a:spLocks noGrp="1" noRot="1" noChangeAspect="1"/>
+          </p:cNvSpPr>
+          <p:nvPr>
+            <p:ph type="sldImg"/>
+          </p:nvPr>
+        </p:nvSpPr>
+        <p:spPr/>
+      </p:sp>
+      <p:sp>
+        <p:nvSpPr>
+          <p:cNvPr id="3" name="Notes Placeholder 2"/>
+          <p:cNvSpPr>
+            <a:spLocks noGrp="1"/>
+          </p:cNvSpPr>
+          <p:nvPr>
+            <p:ph type="body" idx="1"/>
+          </p:nvPr>
+        </p:nvSpPr>
+        <p:spPr/>
+        <p:txBody>
+          <a:bodyPr/>
+          <a:lstStyle/>
+          <a:p>
+            <a:endParaRPr lang="en-US" dirty="0"/>
+          </a:p>
+        </p:txBody>
+      </p:sp>
+      <p:sp>
+        <p:nvSpPr>
+          <p:cNvPr id="4" name="Slide Number Placeholder 3"/>
+          <p:cNvSpPr>
+            <a:spLocks noGrp="1"/>
+          </p:cNvSpPr>
+          <p:nvPr>
+            <p:ph type="sldNum" sz="quarter" idx="5"/>
+          </p:nvPr>
+        </p:nvSpPr>
+        <p:spPr/>
+        <p:txBody>
+          <a:bodyPr/>
+          <a:lstStyle/>
+          <a:p>
+            <a:fld id="{227F8766-EFF1-4074-8A21-DE652EC35FF6}" type="slidenum">
+              <a:rPr lang="en-US" smtClean="0"/>
+              <a:t>1</a:t>
+            </a:fld>
+            <a:endParaRPr lang="en-US"/>
+          </a:p>
+        </p:txBody>
+      </p:sp>
+    </p:spTree>
+    <p:extLst>
+      <p:ext uri="{BB962C8B-B14F-4D97-AF65-F5344CB8AC3E}">
+        <p14:creationId xmlns:p14="http://schemas.microsoft.com/office/powerpoint/2010/main" val="1506851197"/>
+      </p:ext>
+    </p:extLst>
+  </p:cSld>
+  <p:clrMapOvr>
+    <a:masterClrMapping/>
+  </p:clrMapOvr>
+</p:notes>
 </file>
 
 <file path=ppt/slideLayouts/slideLayout1.xml><?xml version="1.0" encoding="utf-8"?>
@@ -238,7 +681,7 @@
           <a:p>
             <a:fld id="{C9228586-F4C5-4B8E-90E5-86E624FB9AD9}" type="datetimeFigureOut">
               <a:rPr lang="en-US" smtClean="0"/>
-              <a:t>7/29/2023</a:t>
+              <a:t>9/9/2023</a:t>
             </a:fld>
             <a:endParaRPr lang="en-US"/>
           </a:p>
@@ -408,7 +851,7 @@
           <a:p>
             <a:fld id="{C9228586-F4C5-4B8E-90E5-86E624FB9AD9}" type="datetimeFigureOut">
               <a:rPr lang="en-US" smtClean="0"/>
-              <a:t>7/29/2023</a:t>
+              <a:t>9/9/2023</a:t>
             </a:fld>
             <a:endParaRPr lang="en-US"/>
           </a:p>
@@ -588,7 +1031,7 @@
           <a:p>
             <a:fld id="{C9228586-F4C5-4B8E-90E5-86E624FB9AD9}" type="datetimeFigureOut">
               <a:rPr lang="en-US" smtClean="0"/>
-              <a:t>7/29/2023</a:t>
+              <a:t>9/9/2023</a:t>
             </a:fld>
             <a:endParaRPr lang="en-US"/>
           </a:p>
@@ -758,7 +1201,7 @@
           <a:p>
             <a:fld id="{C9228586-F4C5-4B8E-90E5-86E624FB9AD9}" type="datetimeFigureOut">
               <a:rPr lang="en-US" smtClean="0"/>
-              <a:t>7/29/2023</a:t>
+              <a:t>9/9/2023</a:t>
             </a:fld>
             <a:endParaRPr lang="en-US"/>
           </a:p>
@@ -1002,7 +1445,7 @@
           <a:p>
             <a:fld id="{C9228586-F4C5-4B8E-90E5-86E624FB9AD9}" type="datetimeFigureOut">
               <a:rPr lang="en-US" smtClean="0"/>
-              <a:t>7/29/2023</a:t>
+              <a:t>9/9/2023</a:t>
             </a:fld>
             <a:endParaRPr lang="en-US"/>
           </a:p>
@@ -1234,7 +1677,7 @@
           <a:p>
             <a:fld id="{C9228586-F4C5-4B8E-90E5-86E624FB9AD9}" type="datetimeFigureOut">
               <a:rPr lang="en-US" smtClean="0"/>
-              <a:t>7/29/2023</a:t>
+              <a:t>9/9/2023</a:t>
             </a:fld>
             <a:endParaRPr lang="en-US"/>
           </a:p>
@@ -1601,7 +2044,7 @@
           <a:p>
             <a:fld id="{C9228586-F4C5-4B8E-90E5-86E624FB9AD9}" type="datetimeFigureOut">
               <a:rPr lang="en-US" smtClean="0"/>
-              <a:t>7/29/2023</a:t>
+              <a:t>9/9/2023</a:t>
             </a:fld>
             <a:endParaRPr lang="en-US"/>
           </a:p>
@@ -1719,7 +2162,7 @@
           <a:p>
             <a:fld id="{C9228586-F4C5-4B8E-90E5-86E624FB9AD9}" type="datetimeFigureOut">
               <a:rPr lang="en-US" smtClean="0"/>
-              <a:t>7/29/2023</a:t>
+              <a:t>9/9/2023</a:t>
             </a:fld>
             <a:endParaRPr lang="en-US"/>
           </a:p>
@@ -1814,7 +2257,7 @@
           <a:p>
             <a:fld id="{C9228586-F4C5-4B8E-90E5-86E624FB9AD9}" type="datetimeFigureOut">
               <a:rPr lang="en-US" smtClean="0"/>
-              <a:t>7/29/2023</a:t>
+              <a:t>9/9/2023</a:t>
             </a:fld>
             <a:endParaRPr lang="en-US"/>
           </a:p>
@@ -2091,7 +2534,7 @@
           <a:p>
             <a:fld id="{C9228586-F4C5-4B8E-90E5-86E624FB9AD9}" type="datetimeFigureOut">
               <a:rPr lang="en-US" smtClean="0"/>
-              <a:t>7/29/2023</a:t>
+              <a:t>9/9/2023</a:t>
             </a:fld>
             <a:endParaRPr lang="en-US"/>
           </a:p>
@@ -2348,7 +2791,7 @@
           <a:p>
             <a:fld id="{C9228586-F4C5-4B8E-90E5-86E624FB9AD9}" type="datetimeFigureOut">
               <a:rPr lang="en-US" smtClean="0"/>
-              <a:t>7/29/2023</a:t>
+              <a:t>9/9/2023</a:t>
             </a:fld>
             <a:endParaRPr lang="en-US"/>
           </a:p>
@@ -2561,7 +3004,7 @@
           <a:p>
             <a:fld id="{C9228586-F4C5-4B8E-90E5-86E624FB9AD9}" type="datetimeFigureOut">
               <a:rPr lang="en-US" smtClean="0"/>
-              <a:t>7/29/2023</a:t>
+              <a:t>9/9/2023</a:t>
             </a:fld>
             <a:endParaRPr lang="en-US"/>
           </a:p>
@@ -3124,164 +3567,6 @@
       </p:sp>
       <p:sp>
         <p:nvSpPr>
-          <p:cNvPr id="28" name="Rectangle 27">
-            <a:extLst>
-              <a:ext uri="{FF2B5EF4-FFF2-40B4-BE49-F238E27FC236}">
-                <a16:creationId xmlns:a16="http://schemas.microsoft.com/office/drawing/2014/main" id="{9C32F093-1269-2412-9905-EC7F3D8413E9}"/>
-              </a:ext>
-            </a:extLst>
-          </p:cNvPr>
-          <p:cNvSpPr/>
-          <p:nvPr/>
-        </p:nvSpPr>
-        <p:spPr>
-          <a:xfrm>
-            <a:off x="2743196" y="685800"/>
-            <a:ext cx="118872" cy="9601196"/>
-          </a:xfrm>
-          <a:prstGeom prst="rect">
-            <a:avLst/>
-          </a:prstGeom>
-          <a:noFill/>
-          <a:ln>
-            <a:solidFill>
-              <a:srgbClr val="FF0000"/>
-            </a:solidFill>
-            <a:prstDash val="lgDash"/>
-          </a:ln>
-        </p:spPr>
-        <p:style>
-          <a:lnRef idx="2">
-            <a:schemeClr val="accent1">
-              <a:shade val="15000"/>
-            </a:schemeClr>
-          </a:lnRef>
-          <a:fillRef idx="1">
-            <a:schemeClr val="accent1"/>
-          </a:fillRef>
-          <a:effectRef idx="0">
-            <a:schemeClr val="accent1"/>
-          </a:effectRef>
-          <a:fontRef idx="minor">
-            <a:schemeClr val="lt1"/>
-          </a:fontRef>
-        </p:style>
-        <p:txBody>
-          <a:bodyPr rtlCol="0" anchor="ctr"/>
-          <a:lstStyle/>
-          <a:p>
-            <a:pPr algn="ctr"/>
-            <a:endParaRPr lang="en-US"/>
-          </a:p>
-        </p:txBody>
-      </p:sp>
-      <p:sp>
-        <p:nvSpPr>
-          <p:cNvPr id="30" name="Rectangle 29">
-            <a:extLst>
-              <a:ext uri="{FF2B5EF4-FFF2-40B4-BE49-F238E27FC236}">
-                <a16:creationId xmlns:a16="http://schemas.microsoft.com/office/drawing/2014/main" id="{6FF62DA2-5806-ECDD-02B5-1889D5B1AACB}"/>
-              </a:ext>
-            </a:extLst>
-          </p:cNvPr>
-          <p:cNvSpPr/>
-          <p:nvPr/>
-        </p:nvSpPr>
-        <p:spPr>
-          <a:xfrm>
-            <a:off x="3826765" y="685800"/>
-            <a:ext cx="118872" cy="9601196"/>
-          </a:xfrm>
-          <a:prstGeom prst="rect">
-            <a:avLst/>
-          </a:prstGeom>
-          <a:noFill/>
-          <a:ln>
-            <a:solidFill>
-              <a:srgbClr val="FF0000"/>
-            </a:solidFill>
-          </a:ln>
-        </p:spPr>
-        <p:style>
-          <a:lnRef idx="2">
-            <a:schemeClr val="accent1">
-              <a:shade val="15000"/>
-            </a:schemeClr>
-          </a:lnRef>
-          <a:fillRef idx="1">
-            <a:schemeClr val="accent1"/>
-          </a:fillRef>
-          <a:effectRef idx="0">
-            <a:schemeClr val="accent1"/>
-          </a:effectRef>
-          <a:fontRef idx="minor">
-            <a:schemeClr val="lt1"/>
-          </a:fontRef>
-        </p:style>
-        <p:txBody>
-          <a:bodyPr rtlCol="0" anchor="ctr"/>
-          <a:lstStyle/>
-          <a:p>
-            <a:pPr algn="ctr"/>
-            <a:endParaRPr lang="en-US"/>
-          </a:p>
-        </p:txBody>
-      </p:sp>
-      <p:sp>
-        <p:nvSpPr>
-          <p:cNvPr id="31" name="Rectangle 30">
-            <a:extLst>
-              <a:ext uri="{FF2B5EF4-FFF2-40B4-BE49-F238E27FC236}">
-                <a16:creationId xmlns:a16="http://schemas.microsoft.com/office/drawing/2014/main" id="{5DB14441-ED8C-636B-038E-299925006A0A}"/>
-              </a:ext>
-            </a:extLst>
-          </p:cNvPr>
-          <p:cNvSpPr/>
-          <p:nvPr/>
-        </p:nvSpPr>
-        <p:spPr>
-          <a:xfrm>
-            <a:off x="4919460" y="685799"/>
-            <a:ext cx="118872" cy="9601197"/>
-          </a:xfrm>
-          <a:prstGeom prst="rect">
-            <a:avLst/>
-          </a:prstGeom>
-          <a:noFill/>
-          <a:ln>
-            <a:solidFill>
-              <a:srgbClr val="FF0000"/>
-            </a:solidFill>
-            <a:prstDash val="lgDash"/>
-          </a:ln>
-        </p:spPr>
-        <p:style>
-          <a:lnRef idx="2">
-            <a:schemeClr val="accent1">
-              <a:shade val="15000"/>
-            </a:schemeClr>
-          </a:lnRef>
-          <a:fillRef idx="1">
-            <a:schemeClr val="accent1"/>
-          </a:fillRef>
-          <a:effectRef idx="0">
-            <a:schemeClr val="accent1"/>
-          </a:effectRef>
-          <a:fontRef idx="minor">
-            <a:schemeClr val="lt1"/>
-          </a:fontRef>
-        </p:style>
-        <p:txBody>
-          <a:bodyPr rtlCol="0" anchor="ctr"/>
-          <a:lstStyle/>
-          <a:p>
-            <a:pPr algn="ctr"/>
-            <a:endParaRPr lang="en-US"/>
-          </a:p>
-        </p:txBody>
-      </p:sp>
-      <p:sp>
-        <p:nvSpPr>
           <p:cNvPr id="33" name="Rectangle 32">
             <a:extLst>
               <a:ext uri="{FF2B5EF4-FFF2-40B4-BE49-F238E27FC236}">
@@ -3334,10 +3619,10 @@
       </p:sp>
       <p:sp>
         <p:nvSpPr>
-          <p:cNvPr id="35" name="Rectangle 34">
+          <p:cNvPr id="52" name="Rectangle 51">
             <a:extLst>
               <a:ext uri="{FF2B5EF4-FFF2-40B4-BE49-F238E27FC236}">
-                <a16:creationId xmlns:a16="http://schemas.microsoft.com/office/drawing/2014/main" id="{DEC84D2E-541F-E353-1544-2A89E2BBCE73}"/>
+                <a16:creationId xmlns:a16="http://schemas.microsoft.com/office/drawing/2014/main" id="{52B3B1F7-731D-5E54-C02F-50ADF6201F60}"/>
               </a:ext>
             </a:extLst>
           </p:cNvPr>
@@ -3346,8 +3631,8 @@
         </p:nvSpPr>
         <p:spPr>
           <a:xfrm>
-            <a:off x="3170671" y="685800"/>
-            <a:ext cx="118872" cy="9601196"/>
+            <a:off x="685796" y="2914904"/>
+            <a:ext cx="6400800" cy="228600"/>
           </a:xfrm>
           <a:prstGeom prst="rect">
             <a:avLst/>
@@ -3387,10 +3672,10 @@
       </p:sp>
       <p:sp>
         <p:nvSpPr>
-          <p:cNvPr id="36" name="Rectangle 35">
+          <p:cNvPr id="53" name="Rectangle 52">
             <a:extLst>
               <a:ext uri="{FF2B5EF4-FFF2-40B4-BE49-F238E27FC236}">
-                <a16:creationId xmlns:a16="http://schemas.microsoft.com/office/drawing/2014/main" id="{B3C7F101-90FC-8AF5-0635-4F16266A2638}"/>
+                <a16:creationId xmlns:a16="http://schemas.microsoft.com/office/drawing/2014/main" id="{D7967B60-BCE6-BC9D-E944-F5D234E66E25}"/>
               </a:ext>
             </a:extLst>
           </p:cNvPr>
@@ -3399,8 +3684,8 @@
         </p:nvSpPr>
         <p:spPr>
           <a:xfrm>
-            <a:off x="4480560" y="685800"/>
-            <a:ext cx="118872" cy="9601194"/>
+            <a:off x="685796" y="7832344"/>
+            <a:ext cx="6400800" cy="228600"/>
           </a:xfrm>
           <a:prstGeom prst="rect">
             <a:avLst/>
@@ -3440,10 +3725,10 @@
       </p:sp>
       <p:sp>
         <p:nvSpPr>
-          <p:cNvPr id="37" name="Rectangle 36">
+          <p:cNvPr id="55" name="Rectangle 54">
             <a:extLst>
               <a:ext uri="{FF2B5EF4-FFF2-40B4-BE49-F238E27FC236}">
-                <a16:creationId xmlns:a16="http://schemas.microsoft.com/office/drawing/2014/main" id="{597A38E3-4F48-2942-D053-BEA914EE1C94}"/>
+                <a16:creationId xmlns:a16="http://schemas.microsoft.com/office/drawing/2014/main" id="{8A49B0AA-081F-624D-4466-62877B9C3F10}"/>
               </a:ext>
             </a:extLst>
           </p:cNvPr>
@@ -3452,8 +3737,2764 @@
         </p:nvSpPr>
         <p:spPr>
           <a:xfrm>
-            <a:off x="5788152" y="685799"/>
-            <a:ext cx="118872" cy="9601199"/>
+            <a:off x="685796" y="3729448"/>
+            <a:ext cx="6400800" cy="228600"/>
+          </a:xfrm>
+          <a:prstGeom prst="rect">
+            <a:avLst/>
+          </a:prstGeom>
+          <a:noFill/>
+          <a:ln>
+            <a:solidFill>
+              <a:srgbClr val="FF0000"/>
+            </a:solidFill>
+            <a:prstDash val="lgDash"/>
+          </a:ln>
+        </p:spPr>
+        <p:style>
+          <a:lnRef idx="2">
+            <a:schemeClr val="accent1">
+              <a:shade val="15000"/>
+            </a:schemeClr>
+          </a:lnRef>
+          <a:fillRef idx="1">
+            <a:schemeClr val="accent1"/>
+          </a:fillRef>
+          <a:effectRef idx="0">
+            <a:schemeClr val="accent1"/>
+          </a:effectRef>
+          <a:fontRef idx="minor">
+            <a:schemeClr val="lt1"/>
+          </a:fontRef>
+        </p:style>
+        <p:txBody>
+          <a:bodyPr rtlCol="0" anchor="ctr"/>
+          <a:lstStyle/>
+          <a:p>
+            <a:pPr algn="ctr"/>
+            <a:endParaRPr lang="en-US"/>
+          </a:p>
+        </p:txBody>
+      </p:sp>
+      <p:sp>
+        <p:nvSpPr>
+          <p:cNvPr id="56" name="Rectangle 55">
+            <a:extLst>
+              <a:ext uri="{FF2B5EF4-FFF2-40B4-BE49-F238E27FC236}">
+                <a16:creationId xmlns:a16="http://schemas.microsoft.com/office/drawing/2014/main" id="{0E505527-E9EA-2BEA-78A5-0D37A9350794}"/>
+              </a:ext>
+            </a:extLst>
+          </p:cNvPr>
+          <p:cNvSpPr/>
+          <p:nvPr/>
+        </p:nvSpPr>
+        <p:spPr>
+          <a:xfrm>
+            <a:off x="685796" y="7003000"/>
+            <a:ext cx="6400800" cy="228600"/>
+          </a:xfrm>
+          <a:prstGeom prst="rect">
+            <a:avLst/>
+          </a:prstGeom>
+          <a:noFill/>
+          <a:ln>
+            <a:solidFill>
+              <a:srgbClr val="FF0000"/>
+            </a:solidFill>
+            <a:prstDash val="lgDash"/>
+          </a:ln>
+        </p:spPr>
+        <p:style>
+          <a:lnRef idx="2">
+            <a:schemeClr val="accent1">
+              <a:shade val="15000"/>
+            </a:schemeClr>
+          </a:lnRef>
+          <a:fillRef idx="1">
+            <a:schemeClr val="accent1"/>
+          </a:fillRef>
+          <a:effectRef idx="0">
+            <a:schemeClr val="accent1"/>
+          </a:effectRef>
+          <a:fontRef idx="minor">
+            <a:schemeClr val="lt1"/>
+          </a:fontRef>
+        </p:style>
+        <p:txBody>
+          <a:bodyPr rtlCol="0" anchor="ctr"/>
+          <a:lstStyle/>
+          <a:p>
+            <a:pPr algn="ctr"/>
+            <a:endParaRPr lang="en-US"/>
+          </a:p>
+        </p:txBody>
+      </p:sp>
+      <p:sp>
+        <p:nvSpPr>
+          <p:cNvPr id="57" name="Rectangle 56">
+            <a:extLst>
+              <a:ext uri="{FF2B5EF4-FFF2-40B4-BE49-F238E27FC236}">
+                <a16:creationId xmlns:a16="http://schemas.microsoft.com/office/drawing/2014/main" id="{253A0027-44A6-A946-C8C9-9B31FD7572E8}"/>
+              </a:ext>
+            </a:extLst>
+          </p:cNvPr>
+          <p:cNvSpPr/>
+          <p:nvPr/>
+        </p:nvSpPr>
+        <p:spPr>
+          <a:xfrm>
+            <a:off x="685796" y="2426208"/>
+            <a:ext cx="6400800" cy="228600"/>
+          </a:xfrm>
+          <a:prstGeom prst="rect">
+            <a:avLst/>
+          </a:prstGeom>
+          <a:noFill/>
+          <a:ln>
+            <a:solidFill>
+              <a:srgbClr val="FF0000"/>
+            </a:solidFill>
+            <a:prstDash val="sysDash"/>
+          </a:ln>
+        </p:spPr>
+        <p:style>
+          <a:lnRef idx="2">
+            <a:schemeClr val="accent1">
+              <a:shade val="15000"/>
+            </a:schemeClr>
+          </a:lnRef>
+          <a:fillRef idx="1">
+            <a:schemeClr val="accent1"/>
+          </a:fillRef>
+          <a:effectRef idx="0">
+            <a:schemeClr val="accent1"/>
+          </a:effectRef>
+          <a:fontRef idx="minor">
+            <a:schemeClr val="lt1"/>
+          </a:fontRef>
+        </p:style>
+        <p:txBody>
+          <a:bodyPr rtlCol="0" anchor="ctr"/>
+          <a:lstStyle/>
+          <a:p>
+            <a:pPr algn="ctr"/>
+            <a:endParaRPr lang="en-US"/>
+          </a:p>
+        </p:txBody>
+      </p:sp>
+      <p:sp>
+        <p:nvSpPr>
+          <p:cNvPr id="58" name="Rectangle 57">
+            <a:extLst>
+              <a:ext uri="{FF2B5EF4-FFF2-40B4-BE49-F238E27FC236}">
+                <a16:creationId xmlns:a16="http://schemas.microsoft.com/office/drawing/2014/main" id="{D2CBECAC-8BF5-D149-4FB4-693B740D6615}"/>
+              </a:ext>
+            </a:extLst>
+          </p:cNvPr>
+          <p:cNvSpPr/>
+          <p:nvPr/>
+        </p:nvSpPr>
+        <p:spPr>
+          <a:xfrm>
+            <a:off x="685796" y="4392168"/>
+            <a:ext cx="6400800" cy="228600"/>
+          </a:xfrm>
+          <a:prstGeom prst="rect">
+            <a:avLst/>
+          </a:prstGeom>
+          <a:noFill/>
+          <a:ln>
+            <a:solidFill>
+              <a:srgbClr val="FF0000"/>
+            </a:solidFill>
+            <a:prstDash val="sysDash"/>
+          </a:ln>
+        </p:spPr>
+        <p:style>
+          <a:lnRef idx="2">
+            <a:schemeClr val="accent1">
+              <a:shade val="15000"/>
+            </a:schemeClr>
+          </a:lnRef>
+          <a:fillRef idx="1">
+            <a:schemeClr val="accent1"/>
+          </a:fillRef>
+          <a:effectRef idx="0">
+            <a:schemeClr val="accent1"/>
+          </a:effectRef>
+          <a:fontRef idx="minor">
+            <a:schemeClr val="lt1"/>
+          </a:fontRef>
+        </p:style>
+        <p:txBody>
+          <a:bodyPr rtlCol="0" anchor="ctr"/>
+          <a:lstStyle/>
+          <a:p>
+            <a:pPr algn="ctr"/>
+            <a:endParaRPr lang="en-US"/>
+          </a:p>
+        </p:txBody>
+      </p:sp>
+      <p:sp>
+        <p:nvSpPr>
+          <p:cNvPr id="59" name="Rectangle 58">
+            <a:extLst>
+              <a:ext uri="{FF2B5EF4-FFF2-40B4-BE49-F238E27FC236}">
+                <a16:creationId xmlns:a16="http://schemas.microsoft.com/office/drawing/2014/main" id="{EF8E1896-F3CC-4827-AED2-FDAEC6A11CFC}"/>
+              </a:ext>
+            </a:extLst>
+          </p:cNvPr>
+          <p:cNvSpPr/>
+          <p:nvPr/>
+        </p:nvSpPr>
+        <p:spPr>
+          <a:xfrm>
+            <a:off x="685796" y="6355076"/>
+            <a:ext cx="6400800" cy="228600"/>
+          </a:xfrm>
+          <a:prstGeom prst="rect">
+            <a:avLst/>
+          </a:prstGeom>
+          <a:noFill/>
+          <a:ln>
+            <a:solidFill>
+              <a:srgbClr val="FF0000"/>
+            </a:solidFill>
+            <a:prstDash val="sysDash"/>
+          </a:ln>
+        </p:spPr>
+        <p:style>
+          <a:lnRef idx="2">
+            <a:schemeClr val="accent1">
+              <a:shade val="15000"/>
+            </a:schemeClr>
+          </a:lnRef>
+          <a:fillRef idx="1">
+            <a:schemeClr val="accent1"/>
+          </a:fillRef>
+          <a:effectRef idx="0">
+            <a:schemeClr val="accent1"/>
+          </a:effectRef>
+          <a:fontRef idx="minor">
+            <a:schemeClr val="lt1"/>
+          </a:fontRef>
+        </p:style>
+        <p:txBody>
+          <a:bodyPr rtlCol="0" anchor="ctr"/>
+          <a:lstStyle/>
+          <a:p>
+            <a:pPr algn="ctr"/>
+            <a:endParaRPr lang="en-US"/>
+          </a:p>
+        </p:txBody>
+      </p:sp>
+      <p:sp>
+        <p:nvSpPr>
+          <p:cNvPr id="60" name="Rectangle 59">
+            <a:extLst>
+              <a:ext uri="{FF2B5EF4-FFF2-40B4-BE49-F238E27FC236}">
+                <a16:creationId xmlns:a16="http://schemas.microsoft.com/office/drawing/2014/main" id="{575703ED-B6AB-07DA-A74D-EABA42182962}"/>
+              </a:ext>
+            </a:extLst>
+          </p:cNvPr>
+          <p:cNvSpPr/>
+          <p:nvPr/>
+        </p:nvSpPr>
+        <p:spPr>
+          <a:xfrm>
+            <a:off x="685796" y="8321036"/>
+            <a:ext cx="6400800" cy="228600"/>
+          </a:xfrm>
+          <a:prstGeom prst="rect">
+            <a:avLst/>
+          </a:prstGeom>
+          <a:noFill/>
+          <a:ln>
+            <a:solidFill>
+              <a:srgbClr val="FF0000"/>
+            </a:solidFill>
+            <a:prstDash val="sysDash"/>
+          </a:ln>
+        </p:spPr>
+        <p:style>
+          <a:lnRef idx="2">
+            <a:schemeClr val="accent1">
+              <a:shade val="15000"/>
+            </a:schemeClr>
+          </a:lnRef>
+          <a:fillRef idx="1">
+            <a:schemeClr val="accent1"/>
+          </a:fillRef>
+          <a:effectRef idx="0">
+            <a:schemeClr val="accent1"/>
+          </a:effectRef>
+          <a:fontRef idx="minor">
+            <a:schemeClr val="lt1"/>
+          </a:fontRef>
+        </p:style>
+        <p:txBody>
+          <a:bodyPr rtlCol="0" anchor="ctr"/>
+          <a:lstStyle/>
+          <a:p>
+            <a:pPr algn="ctr"/>
+            <a:endParaRPr lang="en-US"/>
+          </a:p>
+        </p:txBody>
+      </p:sp>
+      <mc:AlternateContent xmlns:mc="http://schemas.openxmlformats.org/markup-compatibility/2006" xmlns:a14="http://schemas.microsoft.com/office/drawing/2010/main">
+        <mc:Choice Requires="a14">
+          <p:sp>
+            <p:nvSpPr>
+              <p:cNvPr id="61" name="TextBox 60">
+                <a:extLst>
+                  <a:ext uri="{FF2B5EF4-FFF2-40B4-BE49-F238E27FC236}">
+                    <a16:creationId xmlns:a16="http://schemas.microsoft.com/office/drawing/2014/main" id="{CB5293E2-F799-1185-E3DC-3FD409563EFF}"/>
+                  </a:ext>
+                </a:extLst>
+              </p:cNvPr>
+              <p:cNvSpPr txBox="1"/>
+              <p:nvPr/>
+            </p:nvSpPr>
+            <p:spPr>
+              <a:xfrm>
+                <a:off x="228593" y="5320196"/>
+                <a:ext cx="454902" cy="332399"/>
+              </a:xfrm>
+              <a:prstGeom prst="rect">
+                <a:avLst/>
+              </a:prstGeom>
+              <a:noFill/>
+            </p:spPr>
+            <p:txBody>
+              <a:bodyPr wrap="square" rtlCol="0">
+                <a:spAutoFit/>
+              </a:bodyPr>
+              <a:lstStyle/>
+              <a:p>
+                <a:pPr algn="r"/>
+                <a14:m>
+                  <m:oMathPara xmlns:m="http://schemas.openxmlformats.org/officeDocument/2006/math">
+                    <m:oMathParaPr>
+                      <m:jc m:val="right"/>
+                    </m:oMathParaPr>
+                    <m:oMath xmlns:m="http://schemas.openxmlformats.org/officeDocument/2006/math">
+                      <m:f>
+                        <m:fPr>
+                          <m:type m:val="skw"/>
+                          <m:ctrlPr>
+                            <a:rPr lang="en-US" sz="1200" i="1" smtClean="0">
+                              <a:solidFill>
+                                <a:srgbClr val="FF0000"/>
+                              </a:solidFill>
+                              <a:latin typeface="Cambria Math" panose="02040503050406030204" pitchFamily="18" charset="0"/>
+                            </a:rPr>
+                          </m:ctrlPr>
+                        </m:fPr>
+                        <m:num>
+                          <m:r>
+                            <a:rPr lang="en-US" sz="1200" b="0" i="0" smtClean="0">
+                              <a:solidFill>
+                                <a:srgbClr val="FF0000"/>
+                              </a:solidFill>
+                              <a:latin typeface="Cambria Math" panose="02040503050406030204" pitchFamily="18" charset="0"/>
+                            </a:rPr>
+                            <m:t>1</m:t>
+                          </m:r>
+                        </m:num>
+                        <m:den>
+                          <m:r>
+                            <a:rPr lang="en-US" sz="1200" b="0" i="0" smtClean="0">
+                              <a:solidFill>
+                                <a:srgbClr val="FF0000"/>
+                              </a:solidFill>
+                              <a:latin typeface="Cambria Math" panose="02040503050406030204" pitchFamily="18" charset="0"/>
+                            </a:rPr>
+                            <m:t>2</m:t>
+                          </m:r>
+                        </m:den>
+                      </m:f>
+                    </m:oMath>
+                  </m:oMathPara>
+                </a14:m>
+                <a:endParaRPr lang="en-US" sz="1200" dirty="0">
+                  <a:solidFill>
+                    <a:srgbClr val="FF0000"/>
+                  </a:solidFill>
+                </a:endParaRPr>
+              </a:p>
+            </p:txBody>
+          </p:sp>
+        </mc:Choice>
+        <mc:Fallback xmlns="">
+          <p:sp>
+            <p:nvSpPr>
+              <p:cNvPr id="61" name="TextBox 60">
+                <a:extLst>
+                  <a:ext uri="{FF2B5EF4-FFF2-40B4-BE49-F238E27FC236}">
+                    <a16:creationId xmlns:a16="http://schemas.microsoft.com/office/drawing/2014/main" id="{CB5293E2-F799-1185-E3DC-3FD409563EFF}"/>
+                  </a:ext>
+                </a:extLst>
+              </p:cNvPr>
+              <p:cNvSpPr txBox="1">
+                <a:spLocks noRot="1" noChangeAspect="1" noMove="1" noResize="1" noEditPoints="1" noAdjustHandles="1" noChangeArrowheads="1" noChangeShapeType="1" noTextEdit="1"/>
+              </p:cNvSpPr>
+              <p:nvPr/>
+            </p:nvSpPr>
+            <p:spPr>
+              <a:xfrm>
+                <a:off x="228593" y="5320196"/>
+                <a:ext cx="454902" cy="332399"/>
+              </a:xfrm>
+              <a:prstGeom prst="rect">
+                <a:avLst/>
+              </a:prstGeom>
+              <a:blipFill>
+                <a:blip r:embed="rId11"/>
+                <a:stretch>
+                  <a:fillRect l="-29333" t="-103704" r="-81333" b="-161111"/>
+                </a:stretch>
+              </a:blipFill>
+            </p:spPr>
+            <p:txBody>
+              <a:bodyPr/>
+              <a:lstStyle/>
+              <a:p>
+                <a:r>
+                  <a:rPr lang="en-US">
+                    <a:noFill/>
+                  </a:rPr>
+                  <a:t> </a:t>
+                </a:r>
+              </a:p>
+            </p:txBody>
+          </p:sp>
+        </mc:Fallback>
+      </mc:AlternateContent>
+      <mc:AlternateContent xmlns:mc="http://schemas.openxmlformats.org/markup-compatibility/2006" xmlns:a14="http://schemas.microsoft.com/office/drawing/2010/main">
+        <mc:Choice Requires="a14">
+          <p:sp>
+            <p:nvSpPr>
+              <p:cNvPr id="62" name="TextBox 61">
+                <a:extLst>
+                  <a:ext uri="{FF2B5EF4-FFF2-40B4-BE49-F238E27FC236}">
+                    <a16:creationId xmlns:a16="http://schemas.microsoft.com/office/drawing/2014/main" id="{D8ACB1D9-6210-37F8-A032-F4E956B6E356}"/>
+                  </a:ext>
+                </a:extLst>
+              </p:cNvPr>
+              <p:cNvSpPr txBox="1"/>
+              <p:nvPr/>
+            </p:nvSpPr>
+            <p:spPr>
+              <a:xfrm>
+                <a:off x="230892" y="2860161"/>
+                <a:ext cx="454902" cy="331757"/>
+              </a:xfrm>
+              <a:prstGeom prst="rect">
+                <a:avLst/>
+              </a:prstGeom>
+              <a:noFill/>
+            </p:spPr>
+            <p:txBody>
+              <a:bodyPr wrap="square" rtlCol="0">
+                <a:spAutoFit/>
+              </a:bodyPr>
+              <a:lstStyle/>
+              <a:p>
+                <a:pPr algn="r"/>
+                <a14:m>
+                  <m:oMathPara xmlns:m="http://schemas.openxmlformats.org/officeDocument/2006/math">
+                    <m:oMathParaPr>
+                      <m:jc m:val="right"/>
+                    </m:oMathParaPr>
+                    <m:oMath xmlns:m="http://schemas.openxmlformats.org/officeDocument/2006/math">
+                      <m:f>
+                        <m:fPr>
+                          <m:type m:val="skw"/>
+                          <m:ctrlPr>
+                            <a:rPr lang="en-US" sz="1200" i="1" smtClean="0">
+                              <a:solidFill>
+                                <a:srgbClr val="FF0000"/>
+                              </a:solidFill>
+                              <a:latin typeface="Cambria Math" panose="02040503050406030204" pitchFamily="18" charset="0"/>
+                            </a:rPr>
+                          </m:ctrlPr>
+                        </m:fPr>
+                        <m:num>
+                          <m:r>
+                            <a:rPr lang="en-US" sz="1200" b="0" i="0" smtClean="0">
+                              <a:solidFill>
+                                <a:srgbClr val="FF0000"/>
+                              </a:solidFill>
+                              <a:latin typeface="Cambria Math" panose="02040503050406030204" pitchFamily="18" charset="0"/>
+                            </a:rPr>
+                            <m:t>1</m:t>
+                          </m:r>
+                        </m:num>
+                        <m:den>
+                          <m:r>
+                            <a:rPr lang="en-US" sz="1200" b="0" i="0" smtClean="0">
+                              <a:solidFill>
+                                <a:srgbClr val="FF0000"/>
+                              </a:solidFill>
+                              <a:latin typeface="Cambria Math" panose="02040503050406030204" pitchFamily="18" charset="0"/>
+                            </a:rPr>
+                            <m:t>4</m:t>
+                          </m:r>
+                        </m:den>
+                      </m:f>
+                    </m:oMath>
+                  </m:oMathPara>
+                </a14:m>
+                <a:endParaRPr lang="en-US" sz="1200" dirty="0">
+                  <a:solidFill>
+                    <a:srgbClr val="FF0000"/>
+                  </a:solidFill>
+                </a:endParaRPr>
+              </a:p>
+            </p:txBody>
+          </p:sp>
+        </mc:Choice>
+        <mc:Fallback xmlns="">
+          <p:sp>
+            <p:nvSpPr>
+              <p:cNvPr id="62" name="TextBox 61">
+                <a:extLst>
+                  <a:ext uri="{FF2B5EF4-FFF2-40B4-BE49-F238E27FC236}">
+                    <a16:creationId xmlns:a16="http://schemas.microsoft.com/office/drawing/2014/main" id="{D8ACB1D9-6210-37F8-A032-F4E956B6E356}"/>
+                  </a:ext>
+                </a:extLst>
+              </p:cNvPr>
+              <p:cNvSpPr txBox="1">
+                <a:spLocks noRot="1" noChangeAspect="1" noMove="1" noResize="1" noEditPoints="1" noAdjustHandles="1" noChangeArrowheads="1" noChangeShapeType="1" noTextEdit="1"/>
+              </p:cNvSpPr>
+              <p:nvPr/>
+            </p:nvSpPr>
+            <p:spPr>
+              <a:xfrm>
+                <a:off x="230892" y="2860161"/>
+                <a:ext cx="454902" cy="331757"/>
+              </a:xfrm>
+              <a:prstGeom prst="rect">
+                <a:avLst/>
+              </a:prstGeom>
+              <a:blipFill>
+                <a:blip r:embed="rId3"/>
+                <a:stretch>
+                  <a:fillRect l="-31081" t="-101818" r="-82432" b="-156364"/>
+                </a:stretch>
+              </a:blipFill>
+            </p:spPr>
+            <p:txBody>
+              <a:bodyPr/>
+              <a:lstStyle/>
+              <a:p>
+                <a:r>
+                  <a:rPr lang="en-US">
+                    <a:noFill/>
+                  </a:rPr>
+                  <a:t> </a:t>
+                </a:r>
+              </a:p>
+            </p:txBody>
+          </p:sp>
+        </mc:Fallback>
+      </mc:AlternateContent>
+      <mc:AlternateContent xmlns:mc="http://schemas.openxmlformats.org/markup-compatibility/2006" xmlns:a14="http://schemas.microsoft.com/office/drawing/2010/main">
+        <mc:Choice Requires="a14">
+          <p:sp>
+            <p:nvSpPr>
+              <p:cNvPr id="63" name="TextBox 62">
+                <a:extLst>
+                  <a:ext uri="{FF2B5EF4-FFF2-40B4-BE49-F238E27FC236}">
+                    <a16:creationId xmlns:a16="http://schemas.microsoft.com/office/drawing/2014/main" id="{BABD0317-320F-32F0-9A1D-BE24E8A98FE1}"/>
+                  </a:ext>
+                </a:extLst>
+              </p:cNvPr>
+              <p:cNvSpPr txBox="1"/>
+              <p:nvPr/>
+            </p:nvSpPr>
+            <p:spPr>
+              <a:xfrm>
+                <a:off x="228593" y="8258359"/>
+                <a:ext cx="454902" cy="347724"/>
+              </a:xfrm>
+              <a:prstGeom prst="rect">
+                <a:avLst/>
+              </a:prstGeom>
+              <a:noFill/>
+            </p:spPr>
+            <p:txBody>
+              <a:bodyPr wrap="square" rtlCol="0">
+                <a:spAutoFit/>
+              </a:bodyPr>
+              <a:lstStyle/>
+              <a:p>
+                <a:pPr algn="r"/>
+                <a14:m>
+                  <m:oMathPara xmlns:m="http://schemas.openxmlformats.org/officeDocument/2006/math">
+                    <m:oMathParaPr>
+                      <m:jc m:val="right"/>
+                    </m:oMathParaPr>
+                    <m:oMath xmlns:m="http://schemas.openxmlformats.org/officeDocument/2006/math">
+                      <m:f>
+                        <m:fPr>
+                          <m:type m:val="skw"/>
+                          <m:ctrlPr>
+                            <a:rPr lang="en-US" sz="1200" i="1" smtClean="0">
+                              <a:solidFill>
+                                <a:srgbClr val="FF0000"/>
+                              </a:solidFill>
+                              <a:latin typeface="Cambria Math" panose="02040503050406030204" pitchFamily="18" charset="0"/>
+                            </a:rPr>
+                          </m:ctrlPr>
+                        </m:fPr>
+                        <m:num>
+                          <m:r>
+                            <a:rPr lang="en-US" sz="1200" b="0" i="0" smtClean="0">
+                              <a:solidFill>
+                                <a:srgbClr val="FF0000"/>
+                              </a:solidFill>
+                              <a:latin typeface="Cambria Math" panose="02040503050406030204" pitchFamily="18" charset="0"/>
+                            </a:rPr>
+                            <m:t>4</m:t>
+                          </m:r>
+                        </m:num>
+                        <m:den>
+                          <m:r>
+                            <a:rPr lang="en-US" sz="1200" b="0" i="0" smtClean="0">
+                              <a:solidFill>
+                                <a:srgbClr val="FF0000"/>
+                              </a:solidFill>
+                              <a:latin typeface="Cambria Math" panose="02040503050406030204" pitchFamily="18" charset="0"/>
+                            </a:rPr>
+                            <m:t>5</m:t>
+                          </m:r>
+                        </m:den>
+                      </m:f>
+                    </m:oMath>
+                  </m:oMathPara>
+                </a14:m>
+                <a:endParaRPr lang="en-US" sz="1200" dirty="0">
+                  <a:solidFill>
+                    <a:srgbClr val="FF0000"/>
+                  </a:solidFill>
+                </a:endParaRPr>
+              </a:p>
+            </p:txBody>
+          </p:sp>
+        </mc:Choice>
+        <mc:Fallback xmlns="">
+          <p:sp>
+            <p:nvSpPr>
+              <p:cNvPr id="63" name="TextBox 62">
+                <a:extLst>
+                  <a:ext uri="{FF2B5EF4-FFF2-40B4-BE49-F238E27FC236}">
+                    <a16:creationId xmlns:a16="http://schemas.microsoft.com/office/drawing/2014/main" id="{BABD0317-320F-32F0-9A1D-BE24E8A98FE1}"/>
+                  </a:ext>
+                </a:extLst>
+              </p:cNvPr>
+              <p:cNvSpPr txBox="1">
+                <a:spLocks noRot="1" noChangeAspect="1" noMove="1" noResize="1" noEditPoints="1" noAdjustHandles="1" noChangeArrowheads="1" noChangeShapeType="1" noTextEdit="1"/>
+              </p:cNvSpPr>
+              <p:nvPr/>
+            </p:nvSpPr>
+            <p:spPr>
+              <a:xfrm>
+                <a:off x="228593" y="8258359"/>
+                <a:ext cx="454902" cy="347724"/>
+              </a:xfrm>
+              <a:prstGeom prst="rect">
+                <a:avLst/>
+              </a:prstGeom>
+              <a:blipFill>
+                <a:blip r:embed="rId12"/>
+                <a:stretch>
+                  <a:fillRect l="-29333" t="-98246" r="-81333" b="-147368"/>
+                </a:stretch>
+              </a:blipFill>
+            </p:spPr>
+            <p:txBody>
+              <a:bodyPr/>
+              <a:lstStyle/>
+              <a:p>
+                <a:r>
+                  <a:rPr lang="en-US">
+                    <a:noFill/>
+                  </a:rPr>
+                  <a:t> </a:t>
+                </a:r>
+              </a:p>
+            </p:txBody>
+          </p:sp>
+        </mc:Fallback>
+      </mc:AlternateContent>
+      <mc:AlternateContent xmlns:mc="http://schemas.openxmlformats.org/markup-compatibility/2006" xmlns:a14="http://schemas.microsoft.com/office/drawing/2010/main">
+        <mc:Choice Requires="a14">
+          <p:sp>
+            <p:nvSpPr>
+              <p:cNvPr id="64" name="TextBox 63">
+                <a:extLst>
+                  <a:ext uri="{FF2B5EF4-FFF2-40B4-BE49-F238E27FC236}">
+                    <a16:creationId xmlns:a16="http://schemas.microsoft.com/office/drawing/2014/main" id="{2504BD0D-59FF-008A-F965-6BE974A4C935}"/>
+                  </a:ext>
+                </a:extLst>
+              </p:cNvPr>
+              <p:cNvSpPr txBox="1"/>
+              <p:nvPr/>
+            </p:nvSpPr>
+            <p:spPr>
+              <a:xfrm>
+                <a:off x="228593" y="2355174"/>
+                <a:ext cx="454902" cy="348365"/>
+              </a:xfrm>
+              <a:prstGeom prst="rect">
+                <a:avLst/>
+              </a:prstGeom>
+              <a:noFill/>
+            </p:spPr>
+            <p:txBody>
+              <a:bodyPr wrap="square" rtlCol="0">
+                <a:spAutoFit/>
+              </a:bodyPr>
+              <a:lstStyle/>
+              <a:p>
+                <a:pPr algn="r"/>
+                <a14:m>
+                  <m:oMathPara xmlns:m="http://schemas.openxmlformats.org/officeDocument/2006/math">
+                    <m:oMathParaPr>
+                      <m:jc m:val="right"/>
+                    </m:oMathParaPr>
+                    <m:oMath xmlns:m="http://schemas.openxmlformats.org/officeDocument/2006/math">
+                      <m:f>
+                        <m:fPr>
+                          <m:type m:val="skw"/>
+                          <m:ctrlPr>
+                            <a:rPr lang="en-US" sz="1200" i="1" smtClean="0">
+                              <a:solidFill>
+                                <a:srgbClr val="FF0000"/>
+                              </a:solidFill>
+                              <a:latin typeface="Cambria Math" panose="02040503050406030204" pitchFamily="18" charset="0"/>
+                            </a:rPr>
+                          </m:ctrlPr>
+                        </m:fPr>
+                        <m:num>
+                          <m:r>
+                            <a:rPr lang="en-US" sz="1200" b="0" i="0" smtClean="0">
+                              <a:solidFill>
+                                <a:srgbClr val="FF0000"/>
+                              </a:solidFill>
+                              <a:latin typeface="Cambria Math" panose="02040503050406030204" pitchFamily="18" charset="0"/>
+                            </a:rPr>
+                            <m:t>1</m:t>
+                          </m:r>
+                        </m:num>
+                        <m:den>
+                          <m:r>
+                            <a:rPr lang="en-US" sz="1200" b="0" i="0" smtClean="0">
+                              <a:solidFill>
+                                <a:srgbClr val="FF0000"/>
+                              </a:solidFill>
+                              <a:latin typeface="Cambria Math" panose="02040503050406030204" pitchFamily="18" charset="0"/>
+                            </a:rPr>
+                            <m:t>5</m:t>
+                          </m:r>
+                        </m:den>
+                      </m:f>
+                    </m:oMath>
+                  </m:oMathPara>
+                </a14:m>
+                <a:endParaRPr lang="en-US" sz="1200" dirty="0">
+                  <a:solidFill>
+                    <a:srgbClr val="FF0000"/>
+                  </a:solidFill>
+                </a:endParaRPr>
+              </a:p>
+            </p:txBody>
+          </p:sp>
+        </mc:Choice>
+        <mc:Fallback xmlns="">
+          <p:sp>
+            <p:nvSpPr>
+              <p:cNvPr id="64" name="TextBox 63">
+                <a:extLst>
+                  <a:ext uri="{FF2B5EF4-FFF2-40B4-BE49-F238E27FC236}">
+                    <a16:creationId xmlns:a16="http://schemas.microsoft.com/office/drawing/2014/main" id="{2504BD0D-59FF-008A-F965-6BE974A4C935}"/>
+                  </a:ext>
+                </a:extLst>
+              </p:cNvPr>
+              <p:cNvSpPr txBox="1">
+                <a:spLocks noRot="1" noChangeAspect="1" noMove="1" noResize="1" noEditPoints="1" noAdjustHandles="1" noChangeArrowheads="1" noChangeShapeType="1" noTextEdit="1"/>
+              </p:cNvSpPr>
+              <p:nvPr/>
+            </p:nvSpPr>
+            <p:spPr>
+              <a:xfrm>
+                <a:off x="228593" y="2355174"/>
+                <a:ext cx="454902" cy="348365"/>
+              </a:xfrm>
+              <a:prstGeom prst="rect">
+                <a:avLst/>
+              </a:prstGeom>
+              <a:blipFill>
+                <a:blip r:embed="rId13"/>
+                <a:stretch>
+                  <a:fillRect l="-29333" t="-98246" r="-81333" b="-147368"/>
+                </a:stretch>
+              </a:blipFill>
+            </p:spPr>
+            <p:txBody>
+              <a:bodyPr/>
+              <a:lstStyle/>
+              <a:p>
+                <a:r>
+                  <a:rPr lang="en-US">
+                    <a:noFill/>
+                  </a:rPr>
+                  <a:t> </a:t>
+                </a:r>
+              </a:p>
+            </p:txBody>
+          </p:sp>
+        </mc:Fallback>
+      </mc:AlternateContent>
+      <mc:AlternateContent xmlns:mc="http://schemas.openxmlformats.org/markup-compatibility/2006" xmlns:a14="http://schemas.microsoft.com/office/drawing/2010/main">
+        <mc:Choice Requires="a14">
+          <p:sp>
+            <p:nvSpPr>
+              <p:cNvPr id="65" name="TextBox 64">
+                <a:extLst>
+                  <a:ext uri="{FF2B5EF4-FFF2-40B4-BE49-F238E27FC236}">
+                    <a16:creationId xmlns:a16="http://schemas.microsoft.com/office/drawing/2014/main" id="{9FE518DD-A598-DAFE-DAFB-4C70219661F1}"/>
+                  </a:ext>
+                </a:extLst>
+              </p:cNvPr>
+              <p:cNvSpPr txBox="1"/>
+              <p:nvPr/>
+            </p:nvSpPr>
+            <p:spPr>
+              <a:xfrm>
+                <a:off x="228593" y="3674683"/>
+                <a:ext cx="454902" cy="333617"/>
+              </a:xfrm>
+              <a:prstGeom prst="rect">
+                <a:avLst/>
+              </a:prstGeom>
+              <a:noFill/>
+            </p:spPr>
+            <p:txBody>
+              <a:bodyPr wrap="square" rtlCol="0">
+                <a:spAutoFit/>
+              </a:bodyPr>
+              <a:lstStyle/>
+              <a:p>
+                <a:pPr algn="r"/>
+                <a14:m>
+                  <m:oMathPara xmlns:m="http://schemas.openxmlformats.org/officeDocument/2006/math">
+                    <m:oMathParaPr>
+                      <m:jc m:val="right"/>
+                    </m:oMathParaPr>
+                    <m:oMath xmlns:m="http://schemas.openxmlformats.org/officeDocument/2006/math">
+                      <m:f>
+                        <m:fPr>
+                          <m:type m:val="skw"/>
+                          <m:ctrlPr>
+                            <a:rPr lang="en-US" sz="1200" i="1" smtClean="0">
+                              <a:solidFill>
+                                <a:srgbClr val="FF0000"/>
+                              </a:solidFill>
+                              <a:latin typeface="Cambria Math" panose="02040503050406030204" pitchFamily="18" charset="0"/>
+                            </a:rPr>
+                          </m:ctrlPr>
+                        </m:fPr>
+                        <m:num>
+                          <m:r>
+                            <a:rPr lang="en-US" sz="1200" b="0" i="0" smtClean="0">
+                              <a:solidFill>
+                                <a:srgbClr val="FF0000"/>
+                              </a:solidFill>
+                              <a:latin typeface="Cambria Math" panose="02040503050406030204" pitchFamily="18" charset="0"/>
+                            </a:rPr>
+                            <m:t>1</m:t>
+                          </m:r>
+                        </m:num>
+                        <m:den>
+                          <m:r>
+                            <a:rPr lang="en-US" sz="1200" b="0" i="0" smtClean="0">
+                              <a:solidFill>
+                                <a:srgbClr val="FF0000"/>
+                              </a:solidFill>
+                              <a:latin typeface="Cambria Math" panose="02040503050406030204" pitchFamily="18" charset="0"/>
+                            </a:rPr>
+                            <m:t>3</m:t>
+                          </m:r>
+                        </m:den>
+                      </m:f>
+                    </m:oMath>
+                  </m:oMathPara>
+                </a14:m>
+                <a:endParaRPr lang="en-US" sz="1200" dirty="0">
+                  <a:solidFill>
+                    <a:srgbClr val="FF0000"/>
+                  </a:solidFill>
+                </a:endParaRPr>
+              </a:p>
+            </p:txBody>
+          </p:sp>
+        </mc:Choice>
+        <mc:Fallback xmlns="">
+          <p:sp>
+            <p:nvSpPr>
+              <p:cNvPr id="65" name="TextBox 64">
+                <a:extLst>
+                  <a:ext uri="{FF2B5EF4-FFF2-40B4-BE49-F238E27FC236}">
+                    <a16:creationId xmlns:a16="http://schemas.microsoft.com/office/drawing/2014/main" id="{9FE518DD-A598-DAFE-DAFB-4C70219661F1}"/>
+                  </a:ext>
+                </a:extLst>
+              </p:cNvPr>
+              <p:cNvSpPr txBox="1">
+                <a:spLocks noRot="1" noChangeAspect="1" noMove="1" noResize="1" noEditPoints="1" noAdjustHandles="1" noChangeArrowheads="1" noChangeShapeType="1" noTextEdit="1"/>
+              </p:cNvSpPr>
+              <p:nvPr/>
+            </p:nvSpPr>
+            <p:spPr>
+              <a:xfrm>
+                <a:off x="228593" y="3674683"/>
+                <a:ext cx="454902" cy="333617"/>
+              </a:xfrm>
+              <a:prstGeom prst="rect">
+                <a:avLst/>
+              </a:prstGeom>
+              <a:blipFill>
+                <a:blip r:embed="rId14"/>
+                <a:stretch>
+                  <a:fillRect l="-29333" t="-101818" r="-81333" b="-156364"/>
+                </a:stretch>
+              </a:blipFill>
+            </p:spPr>
+            <p:txBody>
+              <a:bodyPr/>
+              <a:lstStyle/>
+              <a:p>
+                <a:r>
+                  <a:rPr lang="en-US">
+                    <a:noFill/>
+                  </a:rPr>
+                  <a:t> </a:t>
+                </a:r>
+              </a:p>
+            </p:txBody>
+          </p:sp>
+        </mc:Fallback>
+      </mc:AlternateContent>
+      <mc:AlternateContent xmlns:mc="http://schemas.openxmlformats.org/markup-compatibility/2006" xmlns:a14="http://schemas.microsoft.com/office/drawing/2010/main">
+        <mc:Choice Requires="a14">
+          <p:sp>
+            <p:nvSpPr>
+              <p:cNvPr id="66" name="TextBox 65">
+                <a:extLst>
+                  <a:ext uri="{FF2B5EF4-FFF2-40B4-BE49-F238E27FC236}">
+                    <a16:creationId xmlns:a16="http://schemas.microsoft.com/office/drawing/2014/main" id="{6552BA45-45EC-8BB4-6E29-222B41BA352B}"/>
+                  </a:ext>
+                </a:extLst>
+              </p:cNvPr>
+              <p:cNvSpPr txBox="1"/>
+              <p:nvPr/>
+            </p:nvSpPr>
+            <p:spPr>
+              <a:xfrm>
+                <a:off x="228593" y="4332285"/>
+                <a:ext cx="454902" cy="348365"/>
+              </a:xfrm>
+              <a:prstGeom prst="rect">
+                <a:avLst/>
+              </a:prstGeom>
+              <a:noFill/>
+            </p:spPr>
+            <p:txBody>
+              <a:bodyPr wrap="square" rtlCol="0">
+                <a:spAutoFit/>
+              </a:bodyPr>
+              <a:lstStyle/>
+              <a:p>
+                <a:pPr algn="r"/>
+                <a14:m>
+                  <m:oMathPara xmlns:m="http://schemas.openxmlformats.org/officeDocument/2006/math">
+                    <m:oMathParaPr>
+                      <m:jc m:val="right"/>
+                    </m:oMathParaPr>
+                    <m:oMath xmlns:m="http://schemas.openxmlformats.org/officeDocument/2006/math">
+                      <m:f>
+                        <m:fPr>
+                          <m:type m:val="skw"/>
+                          <m:ctrlPr>
+                            <a:rPr lang="en-US" sz="1200" i="1" smtClean="0">
+                              <a:solidFill>
+                                <a:srgbClr val="FF0000"/>
+                              </a:solidFill>
+                              <a:latin typeface="Cambria Math" panose="02040503050406030204" pitchFamily="18" charset="0"/>
+                            </a:rPr>
+                          </m:ctrlPr>
+                        </m:fPr>
+                        <m:num>
+                          <m:r>
+                            <a:rPr lang="en-US" sz="1200" b="0" i="0" smtClean="0">
+                              <a:solidFill>
+                                <a:srgbClr val="FF0000"/>
+                              </a:solidFill>
+                              <a:latin typeface="Cambria Math" panose="02040503050406030204" pitchFamily="18" charset="0"/>
+                            </a:rPr>
+                            <m:t>2</m:t>
+                          </m:r>
+                        </m:num>
+                        <m:den>
+                          <m:r>
+                            <a:rPr lang="en-US" sz="1200" b="0" i="0" smtClean="0">
+                              <a:solidFill>
+                                <a:srgbClr val="FF0000"/>
+                              </a:solidFill>
+                              <a:latin typeface="Cambria Math" panose="02040503050406030204" pitchFamily="18" charset="0"/>
+                            </a:rPr>
+                            <m:t>5</m:t>
+                          </m:r>
+                        </m:den>
+                      </m:f>
+                    </m:oMath>
+                  </m:oMathPara>
+                </a14:m>
+                <a:endParaRPr lang="en-US" sz="1200" dirty="0">
+                  <a:solidFill>
+                    <a:srgbClr val="FF0000"/>
+                  </a:solidFill>
+                </a:endParaRPr>
+              </a:p>
+            </p:txBody>
+          </p:sp>
+        </mc:Choice>
+        <mc:Fallback xmlns="">
+          <p:sp>
+            <p:nvSpPr>
+              <p:cNvPr id="66" name="TextBox 65">
+                <a:extLst>
+                  <a:ext uri="{FF2B5EF4-FFF2-40B4-BE49-F238E27FC236}">
+                    <a16:creationId xmlns:a16="http://schemas.microsoft.com/office/drawing/2014/main" id="{6552BA45-45EC-8BB4-6E29-222B41BA352B}"/>
+                  </a:ext>
+                </a:extLst>
+              </p:cNvPr>
+              <p:cNvSpPr txBox="1">
+                <a:spLocks noRot="1" noChangeAspect="1" noMove="1" noResize="1" noEditPoints="1" noAdjustHandles="1" noChangeArrowheads="1" noChangeShapeType="1" noTextEdit="1"/>
+              </p:cNvSpPr>
+              <p:nvPr/>
+            </p:nvSpPr>
+            <p:spPr>
+              <a:xfrm>
+                <a:off x="228593" y="4332285"/>
+                <a:ext cx="454902" cy="348365"/>
+              </a:xfrm>
+              <a:prstGeom prst="rect">
+                <a:avLst/>
+              </a:prstGeom>
+              <a:blipFill>
+                <a:blip r:embed="rId15"/>
+                <a:stretch>
+                  <a:fillRect l="-29333" t="-98246" r="-81333" b="-147368"/>
+                </a:stretch>
+              </a:blipFill>
+            </p:spPr>
+            <p:txBody>
+              <a:bodyPr/>
+              <a:lstStyle/>
+              <a:p>
+                <a:r>
+                  <a:rPr lang="en-US">
+                    <a:noFill/>
+                  </a:rPr>
+                  <a:t> </a:t>
+                </a:r>
+              </a:p>
+            </p:txBody>
+          </p:sp>
+        </mc:Fallback>
+      </mc:AlternateContent>
+      <mc:AlternateContent xmlns:mc="http://schemas.openxmlformats.org/markup-compatibility/2006" xmlns:a14="http://schemas.microsoft.com/office/drawing/2010/main">
+        <mc:Choice Requires="a14">
+          <p:sp>
+            <p:nvSpPr>
+              <p:cNvPr id="67" name="TextBox 66">
+                <a:extLst>
+                  <a:ext uri="{FF2B5EF4-FFF2-40B4-BE49-F238E27FC236}">
+                    <a16:creationId xmlns:a16="http://schemas.microsoft.com/office/drawing/2014/main" id="{63A3C246-B59F-2938-0961-74DAEA684F06}"/>
+                  </a:ext>
+                </a:extLst>
+              </p:cNvPr>
+              <p:cNvSpPr txBox="1"/>
+              <p:nvPr/>
+            </p:nvSpPr>
+            <p:spPr>
+              <a:xfrm>
+                <a:off x="228593" y="6300066"/>
+                <a:ext cx="454902" cy="338619"/>
+              </a:xfrm>
+              <a:prstGeom prst="rect">
+                <a:avLst/>
+              </a:prstGeom>
+              <a:noFill/>
+            </p:spPr>
+            <p:txBody>
+              <a:bodyPr wrap="square" rtlCol="0">
+                <a:spAutoFit/>
+              </a:bodyPr>
+              <a:lstStyle/>
+              <a:p>
+                <a:pPr algn="r"/>
+                <a14:m>
+                  <m:oMathPara xmlns:m="http://schemas.openxmlformats.org/officeDocument/2006/math">
+                    <m:oMathParaPr>
+                      <m:jc m:val="right"/>
+                    </m:oMathParaPr>
+                    <m:oMath xmlns:m="http://schemas.openxmlformats.org/officeDocument/2006/math">
+                      <m:f>
+                        <m:fPr>
+                          <m:type m:val="skw"/>
+                          <m:ctrlPr>
+                            <a:rPr lang="en-US" sz="1200" i="1" smtClean="0">
+                              <a:solidFill>
+                                <a:srgbClr val="FF0000"/>
+                              </a:solidFill>
+                              <a:latin typeface="Cambria Math" panose="02040503050406030204" pitchFamily="18" charset="0"/>
+                            </a:rPr>
+                          </m:ctrlPr>
+                        </m:fPr>
+                        <m:num>
+                          <m:r>
+                            <a:rPr lang="en-US" sz="1200" b="0" i="0" smtClean="0">
+                              <a:solidFill>
+                                <a:srgbClr val="FF0000"/>
+                              </a:solidFill>
+                              <a:latin typeface="Cambria Math" panose="02040503050406030204" pitchFamily="18" charset="0"/>
+                            </a:rPr>
+                            <m:t>3</m:t>
+                          </m:r>
+                        </m:num>
+                        <m:den>
+                          <m:r>
+                            <a:rPr lang="en-US" sz="1200" b="0" i="0" smtClean="0">
+                              <a:solidFill>
+                                <a:srgbClr val="FF0000"/>
+                              </a:solidFill>
+                              <a:latin typeface="Cambria Math" panose="02040503050406030204" pitchFamily="18" charset="0"/>
+                            </a:rPr>
+                            <m:t>5</m:t>
+                          </m:r>
+                        </m:den>
+                      </m:f>
+                    </m:oMath>
+                  </m:oMathPara>
+                </a14:m>
+                <a:endParaRPr lang="en-US" sz="1200" dirty="0">
+                  <a:solidFill>
+                    <a:srgbClr val="FF0000"/>
+                  </a:solidFill>
+                </a:endParaRPr>
+              </a:p>
+            </p:txBody>
+          </p:sp>
+        </mc:Choice>
+        <mc:Fallback xmlns="">
+          <p:sp>
+            <p:nvSpPr>
+              <p:cNvPr id="67" name="TextBox 66">
+                <a:extLst>
+                  <a:ext uri="{FF2B5EF4-FFF2-40B4-BE49-F238E27FC236}">
+                    <a16:creationId xmlns:a16="http://schemas.microsoft.com/office/drawing/2014/main" id="{63A3C246-B59F-2938-0961-74DAEA684F06}"/>
+                  </a:ext>
+                </a:extLst>
+              </p:cNvPr>
+              <p:cNvSpPr txBox="1">
+                <a:spLocks noRot="1" noChangeAspect="1" noMove="1" noResize="1" noEditPoints="1" noAdjustHandles="1" noChangeArrowheads="1" noChangeShapeType="1" noTextEdit="1"/>
+              </p:cNvSpPr>
+              <p:nvPr/>
+            </p:nvSpPr>
+            <p:spPr>
+              <a:xfrm>
+                <a:off x="228593" y="6300066"/>
+                <a:ext cx="454902" cy="338619"/>
+              </a:xfrm>
+              <a:prstGeom prst="rect">
+                <a:avLst/>
+              </a:prstGeom>
+              <a:blipFill>
+                <a:blip r:embed="rId16"/>
+                <a:stretch>
+                  <a:fillRect l="-29333" t="-98214" r="-81333" b="-153571"/>
+                </a:stretch>
+              </a:blipFill>
+            </p:spPr>
+            <p:txBody>
+              <a:bodyPr/>
+              <a:lstStyle/>
+              <a:p>
+                <a:r>
+                  <a:rPr lang="en-US">
+                    <a:noFill/>
+                  </a:rPr>
+                  <a:t> </a:t>
+                </a:r>
+              </a:p>
+            </p:txBody>
+          </p:sp>
+        </mc:Fallback>
+      </mc:AlternateContent>
+      <mc:AlternateContent xmlns:mc="http://schemas.openxmlformats.org/markup-compatibility/2006" xmlns:a14="http://schemas.microsoft.com/office/drawing/2010/main">
+        <mc:Choice Requires="a14">
+          <p:sp>
+            <p:nvSpPr>
+              <p:cNvPr id="68" name="TextBox 67">
+                <a:extLst>
+                  <a:ext uri="{FF2B5EF4-FFF2-40B4-BE49-F238E27FC236}">
+                    <a16:creationId xmlns:a16="http://schemas.microsoft.com/office/drawing/2014/main" id="{7EE7F86A-E433-A96D-BD8C-E8431E569906}"/>
+                  </a:ext>
+                </a:extLst>
+              </p:cNvPr>
+              <p:cNvSpPr txBox="1"/>
+              <p:nvPr/>
+            </p:nvSpPr>
+            <p:spPr>
+              <a:xfrm>
+                <a:off x="228593" y="6951929"/>
+                <a:ext cx="454902" cy="333617"/>
+              </a:xfrm>
+              <a:prstGeom prst="rect">
+                <a:avLst/>
+              </a:prstGeom>
+              <a:noFill/>
+            </p:spPr>
+            <p:txBody>
+              <a:bodyPr wrap="square" rtlCol="0">
+                <a:spAutoFit/>
+              </a:bodyPr>
+              <a:lstStyle/>
+              <a:p>
+                <a:pPr algn="r"/>
+                <a14:m>
+                  <m:oMathPara xmlns:m="http://schemas.openxmlformats.org/officeDocument/2006/math">
+                    <m:oMathParaPr>
+                      <m:jc m:val="right"/>
+                    </m:oMathParaPr>
+                    <m:oMath xmlns:m="http://schemas.openxmlformats.org/officeDocument/2006/math">
+                      <m:f>
+                        <m:fPr>
+                          <m:type m:val="skw"/>
+                          <m:ctrlPr>
+                            <a:rPr lang="en-US" sz="1200" i="1" smtClean="0">
+                              <a:solidFill>
+                                <a:srgbClr val="FF0000"/>
+                              </a:solidFill>
+                              <a:latin typeface="Cambria Math" panose="02040503050406030204" pitchFamily="18" charset="0"/>
+                            </a:rPr>
+                          </m:ctrlPr>
+                        </m:fPr>
+                        <m:num>
+                          <m:r>
+                            <a:rPr lang="en-US" sz="1200" b="0" i="0" smtClean="0">
+                              <a:solidFill>
+                                <a:srgbClr val="FF0000"/>
+                              </a:solidFill>
+                              <a:latin typeface="Cambria Math" panose="02040503050406030204" pitchFamily="18" charset="0"/>
+                            </a:rPr>
+                            <m:t>2</m:t>
+                          </m:r>
+                        </m:num>
+                        <m:den>
+                          <m:r>
+                            <a:rPr lang="en-US" sz="1200" b="0" i="0" smtClean="0">
+                              <a:solidFill>
+                                <a:srgbClr val="FF0000"/>
+                              </a:solidFill>
+                              <a:latin typeface="Cambria Math" panose="02040503050406030204" pitchFamily="18" charset="0"/>
+                            </a:rPr>
+                            <m:t>3</m:t>
+                          </m:r>
+                        </m:den>
+                      </m:f>
+                    </m:oMath>
+                  </m:oMathPara>
+                </a14:m>
+                <a:endParaRPr lang="en-US" sz="1200" dirty="0">
+                  <a:solidFill>
+                    <a:srgbClr val="FF0000"/>
+                  </a:solidFill>
+                </a:endParaRPr>
+              </a:p>
+            </p:txBody>
+          </p:sp>
+        </mc:Choice>
+        <mc:Fallback xmlns="">
+          <p:sp>
+            <p:nvSpPr>
+              <p:cNvPr id="68" name="TextBox 67">
+                <a:extLst>
+                  <a:ext uri="{FF2B5EF4-FFF2-40B4-BE49-F238E27FC236}">
+                    <a16:creationId xmlns:a16="http://schemas.microsoft.com/office/drawing/2014/main" id="{7EE7F86A-E433-A96D-BD8C-E8431E569906}"/>
+                  </a:ext>
+                </a:extLst>
+              </p:cNvPr>
+              <p:cNvSpPr txBox="1">
+                <a:spLocks noRot="1" noChangeAspect="1" noMove="1" noResize="1" noEditPoints="1" noAdjustHandles="1" noChangeArrowheads="1" noChangeShapeType="1" noTextEdit="1"/>
+              </p:cNvSpPr>
+              <p:nvPr/>
+            </p:nvSpPr>
+            <p:spPr>
+              <a:xfrm>
+                <a:off x="228593" y="6951929"/>
+                <a:ext cx="454902" cy="333617"/>
+              </a:xfrm>
+              <a:prstGeom prst="rect">
+                <a:avLst/>
+              </a:prstGeom>
+              <a:blipFill>
+                <a:blip r:embed="rId17"/>
+                <a:stretch>
+                  <a:fillRect l="-29333" t="-101818" r="-81333" b="-156364"/>
+                </a:stretch>
+              </a:blipFill>
+            </p:spPr>
+            <p:txBody>
+              <a:bodyPr/>
+              <a:lstStyle/>
+              <a:p>
+                <a:r>
+                  <a:rPr lang="en-US">
+                    <a:noFill/>
+                  </a:rPr>
+                  <a:t> </a:t>
+                </a:r>
+              </a:p>
+            </p:txBody>
+          </p:sp>
+        </mc:Fallback>
+      </mc:AlternateContent>
+      <mc:AlternateContent xmlns:mc="http://schemas.openxmlformats.org/markup-compatibility/2006" xmlns:a14="http://schemas.microsoft.com/office/drawing/2010/main">
+        <mc:Choice Requires="a14">
+          <p:sp>
+            <p:nvSpPr>
+              <p:cNvPr id="69" name="TextBox 68">
+                <a:extLst>
+                  <a:ext uri="{FF2B5EF4-FFF2-40B4-BE49-F238E27FC236}">
+                    <a16:creationId xmlns:a16="http://schemas.microsoft.com/office/drawing/2014/main" id="{7A70E13F-3A7B-3A40-F5B4-9E5E07A9A1C4}"/>
+                  </a:ext>
+                </a:extLst>
+              </p:cNvPr>
+              <p:cNvSpPr txBox="1"/>
+              <p:nvPr/>
+            </p:nvSpPr>
+            <p:spPr>
+              <a:xfrm>
+                <a:off x="229795" y="7767303"/>
+                <a:ext cx="454902" cy="332976"/>
+              </a:xfrm>
+              <a:prstGeom prst="rect">
+                <a:avLst/>
+              </a:prstGeom>
+              <a:noFill/>
+            </p:spPr>
+            <p:txBody>
+              <a:bodyPr wrap="square" rtlCol="0">
+                <a:spAutoFit/>
+              </a:bodyPr>
+              <a:lstStyle/>
+              <a:p>
+                <a:pPr algn="r"/>
+                <a14:m>
+                  <m:oMathPara xmlns:m="http://schemas.openxmlformats.org/officeDocument/2006/math">
+                    <m:oMathParaPr>
+                      <m:jc m:val="right"/>
+                    </m:oMathParaPr>
+                    <m:oMath xmlns:m="http://schemas.openxmlformats.org/officeDocument/2006/math">
+                      <m:f>
+                        <m:fPr>
+                          <m:type m:val="skw"/>
+                          <m:ctrlPr>
+                            <a:rPr lang="en-US" sz="1200" i="1" smtClean="0">
+                              <a:solidFill>
+                                <a:srgbClr val="FF0000"/>
+                              </a:solidFill>
+                              <a:latin typeface="Cambria Math" panose="02040503050406030204" pitchFamily="18" charset="0"/>
+                            </a:rPr>
+                          </m:ctrlPr>
+                        </m:fPr>
+                        <m:num>
+                          <m:r>
+                            <a:rPr lang="en-US" sz="1200" b="0" i="0" smtClean="0">
+                              <a:solidFill>
+                                <a:srgbClr val="FF0000"/>
+                              </a:solidFill>
+                              <a:latin typeface="Cambria Math" panose="02040503050406030204" pitchFamily="18" charset="0"/>
+                            </a:rPr>
+                            <m:t>3</m:t>
+                          </m:r>
+                        </m:num>
+                        <m:den>
+                          <m:r>
+                            <a:rPr lang="en-US" sz="1200" b="0" i="0" smtClean="0">
+                              <a:solidFill>
+                                <a:srgbClr val="FF0000"/>
+                              </a:solidFill>
+                              <a:latin typeface="Cambria Math" panose="02040503050406030204" pitchFamily="18" charset="0"/>
+                            </a:rPr>
+                            <m:t>4</m:t>
+                          </m:r>
+                        </m:den>
+                      </m:f>
+                    </m:oMath>
+                  </m:oMathPara>
+                </a14:m>
+                <a:endParaRPr lang="en-US" sz="1200" dirty="0">
+                  <a:solidFill>
+                    <a:srgbClr val="FF0000"/>
+                  </a:solidFill>
+                </a:endParaRPr>
+              </a:p>
+            </p:txBody>
+          </p:sp>
+        </mc:Choice>
+        <mc:Fallback xmlns="">
+          <p:sp>
+            <p:nvSpPr>
+              <p:cNvPr id="69" name="TextBox 68">
+                <a:extLst>
+                  <a:ext uri="{FF2B5EF4-FFF2-40B4-BE49-F238E27FC236}">
+                    <a16:creationId xmlns:a16="http://schemas.microsoft.com/office/drawing/2014/main" id="{7A70E13F-3A7B-3A40-F5B4-9E5E07A9A1C4}"/>
+                  </a:ext>
+                </a:extLst>
+              </p:cNvPr>
+              <p:cNvSpPr txBox="1">
+                <a:spLocks noRot="1" noChangeAspect="1" noMove="1" noResize="1" noEditPoints="1" noAdjustHandles="1" noChangeArrowheads="1" noChangeShapeType="1" noTextEdit="1"/>
+              </p:cNvSpPr>
+              <p:nvPr/>
+            </p:nvSpPr>
+            <p:spPr>
+              <a:xfrm>
+                <a:off x="229795" y="7767303"/>
+                <a:ext cx="454902" cy="332976"/>
+              </a:xfrm>
+              <a:prstGeom prst="rect">
+                <a:avLst/>
+              </a:prstGeom>
+              <a:blipFill>
+                <a:blip r:embed="rId18"/>
+                <a:stretch>
+                  <a:fillRect l="-31081" t="-100000" r="-82432" b="-158182"/>
+                </a:stretch>
+              </a:blipFill>
+            </p:spPr>
+            <p:txBody>
+              <a:bodyPr/>
+              <a:lstStyle/>
+              <a:p>
+                <a:r>
+                  <a:rPr lang="en-US">
+                    <a:noFill/>
+                  </a:rPr>
+                  <a:t> </a:t>
+                </a:r>
+              </a:p>
+            </p:txBody>
+          </p:sp>
+        </mc:Fallback>
+      </mc:AlternateContent>
+      <p:sp>
+        <p:nvSpPr>
+          <p:cNvPr id="8" name="Rectangle 7">
+            <a:extLst>
+              <a:ext uri="{FF2B5EF4-FFF2-40B4-BE49-F238E27FC236}">
+                <a16:creationId xmlns:a16="http://schemas.microsoft.com/office/drawing/2014/main" id="{86E49D0F-DD62-4E5B-E85C-822C2AC7AE96}"/>
+              </a:ext>
+            </a:extLst>
+          </p:cNvPr>
+          <p:cNvSpPr/>
+          <p:nvPr/>
+        </p:nvSpPr>
+        <p:spPr>
+          <a:xfrm>
+            <a:off x="685796" y="2096195"/>
+            <a:ext cx="6400800" cy="228600"/>
+          </a:xfrm>
+          <a:prstGeom prst="rect">
+            <a:avLst/>
+          </a:prstGeom>
+          <a:noFill/>
+          <a:ln>
+            <a:solidFill>
+              <a:srgbClr val="FF0000"/>
+            </a:solidFill>
+            <a:prstDash val="sysDot"/>
+          </a:ln>
+        </p:spPr>
+        <p:style>
+          <a:lnRef idx="2">
+            <a:schemeClr val="accent1">
+              <a:shade val="15000"/>
+            </a:schemeClr>
+          </a:lnRef>
+          <a:fillRef idx="1">
+            <a:schemeClr val="accent1"/>
+          </a:fillRef>
+          <a:effectRef idx="0">
+            <a:schemeClr val="accent1"/>
+          </a:effectRef>
+          <a:fontRef idx="minor">
+            <a:schemeClr val="lt1"/>
+          </a:fontRef>
+        </p:style>
+        <p:txBody>
+          <a:bodyPr rtlCol="0" anchor="ctr"/>
+          <a:lstStyle/>
+          <a:p>
+            <a:pPr algn="ctr"/>
+            <a:endParaRPr lang="en-US"/>
+          </a:p>
+        </p:txBody>
+      </p:sp>
+      <p:sp>
+        <p:nvSpPr>
+          <p:cNvPr id="9" name="Rectangle 8">
+            <a:extLst>
+              <a:ext uri="{FF2B5EF4-FFF2-40B4-BE49-F238E27FC236}">
+                <a16:creationId xmlns:a16="http://schemas.microsoft.com/office/drawing/2014/main" id="{3C5C8308-7FFC-BB6A-369F-71D3274C3415}"/>
+              </a:ext>
+            </a:extLst>
+          </p:cNvPr>
+          <p:cNvSpPr/>
+          <p:nvPr/>
+        </p:nvSpPr>
+        <p:spPr>
+          <a:xfrm>
+            <a:off x="685796" y="8640370"/>
+            <a:ext cx="6400800" cy="228600"/>
+          </a:xfrm>
+          <a:prstGeom prst="rect">
+            <a:avLst/>
+          </a:prstGeom>
+          <a:noFill/>
+          <a:ln>
+            <a:solidFill>
+              <a:srgbClr val="FF0000"/>
+            </a:solidFill>
+            <a:prstDash val="sysDot"/>
+          </a:ln>
+        </p:spPr>
+        <p:style>
+          <a:lnRef idx="2">
+            <a:schemeClr val="accent1">
+              <a:shade val="15000"/>
+            </a:schemeClr>
+          </a:lnRef>
+          <a:fillRef idx="1">
+            <a:schemeClr val="accent1"/>
+          </a:fillRef>
+          <a:effectRef idx="0">
+            <a:schemeClr val="accent1"/>
+          </a:effectRef>
+          <a:fontRef idx="minor">
+            <a:schemeClr val="lt1"/>
+          </a:fontRef>
+        </p:style>
+        <p:txBody>
+          <a:bodyPr rtlCol="0" anchor="ctr"/>
+          <a:lstStyle/>
+          <a:p>
+            <a:pPr algn="ctr"/>
+            <a:endParaRPr lang="en-US"/>
+          </a:p>
+        </p:txBody>
+      </p:sp>
+      <mc:AlternateContent xmlns:mc="http://schemas.openxmlformats.org/markup-compatibility/2006" xmlns:a14="http://schemas.microsoft.com/office/drawing/2010/main">
+        <mc:Choice Requires="a14">
+          <p:sp>
+            <p:nvSpPr>
+              <p:cNvPr id="10" name="TextBox 9">
+                <a:extLst>
+                  <a:ext uri="{FF2B5EF4-FFF2-40B4-BE49-F238E27FC236}">
+                    <a16:creationId xmlns:a16="http://schemas.microsoft.com/office/drawing/2014/main" id="{36797DF8-9459-AD46-AE68-F60DFE10EB56}"/>
+                  </a:ext>
+                </a:extLst>
+              </p:cNvPr>
+              <p:cNvSpPr txBox="1"/>
+              <p:nvPr/>
+            </p:nvSpPr>
+            <p:spPr>
+              <a:xfrm>
+                <a:off x="228593" y="2040613"/>
+                <a:ext cx="454902" cy="333617"/>
+              </a:xfrm>
+              <a:prstGeom prst="rect">
+                <a:avLst/>
+              </a:prstGeom>
+              <a:noFill/>
+            </p:spPr>
+            <p:txBody>
+              <a:bodyPr wrap="square" rtlCol="0">
+                <a:spAutoFit/>
+              </a:bodyPr>
+              <a:lstStyle/>
+              <a:p>
+                <a:pPr algn="r"/>
+                <a14:m>
+                  <m:oMathPara xmlns:m="http://schemas.openxmlformats.org/officeDocument/2006/math">
+                    <m:oMathParaPr>
+                      <m:jc m:val="right"/>
+                    </m:oMathParaPr>
+                    <m:oMath xmlns:m="http://schemas.openxmlformats.org/officeDocument/2006/math">
+                      <m:f>
+                        <m:fPr>
+                          <m:type m:val="skw"/>
+                          <m:ctrlPr>
+                            <a:rPr lang="en-US" sz="1200" i="1" smtClean="0">
+                              <a:solidFill>
+                                <a:srgbClr val="FF0000"/>
+                              </a:solidFill>
+                              <a:latin typeface="Cambria Math" panose="02040503050406030204" pitchFamily="18" charset="0"/>
+                            </a:rPr>
+                          </m:ctrlPr>
+                        </m:fPr>
+                        <m:num>
+                          <m:r>
+                            <a:rPr lang="en-US" sz="1200" b="0" i="0" smtClean="0">
+                              <a:solidFill>
+                                <a:srgbClr val="FF0000"/>
+                              </a:solidFill>
+                              <a:latin typeface="Cambria Math" panose="02040503050406030204" pitchFamily="18" charset="0"/>
+                            </a:rPr>
+                            <m:t>1</m:t>
+                          </m:r>
+                        </m:num>
+                        <m:den>
+                          <m:r>
+                            <a:rPr lang="en-US" sz="1200" b="0" i="0" smtClean="0">
+                              <a:solidFill>
+                                <a:srgbClr val="FF0000"/>
+                              </a:solidFill>
+                              <a:latin typeface="Cambria Math" panose="02040503050406030204" pitchFamily="18" charset="0"/>
+                            </a:rPr>
+                            <m:t>6</m:t>
+                          </m:r>
+                        </m:den>
+                      </m:f>
+                    </m:oMath>
+                  </m:oMathPara>
+                </a14:m>
+                <a:endParaRPr lang="en-US" sz="1200" dirty="0">
+                  <a:solidFill>
+                    <a:srgbClr val="FF0000"/>
+                  </a:solidFill>
+                </a:endParaRPr>
+              </a:p>
+            </p:txBody>
+          </p:sp>
+        </mc:Choice>
+        <mc:Fallback xmlns="">
+          <p:sp>
+            <p:nvSpPr>
+              <p:cNvPr id="10" name="TextBox 9">
+                <a:extLst>
+                  <a:ext uri="{FF2B5EF4-FFF2-40B4-BE49-F238E27FC236}">
+                    <a16:creationId xmlns:a16="http://schemas.microsoft.com/office/drawing/2014/main" id="{36797DF8-9459-AD46-AE68-F60DFE10EB56}"/>
+                  </a:ext>
+                </a:extLst>
+              </p:cNvPr>
+              <p:cNvSpPr txBox="1">
+                <a:spLocks noRot="1" noChangeAspect="1" noMove="1" noResize="1" noEditPoints="1" noAdjustHandles="1" noChangeArrowheads="1" noChangeShapeType="1" noTextEdit="1"/>
+              </p:cNvSpPr>
+              <p:nvPr/>
+            </p:nvSpPr>
+            <p:spPr>
+              <a:xfrm>
+                <a:off x="228593" y="2040613"/>
+                <a:ext cx="454902" cy="333617"/>
+              </a:xfrm>
+              <a:prstGeom prst="rect">
+                <a:avLst/>
+              </a:prstGeom>
+              <a:blipFill>
+                <a:blip r:embed="rId19"/>
+                <a:stretch>
+                  <a:fillRect l="-29333" t="-103704" r="-81333" b="-161111"/>
+                </a:stretch>
+              </a:blipFill>
+            </p:spPr>
+            <p:txBody>
+              <a:bodyPr/>
+              <a:lstStyle/>
+              <a:p>
+                <a:r>
+                  <a:rPr lang="en-US">
+                    <a:noFill/>
+                  </a:rPr>
+                  <a:t> </a:t>
+                </a:r>
+              </a:p>
+            </p:txBody>
+          </p:sp>
+        </mc:Fallback>
+      </mc:AlternateContent>
+      <mc:AlternateContent xmlns:mc="http://schemas.openxmlformats.org/markup-compatibility/2006" xmlns:a14="http://schemas.microsoft.com/office/drawing/2010/main">
+        <mc:Choice Requires="a14">
+          <p:sp>
+            <p:nvSpPr>
+              <p:cNvPr id="11" name="TextBox 10">
+                <a:extLst>
+                  <a:ext uri="{FF2B5EF4-FFF2-40B4-BE49-F238E27FC236}">
+                    <a16:creationId xmlns:a16="http://schemas.microsoft.com/office/drawing/2014/main" id="{21569125-A534-0C49-8BE5-AAE002AE5E35}"/>
+                  </a:ext>
+                </a:extLst>
+              </p:cNvPr>
+              <p:cNvSpPr txBox="1"/>
+              <p:nvPr/>
+            </p:nvSpPr>
+            <p:spPr>
+              <a:xfrm>
+                <a:off x="228589" y="8592491"/>
+                <a:ext cx="454902" cy="338619"/>
+              </a:xfrm>
+              <a:prstGeom prst="rect">
+                <a:avLst/>
+              </a:prstGeom>
+              <a:noFill/>
+            </p:spPr>
+            <p:txBody>
+              <a:bodyPr wrap="square" rtlCol="0">
+                <a:spAutoFit/>
+              </a:bodyPr>
+              <a:lstStyle/>
+              <a:p>
+                <a:pPr algn="r"/>
+                <a14:m>
+                  <m:oMathPara xmlns:m="http://schemas.openxmlformats.org/officeDocument/2006/math">
+                    <m:oMathParaPr>
+                      <m:jc m:val="right"/>
+                    </m:oMathParaPr>
+                    <m:oMath xmlns:m="http://schemas.openxmlformats.org/officeDocument/2006/math">
+                      <m:f>
+                        <m:fPr>
+                          <m:type m:val="skw"/>
+                          <m:ctrlPr>
+                            <a:rPr lang="en-US" sz="1200" i="1" smtClean="0">
+                              <a:solidFill>
+                                <a:srgbClr val="FF0000"/>
+                              </a:solidFill>
+                              <a:latin typeface="Cambria Math" panose="02040503050406030204" pitchFamily="18" charset="0"/>
+                            </a:rPr>
+                          </m:ctrlPr>
+                        </m:fPr>
+                        <m:num>
+                          <m:r>
+                            <a:rPr lang="en-US" sz="1200" b="0" i="0" smtClean="0">
+                              <a:solidFill>
+                                <a:srgbClr val="FF0000"/>
+                              </a:solidFill>
+                              <a:latin typeface="Cambria Math" panose="02040503050406030204" pitchFamily="18" charset="0"/>
+                            </a:rPr>
+                            <m:t>5</m:t>
+                          </m:r>
+                        </m:num>
+                        <m:den>
+                          <m:r>
+                            <a:rPr lang="en-US" sz="1200" b="0" i="0" smtClean="0">
+                              <a:solidFill>
+                                <a:srgbClr val="FF0000"/>
+                              </a:solidFill>
+                              <a:latin typeface="Cambria Math" panose="02040503050406030204" pitchFamily="18" charset="0"/>
+                            </a:rPr>
+                            <m:t>6</m:t>
+                          </m:r>
+                        </m:den>
+                      </m:f>
+                    </m:oMath>
+                  </m:oMathPara>
+                </a14:m>
+                <a:endParaRPr lang="en-US" sz="1200" dirty="0">
+                  <a:solidFill>
+                    <a:srgbClr val="FF0000"/>
+                  </a:solidFill>
+                </a:endParaRPr>
+              </a:p>
+            </p:txBody>
+          </p:sp>
+        </mc:Choice>
+        <mc:Fallback xmlns="">
+          <p:sp>
+            <p:nvSpPr>
+              <p:cNvPr id="11" name="TextBox 10">
+                <a:extLst>
+                  <a:ext uri="{FF2B5EF4-FFF2-40B4-BE49-F238E27FC236}">
+                    <a16:creationId xmlns:a16="http://schemas.microsoft.com/office/drawing/2014/main" id="{21569125-A534-0C49-8BE5-AAE002AE5E35}"/>
+                  </a:ext>
+                </a:extLst>
+              </p:cNvPr>
+              <p:cNvSpPr txBox="1">
+                <a:spLocks noRot="1" noChangeAspect="1" noMove="1" noResize="1" noEditPoints="1" noAdjustHandles="1" noChangeArrowheads="1" noChangeShapeType="1" noTextEdit="1"/>
+              </p:cNvSpPr>
+              <p:nvPr/>
+            </p:nvSpPr>
+            <p:spPr>
+              <a:xfrm>
+                <a:off x="228589" y="8592491"/>
+                <a:ext cx="454902" cy="338619"/>
+              </a:xfrm>
+              <a:prstGeom prst="rect">
+                <a:avLst/>
+              </a:prstGeom>
+              <a:blipFill>
+                <a:blip r:embed="rId20"/>
+                <a:stretch>
+                  <a:fillRect l="-29333" t="-100000" r="-81333" b="-158182"/>
+                </a:stretch>
+              </a:blipFill>
+            </p:spPr>
+            <p:txBody>
+              <a:bodyPr/>
+              <a:lstStyle/>
+              <a:p>
+                <a:r>
+                  <a:rPr lang="en-US">
+                    <a:noFill/>
+                  </a:rPr>
+                  <a:t> </a:t>
+                </a:r>
+              </a:p>
+            </p:txBody>
+          </p:sp>
+        </mc:Fallback>
+      </mc:AlternateContent>
+    </p:spTree>
+    <p:extLst>
+      <p:ext uri="{BB962C8B-B14F-4D97-AF65-F5344CB8AC3E}">
+        <p14:creationId xmlns:p14="http://schemas.microsoft.com/office/powerpoint/2010/main" val="1322328086"/>
+      </p:ext>
+    </p:extLst>
+  </p:cSld>
+  <p:clrMapOvr>
+    <a:masterClrMapping/>
+  </p:clrMapOvr>
+</p:sld>
+</file>
+
+<file path=ppt/slides/slide2.xml><?xml version="1.0" encoding="utf-8"?>
+<p:sld xmlns:a="http://schemas.openxmlformats.org/drawingml/2006/main" xmlns:r="http://schemas.openxmlformats.org/officeDocument/2006/relationships" xmlns:p="http://schemas.openxmlformats.org/presentationml/2006/main">
+  <p:cSld>
+    <p:spTree>
+      <p:nvGrpSpPr>
+        <p:cNvPr id="1" name=""/>
+        <p:cNvGrpSpPr/>
+        <p:nvPr/>
+      </p:nvGrpSpPr>
+      <p:grpSpPr>
+        <a:xfrm>
+          <a:off x="0" y="0"/>
+          <a:ext cx="0" cy="0"/>
+          <a:chOff x="0" y="0"/>
+          <a:chExt cx="0" cy="0"/>
+        </a:xfrm>
+      </p:grpSpPr>
+      <p:sp>
+        <p:nvSpPr>
+          <p:cNvPr id="4" name="Rectangle 3">
+            <a:extLst>
+              <a:ext uri="{FF2B5EF4-FFF2-40B4-BE49-F238E27FC236}">
+                <a16:creationId xmlns:a16="http://schemas.microsoft.com/office/drawing/2014/main" id="{F2698484-3F40-B82F-B5F8-4BF78F9D7D42}"/>
+              </a:ext>
+            </a:extLst>
+          </p:cNvPr>
+          <p:cNvSpPr/>
+          <p:nvPr/>
+        </p:nvSpPr>
+        <p:spPr>
+          <a:xfrm>
+            <a:off x="0" y="0"/>
+            <a:ext cx="7772400" cy="10972800"/>
+          </a:xfrm>
+          <a:prstGeom prst="rect">
+            <a:avLst/>
+          </a:prstGeom>
+          <a:noFill/>
+          <a:ln>
+            <a:solidFill>
+              <a:srgbClr val="FF0000"/>
+            </a:solidFill>
+          </a:ln>
+        </p:spPr>
+        <p:style>
+          <a:lnRef idx="2">
+            <a:schemeClr val="accent1">
+              <a:shade val="15000"/>
+            </a:schemeClr>
+          </a:lnRef>
+          <a:fillRef idx="1">
+            <a:schemeClr val="accent1"/>
+          </a:fillRef>
+          <a:effectRef idx="0">
+            <a:schemeClr val="accent1"/>
+          </a:effectRef>
+          <a:fontRef idx="minor">
+            <a:schemeClr val="lt1"/>
+          </a:fontRef>
+        </p:style>
+        <p:txBody>
+          <a:bodyPr rtlCol="0" anchor="ctr"/>
+          <a:lstStyle/>
+          <a:p>
+            <a:pPr algn="ctr"/>
+            <a:endParaRPr lang="en-US"/>
+          </a:p>
+        </p:txBody>
+      </p:sp>
+      <p:sp>
+        <p:nvSpPr>
+          <p:cNvPr id="12" name="Rectangle 11">
+            <a:extLst>
+              <a:ext uri="{FF2B5EF4-FFF2-40B4-BE49-F238E27FC236}">
+                <a16:creationId xmlns:a16="http://schemas.microsoft.com/office/drawing/2014/main" id="{98598A78-40D5-4D5F-B84C-B8836C82B39E}"/>
+              </a:ext>
+            </a:extLst>
+          </p:cNvPr>
+          <p:cNvSpPr/>
+          <p:nvPr/>
+        </p:nvSpPr>
+        <p:spPr>
+          <a:xfrm>
+            <a:off x="685796" y="5374640"/>
+            <a:ext cx="6400800" cy="228600"/>
+          </a:xfrm>
+          <a:prstGeom prst="rect">
+            <a:avLst/>
+          </a:prstGeom>
+          <a:noFill/>
+          <a:ln>
+            <a:solidFill>
+              <a:srgbClr val="FF0000"/>
+            </a:solidFill>
+          </a:ln>
+        </p:spPr>
+        <p:style>
+          <a:lnRef idx="2">
+            <a:schemeClr val="accent1">
+              <a:shade val="15000"/>
+            </a:schemeClr>
+          </a:lnRef>
+          <a:fillRef idx="1">
+            <a:schemeClr val="accent1"/>
+          </a:fillRef>
+          <a:effectRef idx="0">
+            <a:schemeClr val="accent1"/>
+          </a:effectRef>
+          <a:fontRef idx="minor">
+            <a:schemeClr val="lt1"/>
+          </a:fontRef>
+        </p:style>
+        <p:txBody>
+          <a:bodyPr rtlCol="0" anchor="ctr"/>
+          <a:lstStyle/>
+          <a:p>
+            <a:pPr algn="ctr"/>
+            <a:endParaRPr lang="en-US"/>
+          </a:p>
+        </p:txBody>
+      </p:sp>
+      <p:sp>
+        <p:nvSpPr>
+          <p:cNvPr id="13" name="Rectangle 12">
+            <a:extLst>
+              <a:ext uri="{FF2B5EF4-FFF2-40B4-BE49-F238E27FC236}">
+                <a16:creationId xmlns:a16="http://schemas.microsoft.com/office/drawing/2014/main" id="{72E73260-0FFF-C3D5-9F98-D121BC599962}"/>
+              </a:ext>
+            </a:extLst>
+          </p:cNvPr>
+          <p:cNvSpPr/>
+          <p:nvPr/>
+        </p:nvSpPr>
+        <p:spPr>
+          <a:xfrm>
+            <a:off x="685800" y="0"/>
+            <a:ext cx="6400800" cy="10972800"/>
+          </a:xfrm>
+          <a:prstGeom prst="rect">
+            <a:avLst/>
+          </a:prstGeom>
+          <a:noFill/>
+          <a:ln>
+            <a:solidFill>
+              <a:srgbClr val="FF0000"/>
+            </a:solidFill>
+          </a:ln>
+        </p:spPr>
+        <p:style>
+          <a:lnRef idx="2">
+            <a:schemeClr val="accent1">
+              <a:shade val="15000"/>
+            </a:schemeClr>
+          </a:lnRef>
+          <a:fillRef idx="1">
+            <a:schemeClr val="accent1"/>
+          </a:fillRef>
+          <a:effectRef idx="0">
+            <a:schemeClr val="accent1"/>
+          </a:effectRef>
+          <a:fontRef idx="minor">
+            <a:schemeClr val="lt1"/>
+          </a:fontRef>
+        </p:style>
+        <p:txBody>
+          <a:bodyPr rtlCol="0" anchor="ctr"/>
+          <a:lstStyle/>
+          <a:p>
+            <a:pPr algn="ctr"/>
+            <a:endParaRPr lang="en-US"/>
+          </a:p>
+        </p:txBody>
+      </p:sp>
+      <p:sp>
+        <p:nvSpPr>
+          <p:cNvPr id="33" name="Rectangle 32">
+            <a:extLst>
+              <a:ext uri="{FF2B5EF4-FFF2-40B4-BE49-F238E27FC236}">
+                <a16:creationId xmlns:a16="http://schemas.microsoft.com/office/drawing/2014/main" id="{ADBA91F4-D2DF-D9CE-E163-1D399D3DACA3}"/>
+              </a:ext>
+            </a:extLst>
+          </p:cNvPr>
+          <p:cNvSpPr/>
+          <p:nvPr/>
+        </p:nvSpPr>
+        <p:spPr>
+          <a:xfrm>
+            <a:off x="-4" y="685800"/>
+            <a:ext cx="7772400" cy="9601200"/>
+          </a:xfrm>
+          <a:prstGeom prst="rect">
+            <a:avLst/>
+          </a:prstGeom>
+          <a:noFill/>
+          <a:ln>
+            <a:solidFill>
+              <a:srgbClr val="FF0000"/>
+            </a:solidFill>
+          </a:ln>
+        </p:spPr>
+        <p:style>
+          <a:lnRef idx="2">
+            <a:schemeClr val="accent1">
+              <a:shade val="15000"/>
+            </a:schemeClr>
+          </a:lnRef>
+          <a:fillRef idx="1">
+            <a:schemeClr val="accent1"/>
+          </a:fillRef>
+          <a:effectRef idx="0">
+            <a:schemeClr val="accent1"/>
+          </a:effectRef>
+          <a:fontRef idx="minor">
+            <a:schemeClr val="lt1"/>
+          </a:fontRef>
+        </p:style>
+        <p:txBody>
+          <a:bodyPr rtlCol="0" anchor="ctr"/>
+          <a:lstStyle/>
+          <a:p>
+            <a:pPr algn="ctr"/>
+            <a:endParaRPr lang="en-US"/>
+          </a:p>
+        </p:txBody>
+      </p:sp>
+      <p:sp>
+        <p:nvSpPr>
+          <p:cNvPr id="52" name="Rectangle 51">
+            <a:extLst>
+              <a:ext uri="{FF2B5EF4-FFF2-40B4-BE49-F238E27FC236}">
+                <a16:creationId xmlns:a16="http://schemas.microsoft.com/office/drawing/2014/main" id="{52B3B1F7-731D-5E54-C02F-50ADF6201F60}"/>
+              </a:ext>
+            </a:extLst>
+          </p:cNvPr>
+          <p:cNvSpPr/>
+          <p:nvPr/>
+        </p:nvSpPr>
+        <p:spPr>
+          <a:xfrm>
+            <a:off x="685796" y="2914904"/>
+            <a:ext cx="6400800" cy="228600"/>
+          </a:xfrm>
+          <a:prstGeom prst="rect">
+            <a:avLst/>
+          </a:prstGeom>
+          <a:noFill/>
+          <a:ln>
+            <a:solidFill>
+              <a:srgbClr val="FF0000"/>
+            </a:solidFill>
+            <a:prstDash val="lgDash"/>
+          </a:ln>
+        </p:spPr>
+        <p:style>
+          <a:lnRef idx="2">
+            <a:schemeClr val="accent1">
+              <a:shade val="15000"/>
+            </a:schemeClr>
+          </a:lnRef>
+          <a:fillRef idx="1">
+            <a:schemeClr val="accent1"/>
+          </a:fillRef>
+          <a:effectRef idx="0">
+            <a:schemeClr val="accent1"/>
+          </a:effectRef>
+          <a:fontRef idx="minor">
+            <a:schemeClr val="lt1"/>
+          </a:fontRef>
+        </p:style>
+        <p:txBody>
+          <a:bodyPr rtlCol="0" anchor="ctr"/>
+          <a:lstStyle/>
+          <a:p>
+            <a:pPr algn="ctr"/>
+            <a:endParaRPr lang="en-US"/>
+          </a:p>
+        </p:txBody>
+      </p:sp>
+      <p:sp>
+        <p:nvSpPr>
+          <p:cNvPr id="53" name="Rectangle 52">
+            <a:extLst>
+              <a:ext uri="{FF2B5EF4-FFF2-40B4-BE49-F238E27FC236}">
+                <a16:creationId xmlns:a16="http://schemas.microsoft.com/office/drawing/2014/main" id="{D7967B60-BCE6-BC9D-E944-F5D234E66E25}"/>
+              </a:ext>
+            </a:extLst>
+          </p:cNvPr>
+          <p:cNvSpPr/>
+          <p:nvPr/>
+        </p:nvSpPr>
+        <p:spPr>
+          <a:xfrm>
+            <a:off x="685796" y="7832344"/>
+            <a:ext cx="6400800" cy="228600"/>
+          </a:xfrm>
+          <a:prstGeom prst="rect">
+            <a:avLst/>
+          </a:prstGeom>
+          <a:noFill/>
+          <a:ln>
+            <a:solidFill>
+              <a:srgbClr val="FF0000"/>
+            </a:solidFill>
+            <a:prstDash val="lgDash"/>
+          </a:ln>
+        </p:spPr>
+        <p:style>
+          <a:lnRef idx="2">
+            <a:schemeClr val="accent1">
+              <a:shade val="15000"/>
+            </a:schemeClr>
+          </a:lnRef>
+          <a:fillRef idx="1">
+            <a:schemeClr val="accent1"/>
+          </a:fillRef>
+          <a:effectRef idx="0">
+            <a:schemeClr val="accent1"/>
+          </a:effectRef>
+          <a:fontRef idx="minor">
+            <a:schemeClr val="lt1"/>
+          </a:fontRef>
+        </p:style>
+        <p:txBody>
+          <a:bodyPr rtlCol="0" anchor="ctr"/>
+          <a:lstStyle/>
+          <a:p>
+            <a:pPr algn="ctr"/>
+            <a:endParaRPr lang="en-US"/>
+          </a:p>
+        </p:txBody>
+      </p:sp>
+      <p:sp>
+        <p:nvSpPr>
+          <p:cNvPr id="57" name="Rectangle 56">
+            <a:extLst>
+              <a:ext uri="{FF2B5EF4-FFF2-40B4-BE49-F238E27FC236}">
+                <a16:creationId xmlns:a16="http://schemas.microsoft.com/office/drawing/2014/main" id="{253A0027-44A6-A946-C8C9-9B31FD7572E8}"/>
+              </a:ext>
+            </a:extLst>
+          </p:cNvPr>
+          <p:cNvSpPr/>
+          <p:nvPr/>
+        </p:nvSpPr>
+        <p:spPr>
+          <a:xfrm>
+            <a:off x="685800" y="1073834"/>
+            <a:ext cx="6400800" cy="228600"/>
+          </a:xfrm>
+          <a:prstGeom prst="rect">
+            <a:avLst/>
+          </a:prstGeom>
+          <a:noFill/>
+          <a:ln>
+            <a:solidFill>
+              <a:srgbClr val="FF0000"/>
+            </a:solidFill>
+            <a:prstDash val="sysDash"/>
+          </a:ln>
+        </p:spPr>
+        <p:style>
+          <a:lnRef idx="2">
+            <a:schemeClr val="accent1">
+              <a:shade val="15000"/>
+            </a:schemeClr>
+          </a:lnRef>
+          <a:fillRef idx="1">
+            <a:schemeClr val="accent1"/>
+          </a:fillRef>
+          <a:effectRef idx="0">
+            <a:schemeClr val="accent1"/>
+          </a:effectRef>
+          <a:fontRef idx="minor">
+            <a:schemeClr val="lt1"/>
+          </a:fontRef>
+        </p:style>
+        <p:txBody>
+          <a:bodyPr rtlCol="0" anchor="ctr"/>
+          <a:lstStyle/>
+          <a:p>
+            <a:pPr algn="ctr"/>
+            <a:endParaRPr lang="en-US"/>
+          </a:p>
+        </p:txBody>
+      </p:sp>
+      <mc:AlternateContent xmlns:mc="http://schemas.openxmlformats.org/markup-compatibility/2006" xmlns:a14="http://schemas.microsoft.com/office/drawing/2010/main">
+        <mc:Choice Requires="a14">
+          <p:sp>
+            <p:nvSpPr>
+              <p:cNvPr id="61" name="TextBox 60">
+                <a:extLst>
+                  <a:ext uri="{FF2B5EF4-FFF2-40B4-BE49-F238E27FC236}">
+                    <a16:creationId xmlns:a16="http://schemas.microsoft.com/office/drawing/2014/main" id="{CB5293E2-F799-1185-E3DC-3FD409563EFF}"/>
+                  </a:ext>
+                </a:extLst>
+              </p:cNvPr>
+              <p:cNvSpPr txBox="1"/>
+              <p:nvPr/>
+            </p:nvSpPr>
+            <p:spPr>
+              <a:xfrm>
+                <a:off x="228593" y="5320196"/>
+                <a:ext cx="454902" cy="332399"/>
+              </a:xfrm>
+              <a:prstGeom prst="rect">
+                <a:avLst/>
+              </a:prstGeom>
+              <a:noFill/>
+            </p:spPr>
+            <p:txBody>
+              <a:bodyPr wrap="square" rtlCol="0">
+                <a:spAutoFit/>
+              </a:bodyPr>
+              <a:lstStyle/>
+              <a:p>
+                <a:pPr algn="r"/>
+                <a14:m>
+                  <m:oMathPara xmlns:m="http://schemas.openxmlformats.org/officeDocument/2006/math">
+                    <m:oMathParaPr>
+                      <m:jc m:val="right"/>
+                    </m:oMathParaPr>
+                    <m:oMath xmlns:m="http://schemas.openxmlformats.org/officeDocument/2006/math">
+                      <m:f>
+                        <m:fPr>
+                          <m:type m:val="skw"/>
+                          <m:ctrlPr>
+                            <a:rPr lang="en-US" sz="1200" i="1" smtClean="0">
+                              <a:solidFill>
+                                <a:srgbClr val="FF0000"/>
+                              </a:solidFill>
+                              <a:latin typeface="Cambria Math" panose="02040503050406030204" pitchFamily="18" charset="0"/>
+                            </a:rPr>
+                          </m:ctrlPr>
+                        </m:fPr>
+                        <m:num>
+                          <m:r>
+                            <a:rPr lang="en-US" sz="1200" b="0" i="0" smtClean="0">
+                              <a:solidFill>
+                                <a:srgbClr val="FF0000"/>
+                              </a:solidFill>
+                              <a:latin typeface="Cambria Math" panose="02040503050406030204" pitchFamily="18" charset="0"/>
+                            </a:rPr>
+                            <m:t>1</m:t>
+                          </m:r>
+                        </m:num>
+                        <m:den>
+                          <m:r>
+                            <a:rPr lang="en-US" sz="1200" b="0" i="0" smtClean="0">
+                              <a:solidFill>
+                                <a:srgbClr val="FF0000"/>
+                              </a:solidFill>
+                              <a:latin typeface="Cambria Math" panose="02040503050406030204" pitchFamily="18" charset="0"/>
+                            </a:rPr>
+                            <m:t>2</m:t>
+                          </m:r>
+                        </m:den>
+                      </m:f>
+                    </m:oMath>
+                  </m:oMathPara>
+                </a14:m>
+                <a:endParaRPr lang="en-US" sz="1200" dirty="0">
+                  <a:solidFill>
+                    <a:srgbClr val="FF0000"/>
+                  </a:solidFill>
+                </a:endParaRPr>
+              </a:p>
+            </p:txBody>
+          </p:sp>
+        </mc:Choice>
+        <mc:Fallback xmlns="">
+          <p:sp>
+            <p:nvSpPr>
+              <p:cNvPr id="61" name="TextBox 60">
+                <a:extLst>
+                  <a:ext uri="{FF2B5EF4-FFF2-40B4-BE49-F238E27FC236}">
+                    <a16:creationId xmlns:a16="http://schemas.microsoft.com/office/drawing/2014/main" id="{CB5293E2-F799-1185-E3DC-3FD409563EFF}"/>
+                  </a:ext>
+                </a:extLst>
+              </p:cNvPr>
+              <p:cNvSpPr txBox="1">
+                <a:spLocks noRot="1" noChangeAspect="1" noMove="1" noResize="1" noEditPoints="1" noAdjustHandles="1" noChangeArrowheads="1" noChangeShapeType="1" noTextEdit="1"/>
+              </p:cNvSpPr>
+              <p:nvPr/>
+            </p:nvSpPr>
+            <p:spPr>
+              <a:xfrm>
+                <a:off x="228593" y="5320196"/>
+                <a:ext cx="454902" cy="332399"/>
+              </a:xfrm>
+              <a:prstGeom prst="rect">
+                <a:avLst/>
+              </a:prstGeom>
+              <a:blipFill>
+                <a:blip r:embed="rId11"/>
+                <a:stretch>
+                  <a:fillRect l="-29333" t="-103704" r="-81333" b="-161111"/>
+                </a:stretch>
+              </a:blipFill>
+            </p:spPr>
+            <p:txBody>
+              <a:bodyPr/>
+              <a:lstStyle/>
+              <a:p>
+                <a:r>
+                  <a:rPr lang="en-US">
+                    <a:noFill/>
+                  </a:rPr>
+                  <a:t> </a:t>
+                </a:r>
+              </a:p>
+            </p:txBody>
+          </p:sp>
+        </mc:Fallback>
+      </mc:AlternateContent>
+      <mc:AlternateContent xmlns:mc="http://schemas.openxmlformats.org/markup-compatibility/2006" xmlns:a14="http://schemas.microsoft.com/office/drawing/2010/main">
+        <mc:Choice Requires="a14">
+          <p:sp>
+            <p:nvSpPr>
+              <p:cNvPr id="62" name="TextBox 61">
+                <a:extLst>
+                  <a:ext uri="{FF2B5EF4-FFF2-40B4-BE49-F238E27FC236}">
+                    <a16:creationId xmlns:a16="http://schemas.microsoft.com/office/drawing/2014/main" id="{D8ACB1D9-6210-37F8-A032-F4E956B6E356}"/>
+                  </a:ext>
+                </a:extLst>
+              </p:cNvPr>
+              <p:cNvSpPr txBox="1"/>
+              <p:nvPr/>
+            </p:nvSpPr>
+            <p:spPr>
+              <a:xfrm>
+                <a:off x="230892" y="2860161"/>
+                <a:ext cx="454902" cy="331757"/>
+              </a:xfrm>
+              <a:prstGeom prst="rect">
+                <a:avLst/>
+              </a:prstGeom>
+              <a:noFill/>
+            </p:spPr>
+            <p:txBody>
+              <a:bodyPr wrap="square" rtlCol="0">
+                <a:spAutoFit/>
+              </a:bodyPr>
+              <a:lstStyle/>
+              <a:p>
+                <a:pPr algn="r"/>
+                <a14:m>
+                  <m:oMathPara xmlns:m="http://schemas.openxmlformats.org/officeDocument/2006/math">
+                    <m:oMathParaPr>
+                      <m:jc m:val="right"/>
+                    </m:oMathParaPr>
+                    <m:oMath xmlns:m="http://schemas.openxmlformats.org/officeDocument/2006/math">
+                      <m:f>
+                        <m:fPr>
+                          <m:type m:val="skw"/>
+                          <m:ctrlPr>
+                            <a:rPr lang="en-US" sz="1200" i="1" smtClean="0">
+                              <a:solidFill>
+                                <a:srgbClr val="FF0000"/>
+                              </a:solidFill>
+                              <a:latin typeface="Cambria Math" panose="02040503050406030204" pitchFamily="18" charset="0"/>
+                            </a:rPr>
+                          </m:ctrlPr>
+                        </m:fPr>
+                        <m:num>
+                          <m:r>
+                            <a:rPr lang="en-US" sz="1200" b="0" i="0" smtClean="0">
+                              <a:solidFill>
+                                <a:srgbClr val="FF0000"/>
+                              </a:solidFill>
+                              <a:latin typeface="Cambria Math" panose="02040503050406030204" pitchFamily="18" charset="0"/>
+                            </a:rPr>
+                            <m:t>1</m:t>
+                          </m:r>
+                        </m:num>
+                        <m:den>
+                          <m:r>
+                            <a:rPr lang="en-US" sz="1200" b="0" i="0" smtClean="0">
+                              <a:solidFill>
+                                <a:srgbClr val="FF0000"/>
+                              </a:solidFill>
+                              <a:latin typeface="Cambria Math" panose="02040503050406030204" pitchFamily="18" charset="0"/>
+                            </a:rPr>
+                            <m:t>4</m:t>
+                          </m:r>
+                        </m:den>
+                      </m:f>
+                    </m:oMath>
+                  </m:oMathPara>
+                </a14:m>
+                <a:endParaRPr lang="en-US" sz="1200" dirty="0">
+                  <a:solidFill>
+                    <a:srgbClr val="FF0000"/>
+                  </a:solidFill>
+                </a:endParaRPr>
+              </a:p>
+            </p:txBody>
+          </p:sp>
+        </mc:Choice>
+        <mc:Fallback xmlns="">
+          <p:sp>
+            <p:nvSpPr>
+              <p:cNvPr id="62" name="TextBox 61">
+                <a:extLst>
+                  <a:ext uri="{FF2B5EF4-FFF2-40B4-BE49-F238E27FC236}">
+                    <a16:creationId xmlns:a16="http://schemas.microsoft.com/office/drawing/2014/main" id="{D8ACB1D9-6210-37F8-A032-F4E956B6E356}"/>
+                  </a:ext>
+                </a:extLst>
+              </p:cNvPr>
+              <p:cNvSpPr txBox="1">
+                <a:spLocks noRot="1" noChangeAspect="1" noMove="1" noResize="1" noEditPoints="1" noAdjustHandles="1" noChangeArrowheads="1" noChangeShapeType="1" noTextEdit="1"/>
+              </p:cNvSpPr>
+              <p:nvPr/>
+            </p:nvSpPr>
+            <p:spPr>
+              <a:xfrm>
+                <a:off x="230892" y="2860161"/>
+                <a:ext cx="454902" cy="331757"/>
+              </a:xfrm>
+              <a:prstGeom prst="rect">
+                <a:avLst/>
+              </a:prstGeom>
+              <a:blipFill>
+                <a:blip r:embed="rId3"/>
+                <a:stretch>
+                  <a:fillRect l="-31081" t="-101818" r="-82432" b="-156364"/>
+                </a:stretch>
+              </a:blipFill>
+            </p:spPr>
+            <p:txBody>
+              <a:bodyPr/>
+              <a:lstStyle/>
+              <a:p>
+                <a:r>
+                  <a:rPr lang="en-US">
+                    <a:noFill/>
+                  </a:rPr>
+                  <a:t> </a:t>
+                </a:r>
+              </a:p>
+            </p:txBody>
+          </p:sp>
+        </mc:Fallback>
+      </mc:AlternateContent>
+      <mc:AlternateContent xmlns:mc="http://schemas.openxmlformats.org/markup-compatibility/2006" xmlns:a14="http://schemas.microsoft.com/office/drawing/2010/main">
+        <mc:Choice Requires="a14">
+          <p:sp>
+            <p:nvSpPr>
+              <p:cNvPr id="64" name="TextBox 63">
+                <a:extLst>
+                  <a:ext uri="{FF2B5EF4-FFF2-40B4-BE49-F238E27FC236}">
+                    <a16:creationId xmlns:a16="http://schemas.microsoft.com/office/drawing/2014/main" id="{2504BD0D-59FF-008A-F965-6BE974A4C935}"/>
+                  </a:ext>
+                </a:extLst>
+              </p:cNvPr>
+              <p:cNvSpPr txBox="1"/>
+              <p:nvPr/>
+            </p:nvSpPr>
+            <p:spPr>
+              <a:xfrm>
+                <a:off x="228597" y="1002800"/>
+                <a:ext cx="454902" cy="332399"/>
+              </a:xfrm>
+              <a:prstGeom prst="rect">
+                <a:avLst/>
+              </a:prstGeom>
+              <a:noFill/>
+            </p:spPr>
+            <p:txBody>
+              <a:bodyPr wrap="square" rtlCol="0">
+                <a:spAutoFit/>
+              </a:bodyPr>
+              <a:lstStyle/>
+              <a:p>
+                <a:pPr algn="r"/>
+                <a14:m>
+                  <m:oMathPara xmlns:m="http://schemas.openxmlformats.org/officeDocument/2006/math">
+                    <m:oMathParaPr>
+                      <m:jc m:val="right"/>
+                    </m:oMathParaPr>
+                    <m:oMath xmlns:m="http://schemas.openxmlformats.org/officeDocument/2006/math">
+                      <m:f>
+                        <m:fPr>
+                          <m:type m:val="skw"/>
+                          <m:ctrlPr>
+                            <a:rPr lang="en-US" sz="1200" i="1" smtClean="0">
+                              <a:solidFill>
+                                <a:srgbClr val="FF0000"/>
+                              </a:solidFill>
+                              <a:latin typeface="Cambria Math" panose="02040503050406030204" pitchFamily="18" charset="0"/>
+                            </a:rPr>
+                          </m:ctrlPr>
+                        </m:fPr>
+                        <m:num>
+                          <m:r>
+                            <a:rPr lang="en-US" sz="1200" b="0" i="0" smtClean="0">
+                              <a:solidFill>
+                                <a:srgbClr val="FF0000"/>
+                              </a:solidFill>
+                              <a:latin typeface="Cambria Math" panose="02040503050406030204" pitchFamily="18" charset="0"/>
+                            </a:rPr>
+                            <m:t>1</m:t>
+                          </m:r>
+                        </m:num>
+                        <m:den>
+                          <m:r>
+                            <a:rPr lang="en-US" sz="1200" b="0" i="0" smtClean="0">
+                              <a:solidFill>
+                                <a:srgbClr val="FF0000"/>
+                              </a:solidFill>
+                              <a:latin typeface="Cambria Math" panose="02040503050406030204" pitchFamily="18" charset="0"/>
+                            </a:rPr>
+                            <m:t>16</m:t>
+                          </m:r>
+                        </m:den>
+                      </m:f>
+                    </m:oMath>
+                  </m:oMathPara>
+                </a14:m>
+                <a:endParaRPr lang="en-US" sz="1200" dirty="0">
+                  <a:solidFill>
+                    <a:srgbClr val="FF0000"/>
+                  </a:solidFill>
+                </a:endParaRPr>
+              </a:p>
+            </p:txBody>
+          </p:sp>
+        </mc:Choice>
+        <mc:Fallback xmlns="">
+          <p:sp>
+            <p:nvSpPr>
+              <p:cNvPr id="64" name="TextBox 63">
+                <a:extLst>
+                  <a:ext uri="{FF2B5EF4-FFF2-40B4-BE49-F238E27FC236}">
+                    <a16:creationId xmlns:a16="http://schemas.microsoft.com/office/drawing/2014/main" id="{2504BD0D-59FF-008A-F965-6BE974A4C935}"/>
+                  </a:ext>
+                </a:extLst>
+              </p:cNvPr>
+              <p:cNvSpPr txBox="1">
+                <a:spLocks noRot="1" noChangeAspect="1" noMove="1" noResize="1" noEditPoints="1" noAdjustHandles="1" noChangeArrowheads="1" noChangeShapeType="1" noTextEdit="1"/>
+              </p:cNvSpPr>
+              <p:nvPr/>
+            </p:nvSpPr>
+            <p:spPr>
+              <a:xfrm>
+                <a:off x="228597" y="1002800"/>
+                <a:ext cx="454902" cy="332399"/>
+              </a:xfrm>
+              <a:prstGeom prst="rect">
+                <a:avLst/>
+              </a:prstGeom>
+              <a:blipFill>
+                <a:blip r:embed="rId12"/>
+                <a:stretch>
+                  <a:fillRect l="-38667" t="-103704" r="-72000" b="-161111"/>
+                </a:stretch>
+              </a:blipFill>
+            </p:spPr>
+            <p:txBody>
+              <a:bodyPr/>
+              <a:lstStyle/>
+              <a:p>
+                <a:r>
+                  <a:rPr lang="en-US">
+                    <a:noFill/>
+                  </a:rPr>
+                  <a:t> </a:t>
+                </a:r>
+              </a:p>
+            </p:txBody>
+          </p:sp>
+        </mc:Fallback>
+      </mc:AlternateContent>
+      <mc:AlternateContent xmlns:mc="http://schemas.openxmlformats.org/markup-compatibility/2006" xmlns:a14="http://schemas.microsoft.com/office/drawing/2010/main">
+        <mc:Choice Requires="a14">
+          <p:sp>
+            <p:nvSpPr>
+              <p:cNvPr id="69" name="TextBox 68">
+                <a:extLst>
+                  <a:ext uri="{FF2B5EF4-FFF2-40B4-BE49-F238E27FC236}">
+                    <a16:creationId xmlns:a16="http://schemas.microsoft.com/office/drawing/2014/main" id="{7A70E13F-3A7B-3A40-F5B4-9E5E07A9A1C4}"/>
+                  </a:ext>
+                </a:extLst>
+              </p:cNvPr>
+              <p:cNvSpPr txBox="1"/>
+              <p:nvPr/>
+            </p:nvSpPr>
+            <p:spPr>
+              <a:xfrm>
+                <a:off x="229795" y="7767303"/>
+                <a:ext cx="454902" cy="332976"/>
+              </a:xfrm>
+              <a:prstGeom prst="rect">
+                <a:avLst/>
+              </a:prstGeom>
+              <a:noFill/>
+            </p:spPr>
+            <p:txBody>
+              <a:bodyPr wrap="square" rtlCol="0">
+                <a:spAutoFit/>
+              </a:bodyPr>
+              <a:lstStyle/>
+              <a:p>
+                <a:pPr algn="r"/>
+                <a14:m>
+                  <m:oMathPara xmlns:m="http://schemas.openxmlformats.org/officeDocument/2006/math">
+                    <m:oMathParaPr>
+                      <m:jc m:val="right"/>
+                    </m:oMathParaPr>
+                    <m:oMath xmlns:m="http://schemas.openxmlformats.org/officeDocument/2006/math">
+                      <m:f>
+                        <m:fPr>
+                          <m:type m:val="skw"/>
+                          <m:ctrlPr>
+                            <a:rPr lang="en-US" sz="1200" i="1" smtClean="0">
+                              <a:solidFill>
+                                <a:srgbClr val="FF0000"/>
+                              </a:solidFill>
+                              <a:latin typeface="Cambria Math" panose="02040503050406030204" pitchFamily="18" charset="0"/>
+                            </a:rPr>
+                          </m:ctrlPr>
+                        </m:fPr>
+                        <m:num>
+                          <m:r>
+                            <a:rPr lang="en-US" sz="1200" b="0" i="0" smtClean="0">
+                              <a:solidFill>
+                                <a:srgbClr val="FF0000"/>
+                              </a:solidFill>
+                              <a:latin typeface="Cambria Math" panose="02040503050406030204" pitchFamily="18" charset="0"/>
+                            </a:rPr>
+                            <m:t>3</m:t>
+                          </m:r>
+                        </m:num>
+                        <m:den>
+                          <m:r>
+                            <a:rPr lang="en-US" sz="1200" b="0" i="0" smtClean="0">
+                              <a:solidFill>
+                                <a:srgbClr val="FF0000"/>
+                              </a:solidFill>
+                              <a:latin typeface="Cambria Math" panose="02040503050406030204" pitchFamily="18" charset="0"/>
+                            </a:rPr>
+                            <m:t>4</m:t>
+                          </m:r>
+                        </m:den>
+                      </m:f>
+                    </m:oMath>
+                  </m:oMathPara>
+                </a14:m>
+                <a:endParaRPr lang="en-US" sz="1200" dirty="0">
+                  <a:solidFill>
+                    <a:srgbClr val="FF0000"/>
+                  </a:solidFill>
+                </a:endParaRPr>
+              </a:p>
+            </p:txBody>
+          </p:sp>
+        </mc:Choice>
+        <mc:Fallback xmlns="">
+          <p:sp>
+            <p:nvSpPr>
+              <p:cNvPr id="69" name="TextBox 68">
+                <a:extLst>
+                  <a:ext uri="{FF2B5EF4-FFF2-40B4-BE49-F238E27FC236}">
+                    <a16:creationId xmlns:a16="http://schemas.microsoft.com/office/drawing/2014/main" id="{7A70E13F-3A7B-3A40-F5B4-9E5E07A9A1C4}"/>
+                  </a:ext>
+                </a:extLst>
+              </p:cNvPr>
+              <p:cNvSpPr txBox="1">
+                <a:spLocks noRot="1" noChangeAspect="1" noMove="1" noResize="1" noEditPoints="1" noAdjustHandles="1" noChangeArrowheads="1" noChangeShapeType="1" noTextEdit="1"/>
+              </p:cNvSpPr>
+              <p:nvPr/>
+            </p:nvSpPr>
+            <p:spPr>
+              <a:xfrm>
+                <a:off x="229795" y="7767303"/>
+                <a:ext cx="454902" cy="332976"/>
+              </a:xfrm>
+              <a:prstGeom prst="rect">
+                <a:avLst/>
+              </a:prstGeom>
+              <a:blipFill>
+                <a:blip r:embed="rId18"/>
+                <a:stretch>
+                  <a:fillRect l="-31081" t="-100000" r="-82432" b="-158182"/>
+                </a:stretch>
+              </a:blipFill>
+            </p:spPr>
+            <p:txBody>
+              <a:bodyPr/>
+              <a:lstStyle/>
+              <a:p>
+                <a:r>
+                  <a:rPr lang="en-US">
+                    <a:noFill/>
+                  </a:rPr>
+                  <a:t> </a:t>
+                </a:r>
+              </a:p>
+            </p:txBody>
+          </p:sp>
+        </mc:Fallback>
+      </mc:AlternateContent>
+      <p:sp>
+        <p:nvSpPr>
+          <p:cNvPr id="2" name="Rectangle 1">
+            <a:extLst>
+              <a:ext uri="{FF2B5EF4-FFF2-40B4-BE49-F238E27FC236}">
+                <a16:creationId xmlns:a16="http://schemas.microsoft.com/office/drawing/2014/main" id="{6F7D0E42-90E1-0AA8-D533-C3A414AFCDF8}"/>
+              </a:ext>
+            </a:extLst>
+          </p:cNvPr>
+          <p:cNvSpPr/>
+          <p:nvPr/>
+        </p:nvSpPr>
+        <p:spPr>
+          <a:xfrm>
+            <a:off x="685800" y="4146945"/>
+            <a:ext cx="6400800" cy="228600"/>
           </a:xfrm>
           <a:prstGeom prst="rect">
             <a:avLst/>
@@ -3491,12 +6532,141 @@
           </a:p>
         </p:txBody>
       </p:sp>
-      <p:sp>
-        <p:nvSpPr>
-          <p:cNvPr id="38" name="Rectangle 37">
+      <mc:AlternateContent xmlns:mc="http://schemas.openxmlformats.org/markup-compatibility/2006" xmlns:a14="http://schemas.microsoft.com/office/drawing/2010/main">
+        <mc:Choice Requires="a14">
+          <p:sp>
+            <p:nvSpPr>
+              <p:cNvPr id="3" name="TextBox 2">
+                <a:extLst>
+                  <a:ext uri="{FF2B5EF4-FFF2-40B4-BE49-F238E27FC236}">
+                    <a16:creationId xmlns:a16="http://schemas.microsoft.com/office/drawing/2014/main" id="{8F8949BD-D18C-F5E8-BF1C-A52AD5F6F5F7}"/>
+                  </a:ext>
+                </a:extLst>
+              </p:cNvPr>
+              <p:cNvSpPr txBox="1"/>
+              <p:nvPr/>
+            </p:nvSpPr>
+            <p:spPr>
+              <a:xfrm>
+                <a:off x="228597" y="4092501"/>
+                <a:ext cx="454902" cy="334835"/>
+              </a:xfrm>
+              <a:prstGeom prst="rect">
+                <a:avLst/>
+              </a:prstGeom>
+              <a:noFill/>
+            </p:spPr>
+            <p:txBody>
+              <a:bodyPr wrap="square" rtlCol="0">
+                <a:spAutoFit/>
+              </a:bodyPr>
+              <a:lstStyle/>
+              <a:p>
+                <a:pPr algn="r"/>
+                <a14:m>
+                  <m:oMathPara xmlns:m="http://schemas.openxmlformats.org/officeDocument/2006/math">
+                    <m:oMathParaPr>
+                      <m:jc m:val="right"/>
+                    </m:oMathParaPr>
+                    <m:oMath xmlns:m="http://schemas.openxmlformats.org/officeDocument/2006/math">
+                      <m:f>
+                        <m:fPr>
+                          <m:type m:val="skw"/>
+                          <m:ctrlPr>
+                            <a:rPr lang="en-US" sz="1200" i="1" smtClean="0">
+                              <a:solidFill>
+                                <a:srgbClr val="FF0000"/>
+                              </a:solidFill>
+                              <a:latin typeface="Cambria Math" panose="02040503050406030204" pitchFamily="18" charset="0"/>
+                            </a:rPr>
+                          </m:ctrlPr>
+                        </m:fPr>
+                        <m:num>
+                          <m:r>
+                            <a:rPr lang="en-US" sz="1200" b="0" i="0" smtClean="0">
+                              <a:solidFill>
+                                <a:srgbClr val="FF0000"/>
+                              </a:solidFill>
+                              <a:latin typeface="Cambria Math" panose="02040503050406030204" pitchFamily="18" charset="0"/>
+                            </a:rPr>
+                            <m:t>3</m:t>
+                          </m:r>
+                        </m:num>
+                        <m:den>
+                          <m:r>
+                            <a:rPr lang="en-US" sz="1200" b="0" i="0" smtClean="0">
+                              <a:solidFill>
+                                <a:srgbClr val="FF0000"/>
+                              </a:solidFill>
+                              <a:latin typeface="Cambria Math" panose="02040503050406030204" pitchFamily="18" charset="0"/>
+                            </a:rPr>
+                            <m:t>8</m:t>
+                          </m:r>
+                        </m:den>
+                      </m:f>
+                    </m:oMath>
+                  </m:oMathPara>
+                </a14:m>
+                <a:endParaRPr lang="en-US" sz="1200" dirty="0">
+                  <a:solidFill>
+                    <a:srgbClr val="FF0000"/>
+                  </a:solidFill>
+                </a:endParaRPr>
+              </a:p>
+            </p:txBody>
+          </p:sp>
+        </mc:Choice>
+        <mc:Fallback xmlns="">
+          <p:sp>
+            <p:nvSpPr>
+              <p:cNvPr id="3" name="TextBox 2">
+                <a:extLst>
+                  <a:ext uri="{FF2B5EF4-FFF2-40B4-BE49-F238E27FC236}">
+                    <a16:creationId xmlns:a16="http://schemas.microsoft.com/office/drawing/2014/main" id="{8F8949BD-D18C-F5E8-BF1C-A52AD5F6F5F7}"/>
+                  </a:ext>
+                </a:extLst>
+              </p:cNvPr>
+              <p:cNvSpPr txBox="1">
+                <a:spLocks noRot="1" noChangeAspect="1" noMove="1" noResize="1" noEditPoints="1" noAdjustHandles="1" noChangeArrowheads="1" noChangeShapeType="1" noTextEdit="1"/>
+              </p:cNvSpPr>
+              <p:nvPr/>
+            </p:nvSpPr>
+            <p:spPr>
+              <a:xfrm>
+                <a:off x="228597" y="4092501"/>
+                <a:ext cx="454902" cy="334835"/>
+              </a:xfrm>
+              <a:prstGeom prst="rect">
+                <a:avLst/>
+              </a:prstGeom>
+              <a:blipFill>
+                <a:blip r:embed="rId19"/>
+                <a:stretch>
+                  <a:fillRect l="-29333" t="-100000" r="-81333" b="-158182"/>
+                </a:stretch>
+              </a:blipFill>
+            </p:spPr>
+            <p:txBody>
+              <a:bodyPr/>
+              <a:lstStyle/>
+              <a:p>
+                <a:r>
+                  <a:rPr lang="en-US">
+                    <a:noFill/>
+                  </a:rPr>
+                  <a:t> </a:t>
+                </a:r>
+              </a:p>
+            </p:txBody>
+          </p:sp>
+        </mc:Fallback>
+      </mc:AlternateContent>
+      <p:sp>
+        <p:nvSpPr>
+          <p:cNvPr id="6" name="Rectangle 5">
             <a:extLst>
               <a:ext uri="{FF2B5EF4-FFF2-40B4-BE49-F238E27FC236}">
-                <a16:creationId xmlns:a16="http://schemas.microsoft.com/office/drawing/2014/main" id="{64BBCC47-6287-C32F-2110-9AA4776A116E}"/>
+                <a16:creationId xmlns:a16="http://schemas.microsoft.com/office/drawing/2014/main" id="{9F0127A0-AD5B-93CD-3C5A-D6066BB756BF}"/>
               </a:ext>
             </a:extLst>
           </p:cNvPr>
@@ -3505,8 +6675,8 @@
         </p:nvSpPr>
         <p:spPr>
           <a:xfrm>
-            <a:off x="1863071" y="685800"/>
-            <a:ext cx="118872" cy="9601194"/>
+            <a:off x="685800" y="1689241"/>
+            <a:ext cx="6400800" cy="228600"/>
           </a:xfrm>
           <a:prstGeom prst="rect">
             <a:avLst/>
@@ -3544,12 +6714,141 @@
           </a:p>
         </p:txBody>
       </p:sp>
-      <p:sp>
-        <p:nvSpPr>
-          <p:cNvPr id="39" name="Rectangle 38">
+      <mc:AlternateContent xmlns:mc="http://schemas.openxmlformats.org/markup-compatibility/2006" xmlns:a14="http://schemas.microsoft.com/office/drawing/2010/main">
+        <mc:Choice Requires="a14">
+          <p:sp>
+            <p:nvSpPr>
+              <p:cNvPr id="7" name="TextBox 6">
+                <a:extLst>
+                  <a:ext uri="{FF2B5EF4-FFF2-40B4-BE49-F238E27FC236}">
+                    <a16:creationId xmlns:a16="http://schemas.microsoft.com/office/drawing/2014/main" id="{72850A30-1FD8-03D8-4854-DDA49426388C}"/>
+                  </a:ext>
+                </a:extLst>
+              </p:cNvPr>
+              <p:cNvSpPr txBox="1"/>
+              <p:nvPr/>
+            </p:nvSpPr>
+            <p:spPr>
+              <a:xfrm>
+                <a:off x="230896" y="1634498"/>
+                <a:ext cx="454902" cy="333617"/>
+              </a:xfrm>
+              <a:prstGeom prst="rect">
+                <a:avLst/>
+              </a:prstGeom>
+              <a:noFill/>
+            </p:spPr>
+            <p:txBody>
+              <a:bodyPr wrap="square" rtlCol="0">
+                <a:spAutoFit/>
+              </a:bodyPr>
+              <a:lstStyle/>
+              <a:p>
+                <a:pPr algn="r"/>
+                <a14:m>
+                  <m:oMathPara xmlns:m="http://schemas.openxmlformats.org/officeDocument/2006/math">
+                    <m:oMathParaPr>
+                      <m:jc m:val="right"/>
+                    </m:oMathParaPr>
+                    <m:oMath xmlns:m="http://schemas.openxmlformats.org/officeDocument/2006/math">
+                      <m:f>
+                        <m:fPr>
+                          <m:type m:val="skw"/>
+                          <m:ctrlPr>
+                            <a:rPr lang="en-US" sz="1200" i="1" smtClean="0">
+                              <a:solidFill>
+                                <a:srgbClr val="FF0000"/>
+                              </a:solidFill>
+                              <a:latin typeface="Cambria Math" panose="02040503050406030204" pitchFamily="18" charset="0"/>
+                            </a:rPr>
+                          </m:ctrlPr>
+                        </m:fPr>
+                        <m:num>
+                          <m:r>
+                            <a:rPr lang="en-US" sz="1200" b="0" i="0" smtClean="0">
+                              <a:solidFill>
+                                <a:srgbClr val="FF0000"/>
+                              </a:solidFill>
+                              <a:latin typeface="Cambria Math" panose="02040503050406030204" pitchFamily="18" charset="0"/>
+                            </a:rPr>
+                            <m:t>1</m:t>
+                          </m:r>
+                        </m:num>
+                        <m:den>
+                          <m:r>
+                            <a:rPr lang="en-US" sz="1200" b="0" i="0" smtClean="0">
+                              <a:solidFill>
+                                <a:srgbClr val="FF0000"/>
+                              </a:solidFill>
+                              <a:latin typeface="Cambria Math" panose="02040503050406030204" pitchFamily="18" charset="0"/>
+                            </a:rPr>
+                            <m:t>8</m:t>
+                          </m:r>
+                        </m:den>
+                      </m:f>
+                    </m:oMath>
+                  </m:oMathPara>
+                </a14:m>
+                <a:endParaRPr lang="en-US" sz="1200" dirty="0">
+                  <a:solidFill>
+                    <a:srgbClr val="FF0000"/>
+                  </a:solidFill>
+                </a:endParaRPr>
+              </a:p>
+            </p:txBody>
+          </p:sp>
+        </mc:Choice>
+        <mc:Fallback xmlns="">
+          <p:sp>
+            <p:nvSpPr>
+              <p:cNvPr id="7" name="TextBox 6">
+                <a:extLst>
+                  <a:ext uri="{FF2B5EF4-FFF2-40B4-BE49-F238E27FC236}">
+                    <a16:creationId xmlns:a16="http://schemas.microsoft.com/office/drawing/2014/main" id="{72850A30-1FD8-03D8-4854-DDA49426388C}"/>
+                  </a:ext>
+                </a:extLst>
+              </p:cNvPr>
+              <p:cNvSpPr txBox="1">
+                <a:spLocks noRot="1" noChangeAspect="1" noMove="1" noResize="1" noEditPoints="1" noAdjustHandles="1" noChangeArrowheads="1" noChangeShapeType="1" noTextEdit="1"/>
+              </p:cNvSpPr>
+              <p:nvPr/>
+            </p:nvSpPr>
+            <p:spPr>
+              <a:xfrm>
+                <a:off x="230896" y="1634498"/>
+                <a:ext cx="454902" cy="333617"/>
+              </a:xfrm>
+              <a:prstGeom prst="rect">
+                <a:avLst/>
+              </a:prstGeom>
+              <a:blipFill>
+                <a:blip r:embed="rId20"/>
+                <a:stretch>
+                  <a:fillRect l="-31081" t="-101818" r="-82432" b="-156364"/>
+                </a:stretch>
+              </a:blipFill>
+            </p:spPr>
+            <p:txBody>
+              <a:bodyPr/>
+              <a:lstStyle/>
+              <a:p>
+                <a:r>
+                  <a:rPr lang="en-US">
+                    <a:noFill/>
+                  </a:rPr>
+                  <a:t> </a:t>
+                </a:r>
+              </a:p>
+            </p:txBody>
+          </p:sp>
+        </mc:Fallback>
+      </mc:AlternateContent>
+      <p:sp>
+        <p:nvSpPr>
+          <p:cNvPr id="14" name="Rectangle 13">
             <a:extLst>
               <a:ext uri="{FF2B5EF4-FFF2-40B4-BE49-F238E27FC236}">
-                <a16:creationId xmlns:a16="http://schemas.microsoft.com/office/drawing/2014/main" id="{E554B4C9-EE43-DD6D-FE83-9565067B4207}"/>
+                <a16:creationId xmlns:a16="http://schemas.microsoft.com/office/drawing/2014/main" id="{B6E82069-08BA-3C75-FE2E-DCEED9D166FD}"/>
               </a:ext>
             </a:extLst>
           </p:cNvPr>
@@ -3558,8 +6857,1676 @@
         </p:nvSpPr>
         <p:spPr>
           <a:xfrm>
-            <a:off x="2189968" y="685799"/>
-            <a:ext cx="118872" cy="9601195"/>
+            <a:off x="688109" y="6602336"/>
+            <a:ext cx="6400800" cy="228600"/>
+          </a:xfrm>
+          <a:prstGeom prst="rect">
+            <a:avLst/>
+          </a:prstGeom>
+          <a:noFill/>
+          <a:ln>
+            <a:solidFill>
+              <a:srgbClr val="FF0000"/>
+            </a:solidFill>
+            <a:prstDash val="dash"/>
+          </a:ln>
+        </p:spPr>
+        <p:style>
+          <a:lnRef idx="2">
+            <a:schemeClr val="accent1">
+              <a:shade val="15000"/>
+            </a:schemeClr>
+          </a:lnRef>
+          <a:fillRef idx="1">
+            <a:schemeClr val="accent1"/>
+          </a:fillRef>
+          <a:effectRef idx="0">
+            <a:schemeClr val="accent1"/>
+          </a:effectRef>
+          <a:fontRef idx="minor">
+            <a:schemeClr val="lt1"/>
+          </a:fontRef>
+        </p:style>
+        <p:txBody>
+          <a:bodyPr rtlCol="0" anchor="ctr"/>
+          <a:lstStyle/>
+          <a:p>
+            <a:pPr algn="ctr"/>
+            <a:endParaRPr lang="en-US"/>
+          </a:p>
+        </p:txBody>
+      </p:sp>
+      <mc:AlternateContent xmlns:mc="http://schemas.openxmlformats.org/markup-compatibility/2006" xmlns:a14="http://schemas.microsoft.com/office/drawing/2010/main">
+        <mc:Choice Requires="a14">
+          <p:sp>
+            <p:nvSpPr>
+              <p:cNvPr id="16" name="TextBox 15">
+                <a:extLst>
+                  <a:ext uri="{FF2B5EF4-FFF2-40B4-BE49-F238E27FC236}">
+                    <a16:creationId xmlns:a16="http://schemas.microsoft.com/office/drawing/2014/main" id="{9BD02828-8430-AC98-3FEF-F789B9ECD1E0}"/>
+                  </a:ext>
+                </a:extLst>
+              </p:cNvPr>
+              <p:cNvSpPr txBox="1"/>
+              <p:nvPr/>
+            </p:nvSpPr>
+            <p:spPr>
+              <a:xfrm>
+                <a:off x="226288" y="6547841"/>
+                <a:ext cx="454902" cy="349583"/>
+              </a:xfrm>
+              <a:prstGeom prst="rect">
+                <a:avLst/>
+              </a:prstGeom>
+              <a:noFill/>
+            </p:spPr>
+            <p:txBody>
+              <a:bodyPr wrap="square" rtlCol="0">
+                <a:spAutoFit/>
+              </a:bodyPr>
+              <a:lstStyle/>
+              <a:p>
+                <a:pPr algn="r"/>
+                <a14:m>
+                  <m:oMathPara xmlns:m="http://schemas.openxmlformats.org/officeDocument/2006/math">
+                    <m:oMathParaPr>
+                      <m:jc m:val="right"/>
+                    </m:oMathParaPr>
+                    <m:oMath xmlns:m="http://schemas.openxmlformats.org/officeDocument/2006/math">
+                      <m:f>
+                        <m:fPr>
+                          <m:type m:val="skw"/>
+                          <m:ctrlPr>
+                            <a:rPr lang="en-US" sz="1200" i="1" smtClean="0">
+                              <a:solidFill>
+                                <a:srgbClr val="FF0000"/>
+                              </a:solidFill>
+                              <a:latin typeface="Cambria Math" panose="02040503050406030204" pitchFamily="18" charset="0"/>
+                            </a:rPr>
+                          </m:ctrlPr>
+                        </m:fPr>
+                        <m:num>
+                          <m:r>
+                            <a:rPr lang="en-US" sz="1200" b="0" i="0" smtClean="0">
+                              <a:solidFill>
+                                <a:srgbClr val="FF0000"/>
+                              </a:solidFill>
+                              <a:latin typeface="Cambria Math" panose="02040503050406030204" pitchFamily="18" charset="0"/>
+                            </a:rPr>
+                            <m:t>5</m:t>
+                          </m:r>
+                        </m:num>
+                        <m:den>
+                          <m:r>
+                            <a:rPr lang="en-US" sz="1200" b="0" i="0" smtClean="0">
+                              <a:solidFill>
+                                <a:srgbClr val="FF0000"/>
+                              </a:solidFill>
+                              <a:latin typeface="Cambria Math" panose="02040503050406030204" pitchFamily="18" charset="0"/>
+                            </a:rPr>
+                            <m:t>8</m:t>
+                          </m:r>
+                        </m:den>
+                      </m:f>
+                    </m:oMath>
+                  </m:oMathPara>
+                </a14:m>
+                <a:endParaRPr lang="en-US" sz="1200" dirty="0">
+                  <a:solidFill>
+                    <a:srgbClr val="FF0000"/>
+                  </a:solidFill>
+                </a:endParaRPr>
+              </a:p>
+            </p:txBody>
+          </p:sp>
+        </mc:Choice>
+        <mc:Fallback xmlns="">
+          <p:sp>
+            <p:nvSpPr>
+              <p:cNvPr id="16" name="TextBox 15">
+                <a:extLst>
+                  <a:ext uri="{FF2B5EF4-FFF2-40B4-BE49-F238E27FC236}">
+                    <a16:creationId xmlns:a16="http://schemas.microsoft.com/office/drawing/2014/main" id="{9BD02828-8430-AC98-3FEF-F789B9ECD1E0}"/>
+                  </a:ext>
+                </a:extLst>
+              </p:cNvPr>
+              <p:cNvSpPr txBox="1">
+                <a:spLocks noRot="1" noChangeAspect="1" noMove="1" noResize="1" noEditPoints="1" noAdjustHandles="1" noChangeArrowheads="1" noChangeShapeType="1" noTextEdit="1"/>
+              </p:cNvSpPr>
+              <p:nvPr/>
+            </p:nvSpPr>
+            <p:spPr>
+              <a:xfrm>
+                <a:off x="226288" y="6547841"/>
+                <a:ext cx="454902" cy="349583"/>
+              </a:xfrm>
+              <a:prstGeom prst="rect">
+                <a:avLst/>
+              </a:prstGeom>
+              <a:blipFill>
+                <a:blip r:embed="rId21"/>
+                <a:stretch>
+                  <a:fillRect l="-29333" t="-96491" r="-81333" b="-149123"/>
+                </a:stretch>
+              </a:blipFill>
+            </p:spPr>
+            <p:txBody>
+              <a:bodyPr/>
+              <a:lstStyle/>
+              <a:p>
+                <a:r>
+                  <a:rPr lang="en-US">
+                    <a:noFill/>
+                  </a:rPr>
+                  <a:t> </a:t>
+                </a:r>
+              </a:p>
+            </p:txBody>
+          </p:sp>
+        </mc:Fallback>
+      </mc:AlternateContent>
+      <p:sp>
+        <p:nvSpPr>
+          <p:cNvPr id="17" name="Rectangle 16">
+            <a:extLst>
+              <a:ext uri="{FF2B5EF4-FFF2-40B4-BE49-F238E27FC236}">
+                <a16:creationId xmlns:a16="http://schemas.microsoft.com/office/drawing/2014/main" id="{55C4FAA0-34DE-2A05-5943-B3D917B36584}"/>
+              </a:ext>
+            </a:extLst>
+          </p:cNvPr>
+          <p:cNvSpPr/>
+          <p:nvPr/>
+        </p:nvSpPr>
+        <p:spPr>
+          <a:xfrm>
+            <a:off x="688109" y="9068924"/>
+            <a:ext cx="6400800" cy="228600"/>
+          </a:xfrm>
+          <a:prstGeom prst="rect">
+            <a:avLst/>
+          </a:prstGeom>
+          <a:noFill/>
+          <a:ln>
+            <a:solidFill>
+              <a:srgbClr val="FF0000"/>
+            </a:solidFill>
+            <a:prstDash val="dash"/>
+          </a:ln>
+        </p:spPr>
+        <p:style>
+          <a:lnRef idx="2">
+            <a:schemeClr val="accent1">
+              <a:shade val="15000"/>
+            </a:schemeClr>
+          </a:lnRef>
+          <a:fillRef idx="1">
+            <a:schemeClr val="accent1"/>
+          </a:fillRef>
+          <a:effectRef idx="0">
+            <a:schemeClr val="accent1"/>
+          </a:effectRef>
+          <a:fontRef idx="minor">
+            <a:schemeClr val="lt1"/>
+          </a:fontRef>
+        </p:style>
+        <p:txBody>
+          <a:bodyPr rtlCol="0" anchor="ctr"/>
+          <a:lstStyle/>
+          <a:p>
+            <a:pPr algn="ctr"/>
+            <a:endParaRPr lang="en-US"/>
+          </a:p>
+        </p:txBody>
+      </p:sp>
+      <mc:AlternateContent xmlns:mc="http://schemas.openxmlformats.org/markup-compatibility/2006" xmlns:a14="http://schemas.microsoft.com/office/drawing/2010/main">
+        <mc:Choice Requires="a14">
+          <p:sp>
+            <p:nvSpPr>
+              <p:cNvPr id="18" name="TextBox 17">
+                <a:extLst>
+                  <a:ext uri="{FF2B5EF4-FFF2-40B4-BE49-F238E27FC236}">
+                    <a16:creationId xmlns:a16="http://schemas.microsoft.com/office/drawing/2014/main" id="{2440E3A2-E3E2-E7D9-AE9A-6AA590439696}"/>
+                  </a:ext>
+                </a:extLst>
+              </p:cNvPr>
+              <p:cNvSpPr txBox="1"/>
+              <p:nvPr/>
+            </p:nvSpPr>
+            <p:spPr>
+              <a:xfrm>
+                <a:off x="233207" y="9015798"/>
+                <a:ext cx="454902" cy="334835"/>
+              </a:xfrm>
+              <a:prstGeom prst="rect">
+                <a:avLst/>
+              </a:prstGeom>
+              <a:noFill/>
+            </p:spPr>
+            <p:txBody>
+              <a:bodyPr wrap="square" rtlCol="0">
+                <a:spAutoFit/>
+              </a:bodyPr>
+              <a:lstStyle/>
+              <a:p>
+                <a:pPr algn="r"/>
+                <a14:m>
+                  <m:oMathPara xmlns:m="http://schemas.openxmlformats.org/officeDocument/2006/math">
+                    <m:oMathParaPr>
+                      <m:jc m:val="right"/>
+                    </m:oMathParaPr>
+                    <m:oMath xmlns:m="http://schemas.openxmlformats.org/officeDocument/2006/math">
+                      <m:f>
+                        <m:fPr>
+                          <m:type m:val="skw"/>
+                          <m:ctrlPr>
+                            <a:rPr lang="en-US" sz="1200" i="1" smtClean="0">
+                              <a:solidFill>
+                                <a:srgbClr val="FF0000"/>
+                              </a:solidFill>
+                              <a:latin typeface="Cambria Math" panose="02040503050406030204" pitchFamily="18" charset="0"/>
+                            </a:rPr>
+                          </m:ctrlPr>
+                        </m:fPr>
+                        <m:num>
+                          <m:r>
+                            <a:rPr lang="en-US" sz="1200" b="0" i="0" smtClean="0">
+                              <a:solidFill>
+                                <a:srgbClr val="FF0000"/>
+                              </a:solidFill>
+                              <a:latin typeface="Cambria Math" panose="02040503050406030204" pitchFamily="18" charset="0"/>
+                            </a:rPr>
+                            <m:t>7</m:t>
+                          </m:r>
+                        </m:num>
+                        <m:den>
+                          <m:r>
+                            <a:rPr lang="en-US" sz="1200" b="0" i="0" smtClean="0">
+                              <a:solidFill>
+                                <a:srgbClr val="FF0000"/>
+                              </a:solidFill>
+                              <a:latin typeface="Cambria Math" panose="02040503050406030204" pitchFamily="18" charset="0"/>
+                            </a:rPr>
+                            <m:t>8</m:t>
+                          </m:r>
+                        </m:den>
+                      </m:f>
+                    </m:oMath>
+                  </m:oMathPara>
+                </a14:m>
+                <a:endParaRPr lang="en-US" sz="1200" dirty="0">
+                  <a:solidFill>
+                    <a:srgbClr val="FF0000"/>
+                  </a:solidFill>
+                </a:endParaRPr>
+              </a:p>
+            </p:txBody>
+          </p:sp>
+        </mc:Choice>
+        <mc:Fallback xmlns="">
+          <p:sp>
+            <p:nvSpPr>
+              <p:cNvPr id="18" name="TextBox 17">
+                <a:extLst>
+                  <a:ext uri="{FF2B5EF4-FFF2-40B4-BE49-F238E27FC236}">
+                    <a16:creationId xmlns:a16="http://schemas.microsoft.com/office/drawing/2014/main" id="{2440E3A2-E3E2-E7D9-AE9A-6AA590439696}"/>
+                  </a:ext>
+                </a:extLst>
+              </p:cNvPr>
+              <p:cNvSpPr txBox="1">
+                <a:spLocks noRot="1" noChangeAspect="1" noMove="1" noResize="1" noEditPoints="1" noAdjustHandles="1" noChangeArrowheads="1" noChangeShapeType="1" noTextEdit="1"/>
+              </p:cNvSpPr>
+              <p:nvPr/>
+            </p:nvSpPr>
+            <p:spPr>
+              <a:xfrm>
+                <a:off x="233207" y="9015798"/>
+                <a:ext cx="454902" cy="334835"/>
+              </a:xfrm>
+              <a:prstGeom prst="rect">
+                <a:avLst/>
+              </a:prstGeom>
+              <a:blipFill>
+                <a:blip r:embed="rId22"/>
+                <a:stretch>
+                  <a:fillRect l="-29333" t="-101818" r="-81333" b="-156364"/>
+                </a:stretch>
+              </a:blipFill>
+            </p:spPr>
+            <p:txBody>
+              <a:bodyPr/>
+              <a:lstStyle/>
+              <a:p>
+                <a:r>
+                  <a:rPr lang="en-US">
+                    <a:noFill/>
+                  </a:rPr>
+                  <a:t> </a:t>
+                </a:r>
+              </a:p>
+            </p:txBody>
+          </p:sp>
+        </mc:Fallback>
+      </mc:AlternateContent>
+      <p:sp>
+        <p:nvSpPr>
+          <p:cNvPr id="22" name="Rectangle 21">
+            <a:extLst>
+              <a:ext uri="{FF2B5EF4-FFF2-40B4-BE49-F238E27FC236}">
+                <a16:creationId xmlns:a16="http://schemas.microsoft.com/office/drawing/2014/main" id="{0B33C6A8-2EB6-B08B-D3E5-B07FF8855876}"/>
+              </a:ext>
+            </a:extLst>
+          </p:cNvPr>
+          <p:cNvSpPr/>
+          <p:nvPr/>
+        </p:nvSpPr>
+        <p:spPr>
+          <a:xfrm>
+            <a:off x="688109" y="2304648"/>
+            <a:ext cx="6400800" cy="228600"/>
+          </a:xfrm>
+          <a:prstGeom prst="rect">
+            <a:avLst/>
+          </a:prstGeom>
+          <a:noFill/>
+          <a:ln>
+            <a:solidFill>
+              <a:srgbClr val="FF0000"/>
+            </a:solidFill>
+            <a:prstDash val="sysDash"/>
+          </a:ln>
+        </p:spPr>
+        <p:style>
+          <a:lnRef idx="2">
+            <a:schemeClr val="accent1">
+              <a:shade val="15000"/>
+            </a:schemeClr>
+          </a:lnRef>
+          <a:fillRef idx="1">
+            <a:schemeClr val="accent1"/>
+          </a:fillRef>
+          <a:effectRef idx="0">
+            <a:schemeClr val="accent1"/>
+          </a:effectRef>
+          <a:fontRef idx="minor">
+            <a:schemeClr val="lt1"/>
+          </a:fontRef>
+        </p:style>
+        <p:txBody>
+          <a:bodyPr rtlCol="0" anchor="ctr"/>
+          <a:lstStyle/>
+          <a:p>
+            <a:pPr algn="ctr"/>
+            <a:endParaRPr lang="en-US"/>
+          </a:p>
+        </p:txBody>
+      </p:sp>
+      <mc:AlternateContent xmlns:mc="http://schemas.openxmlformats.org/markup-compatibility/2006" xmlns:a14="http://schemas.microsoft.com/office/drawing/2010/main">
+        <mc:Choice Requires="a14">
+          <p:sp>
+            <p:nvSpPr>
+              <p:cNvPr id="23" name="TextBox 22">
+                <a:extLst>
+                  <a:ext uri="{FF2B5EF4-FFF2-40B4-BE49-F238E27FC236}">
+                    <a16:creationId xmlns:a16="http://schemas.microsoft.com/office/drawing/2014/main" id="{C03AFEAB-EE9E-9666-9FAA-2C93B93D13C6}"/>
+                  </a:ext>
+                </a:extLst>
+              </p:cNvPr>
+              <p:cNvSpPr txBox="1"/>
+              <p:nvPr/>
+            </p:nvSpPr>
+            <p:spPr>
+              <a:xfrm>
+                <a:off x="230906" y="2233614"/>
+                <a:ext cx="454902" cy="332399"/>
+              </a:xfrm>
+              <a:prstGeom prst="rect">
+                <a:avLst/>
+              </a:prstGeom>
+              <a:noFill/>
+            </p:spPr>
+            <p:txBody>
+              <a:bodyPr wrap="square" rtlCol="0">
+                <a:spAutoFit/>
+              </a:bodyPr>
+              <a:lstStyle/>
+              <a:p>
+                <a:pPr algn="r"/>
+                <a14:m>
+                  <m:oMathPara xmlns:m="http://schemas.openxmlformats.org/officeDocument/2006/math">
+                    <m:oMathParaPr>
+                      <m:jc m:val="right"/>
+                    </m:oMathParaPr>
+                    <m:oMath xmlns:m="http://schemas.openxmlformats.org/officeDocument/2006/math">
+                      <m:f>
+                        <m:fPr>
+                          <m:type m:val="skw"/>
+                          <m:ctrlPr>
+                            <a:rPr lang="en-US" sz="1200" i="1" smtClean="0">
+                              <a:solidFill>
+                                <a:srgbClr val="FF0000"/>
+                              </a:solidFill>
+                              <a:latin typeface="Cambria Math" panose="02040503050406030204" pitchFamily="18" charset="0"/>
+                            </a:rPr>
+                          </m:ctrlPr>
+                        </m:fPr>
+                        <m:num>
+                          <m:r>
+                            <a:rPr lang="en-US" sz="1200" b="0" i="0" smtClean="0">
+                              <a:solidFill>
+                                <a:srgbClr val="FF0000"/>
+                              </a:solidFill>
+                              <a:latin typeface="Cambria Math" panose="02040503050406030204" pitchFamily="18" charset="0"/>
+                            </a:rPr>
+                            <m:t>3</m:t>
+                          </m:r>
+                        </m:num>
+                        <m:den>
+                          <m:r>
+                            <a:rPr lang="en-US" sz="1200" b="0" i="0" smtClean="0">
+                              <a:solidFill>
+                                <a:srgbClr val="FF0000"/>
+                              </a:solidFill>
+                              <a:latin typeface="Cambria Math" panose="02040503050406030204" pitchFamily="18" charset="0"/>
+                            </a:rPr>
+                            <m:t>16</m:t>
+                          </m:r>
+                        </m:den>
+                      </m:f>
+                    </m:oMath>
+                  </m:oMathPara>
+                </a14:m>
+                <a:endParaRPr lang="en-US" sz="1200" dirty="0">
+                  <a:solidFill>
+                    <a:srgbClr val="FF0000"/>
+                  </a:solidFill>
+                </a:endParaRPr>
+              </a:p>
+            </p:txBody>
+          </p:sp>
+        </mc:Choice>
+        <mc:Fallback xmlns="">
+          <p:sp>
+            <p:nvSpPr>
+              <p:cNvPr id="23" name="TextBox 22">
+                <a:extLst>
+                  <a:ext uri="{FF2B5EF4-FFF2-40B4-BE49-F238E27FC236}">
+                    <a16:creationId xmlns:a16="http://schemas.microsoft.com/office/drawing/2014/main" id="{C03AFEAB-EE9E-9666-9FAA-2C93B93D13C6}"/>
+                  </a:ext>
+                </a:extLst>
+              </p:cNvPr>
+              <p:cNvSpPr txBox="1">
+                <a:spLocks noRot="1" noChangeAspect="1" noMove="1" noResize="1" noEditPoints="1" noAdjustHandles="1" noChangeArrowheads="1" noChangeShapeType="1" noTextEdit="1"/>
+              </p:cNvSpPr>
+              <p:nvPr/>
+            </p:nvSpPr>
+            <p:spPr>
+              <a:xfrm>
+                <a:off x="230906" y="2233614"/>
+                <a:ext cx="454902" cy="332399"/>
+              </a:xfrm>
+              <a:prstGeom prst="rect">
+                <a:avLst/>
+              </a:prstGeom>
+              <a:blipFill>
+                <a:blip r:embed="rId23"/>
+                <a:stretch>
+                  <a:fillRect l="-40000" t="-100000" r="-70667" b="-158182"/>
+                </a:stretch>
+              </a:blipFill>
+            </p:spPr>
+            <p:txBody>
+              <a:bodyPr/>
+              <a:lstStyle/>
+              <a:p>
+                <a:r>
+                  <a:rPr lang="en-US">
+                    <a:noFill/>
+                  </a:rPr>
+                  <a:t> </a:t>
+                </a:r>
+              </a:p>
+            </p:txBody>
+          </p:sp>
+        </mc:Fallback>
+      </mc:AlternateContent>
+      <p:sp>
+        <p:nvSpPr>
+          <p:cNvPr id="24" name="Rectangle 23">
+            <a:extLst>
+              <a:ext uri="{FF2B5EF4-FFF2-40B4-BE49-F238E27FC236}">
+                <a16:creationId xmlns:a16="http://schemas.microsoft.com/office/drawing/2014/main" id="{C7F0B709-E95E-DCA6-9CFE-F03E2551F8E6}"/>
+              </a:ext>
+            </a:extLst>
+          </p:cNvPr>
+          <p:cNvSpPr/>
+          <p:nvPr/>
+        </p:nvSpPr>
+        <p:spPr>
+          <a:xfrm>
+            <a:off x="688109" y="3523780"/>
+            <a:ext cx="6400800" cy="228600"/>
+          </a:xfrm>
+          <a:prstGeom prst="rect">
+            <a:avLst/>
+          </a:prstGeom>
+          <a:noFill/>
+          <a:ln>
+            <a:solidFill>
+              <a:srgbClr val="FF0000"/>
+            </a:solidFill>
+            <a:prstDash val="sysDash"/>
+          </a:ln>
+        </p:spPr>
+        <p:style>
+          <a:lnRef idx="2">
+            <a:schemeClr val="accent1">
+              <a:shade val="15000"/>
+            </a:schemeClr>
+          </a:lnRef>
+          <a:fillRef idx="1">
+            <a:schemeClr val="accent1"/>
+          </a:fillRef>
+          <a:effectRef idx="0">
+            <a:schemeClr val="accent1"/>
+          </a:effectRef>
+          <a:fontRef idx="minor">
+            <a:schemeClr val="lt1"/>
+          </a:fontRef>
+        </p:style>
+        <p:txBody>
+          <a:bodyPr rtlCol="0" anchor="ctr"/>
+          <a:lstStyle/>
+          <a:p>
+            <a:pPr algn="ctr"/>
+            <a:endParaRPr lang="en-US"/>
+          </a:p>
+        </p:txBody>
+      </p:sp>
+      <mc:AlternateContent xmlns:mc="http://schemas.openxmlformats.org/markup-compatibility/2006" xmlns:a14="http://schemas.microsoft.com/office/drawing/2010/main">
+        <mc:Choice Requires="a14">
+          <p:sp>
+            <p:nvSpPr>
+              <p:cNvPr id="25" name="TextBox 24">
+                <a:extLst>
+                  <a:ext uri="{FF2B5EF4-FFF2-40B4-BE49-F238E27FC236}">
+                    <a16:creationId xmlns:a16="http://schemas.microsoft.com/office/drawing/2014/main" id="{43CA9E3C-601E-6AB9-B480-1A8F1317E38F}"/>
+                  </a:ext>
+                </a:extLst>
+              </p:cNvPr>
+              <p:cNvSpPr txBox="1"/>
+              <p:nvPr/>
+            </p:nvSpPr>
+            <p:spPr>
+              <a:xfrm>
+                <a:off x="230906" y="3453283"/>
+                <a:ext cx="454902" cy="338619"/>
+              </a:xfrm>
+              <a:prstGeom prst="rect">
+                <a:avLst/>
+              </a:prstGeom>
+              <a:noFill/>
+            </p:spPr>
+            <p:txBody>
+              <a:bodyPr wrap="square" rtlCol="0">
+                <a:spAutoFit/>
+              </a:bodyPr>
+              <a:lstStyle/>
+              <a:p>
+                <a:pPr algn="r"/>
+                <a14:m>
+                  <m:oMathPara xmlns:m="http://schemas.openxmlformats.org/officeDocument/2006/math">
+                    <m:oMathParaPr>
+                      <m:jc m:val="right"/>
+                    </m:oMathParaPr>
+                    <m:oMath xmlns:m="http://schemas.openxmlformats.org/officeDocument/2006/math">
+                      <m:f>
+                        <m:fPr>
+                          <m:type m:val="skw"/>
+                          <m:ctrlPr>
+                            <a:rPr lang="en-US" sz="1200" i="1" smtClean="0">
+                              <a:solidFill>
+                                <a:srgbClr val="FF0000"/>
+                              </a:solidFill>
+                              <a:latin typeface="Cambria Math" panose="02040503050406030204" pitchFamily="18" charset="0"/>
+                            </a:rPr>
+                          </m:ctrlPr>
+                        </m:fPr>
+                        <m:num>
+                          <m:r>
+                            <a:rPr lang="en-US" sz="1200" b="0" i="0" smtClean="0">
+                              <a:solidFill>
+                                <a:srgbClr val="FF0000"/>
+                              </a:solidFill>
+                              <a:latin typeface="Cambria Math" panose="02040503050406030204" pitchFamily="18" charset="0"/>
+                            </a:rPr>
+                            <m:t>5</m:t>
+                          </m:r>
+                        </m:num>
+                        <m:den>
+                          <m:r>
+                            <a:rPr lang="en-US" sz="1200" b="0" i="0" smtClean="0">
+                              <a:solidFill>
+                                <a:srgbClr val="FF0000"/>
+                              </a:solidFill>
+                              <a:latin typeface="Cambria Math" panose="02040503050406030204" pitchFamily="18" charset="0"/>
+                            </a:rPr>
+                            <m:t>16</m:t>
+                          </m:r>
+                        </m:den>
+                      </m:f>
+                    </m:oMath>
+                  </m:oMathPara>
+                </a14:m>
+                <a:endParaRPr lang="en-US" sz="1200" dirty="0">
+                  <a:solidFill>
+                    <a:srgbClr val="FF0000"/>
+                  </a:solidFill>
+                </a:endParaRPr>
+              </a:p>
+            </p:txBody>
+          </p:sp>
+        </mc:Choice>
+        <mc:Fallback xmlns="">
+          <p:sp>
+            <p:nvSpPr>
+              <p:cNvPr id="25" name="TextBox 24">
+                <a:extLst>
+                  <a:ext uri="{FF2B5EF4-FFF2-40B4-BE49-F238E27FC236}">
+                    <a16:creationId xmlns:a16="http://schemas.microsoft.com/office/drawing/2014/main" id="{43CA9E3C-601E-6AB9-B480-1A8F1317E38F}"/>
+                  </a:ext>
+                </a:extLst>
+              </p:cNvPr>
+              <p:cNvSpPr txBox="1">
+                <a:spLocks noRot="1" noChangeAspect="1" noMove="1" noResize="1" noEditPoints="1" noAdjustHandles="1" noChangeArrowheads="1" noChangeShapeType="1" noTextEdit="1"/>
+              </p:cNvSpPr>
+              <p:nvPr/>
+            </p:nvSpPr>
+            <p:spPr>
+              <a:xfrm>
+                <a:off x="230906" y="3453283"/>
+                <a:ext cx="454902" cy="338619"/>
+              </a:xfrm>
+              <a:prstGeom prst="rect">
+                <a:avLst/>
+              </a:prstGeom>
+              <a:blipFill>
+                <a:blip r:embed="rId24"/>
+                <a:stretch>
+                  <a:fillRect l="-40000" t="-98214" r="-70667" b="-153571"/>
+                </a:stretch>
+              </a:blipFill>
+            </p:spPr>
+            <p:txBody>
+              <a:bodyPr/>
+              <a:lstStyle/>
+              <a:p>
+                <a:r>
+                  <a:rPr lang="en-US">
+                    <a:noFill/>
+                  </a:rPr>
+                  <a:t> </a:t>
+                </a:r>
+              </a:p>
+            </p:txBody>
+          </p:sp>
+        </mc:Fallback>
+      </mc:AlternateContent>
+      <p:sp>
+        <p:nvSpPr>
+          <p:cNvPr id="26" name="Rectangle 25">
+            <a:extLst>
+              <a:ext uri="{FF2B5EF4-FFF2-40B4-BE49-F238E27FC236}">
+                <a16:creationId xmlns:a16="http://schemas.microsoft.com/office/drawing/2014/main" id="{BB6FA586-C58B-32E4-BD8D-D074EA378606}"/>
+              </a:ext>
+            </a:extLst>
+          </p:cNvPr>
+          <p:cNvSpPr/>
+          <p:nvPr/>
+        </p:nvSpPr>
+        <p:spPr>
+          <a:xfrm>
+            <a:off x="683491" y="4760309"/>
+            <a:ext cx="6400800" cy="228600"/>
+          </a:xfrm>
+          <a:prstGeom prst="rect">
+            <a:avLst/>
+          </a:prstGeom>
+          <a:noFill/>
+          <a:ln>
+            <a:solidFill>
+              <a:srgbClr val="FF0000"/>
+            </a:solidFill>
+            <a:prstDash val="sysDash"/>
+          </a:ln>
+        </p:spPr>
+        <p:style>
+          <a:lnRef idx="2">
+            <a:schemeClr val="accent1">
+              <a:shade val="15000"/>
+            </a:schemeClr>
+          </a:lnRef>
+          <a:fillRef idx="1">
+            <a:schemeClr val="accent1"/>
+          </a:fillRef>
+          <a:effectRef idx="0">
+            <a:schemeClr val="accent1"/>
+          </a:effectRef>
+          <a:fontRef idx="minor">
+            <a:schemeClr val="lt1"/>
+          </a:fontRef>
+        </p:style>
+        <p:txBody>
+          <a:bodyPr rtlCol="0" anchor="ctr"/>
+          <a:lstStyle/>
+          <a:p>
+            <a:pPr algn="ctr"/>
+            <a:endParaRPr lang="en-US"/>
+          </a:p>
+        </p:txBody>
+      </p:sp>
+      <mc:AlternateContent xmlns:mc="http://schemas.openxmlformats.org/markup-compatibility/2006" xmlns:a14="http://schemas.microsoft.com/office/drawing/2010/main">
+        <mc:Choice Requires="a14">
+          <p:sp>
+            <p:nvSpPr>
+              <p:cNvPr id="27" name="TextBox 26">
+                <a:extLst>
+                  <a:ext uri="{FF2B5EF4-FFF2-40B4-BE49-F238E27FC236}">
+                    <a16:creationId xmlns:a16="http://schemas.microsoft.com/office/drawing/2014/main" id="{F3F70474-3FE1-770E-90EA-DC3018546A6D}"/>
+                  </a:ext>
+                </a:extLst>
+              </p:cNvPr>
+              <p:cNvSpPr txBox="1"/>
+              <p:nvPr/>
+            </p:nvSpPr>
+            <p:spPr>
+              <a:xfrm>
+                <a:off x="226288" y="4689812"/>
+                <a:ext cx="454902" cy="332399"/>
+              </a:xfrm>
+              <a:prstGeom prst="rect">
+                <a:avLst/>
+              </a:prstGeom>
+              <a:noFill/>
+            </p:spPr>
+            <p:txBody>
+              <a:bodyPr wrap="square" rtlCol="0">
+                <a:spAutoFit/>
+              </a:bodyPr>
+              <a:lstStyle/>
+              <a:p>
+                <a:pPr algn="r"/>
+                <a14:m>
+                  <m:oMathPara xmlns:m="http://schemas.openxmlformats.org/officeDocument/2006/math">
+                    <m:oMathParaPr>
+                      <m:jc m:val="right"/>
+                    </m:oMathParaPr>
+                    <m:oMath xmlns:m="http://schemas.openxmlformats.org/officeDocument/2006/math">
+                      <m:f>
+                        <m:fPr>
+                          <m:type m:val="skw"/>
+                          <m:ctrlPr>
+                            <a:rPr lang="en-US" sz="1200" i="1" smtClean="0">
+                              <a:solidFill>
+                                <a:srgbClr val="FF0000"/>
+                              </a:solidFill>
+                              <a:latin typeface="Cambria Math" panose="02040503050406030204" pitchFamily="18" charset="0"/>
+                            </a:rPr>
+                          </m:ctrlPr>
+                        </m:fPr>
+                        <m:num>
+                          <m:r>
+                            <a:rPr lang="en-US" sz="1200" b="0" i="0" smtClean="0">
+                              <a:solidFill>
+                                <a:srgbClr val="FF0000"/>
+                              </a:solidFill>
+                              <a:latin typeface="Cambria Math" panose="02040503050406030204" pitchFamily="18" charset="0"/>
+                            </a:rPr>
+                            <m:t>7</m:t>
+                          </m:r>
+                        </m:num>
+                        <m:den>
+                          <m:r>
+                            <a:rPr lang="en-US" sz="1200" b="0" i="0" smtClean="0">
+                              <a:solidFill>
+                                <a:srgbClr val="FF0000"/>
+                              </a:solidFill>
+                              <a:latin typeface="Cambria Math" panose="02040503050406030204" pitchFamily="18" charset="0"/>
+                            </a:rPr>
+                            <m:t>16</m:t>
+                          </m:r>
+                        </m:den>
+                      </m:f>
+                    </m:oMath>
+                  </m:oMathPara>
+                </a14:m>
+                <a:endParaRPr lang="en-US" sz="1200" dirty="0">
+                  <a:solidFill>
+                    <a:srgbClr val="FF0000"/>
+                  </a:solidFill>
+                </a:endParaRPr>
+              </a:p>
+            </p:txBody>
+          </p:sp>
+        </mc:Choice>
+        <mc:Fallback xmlns="">
+          <p:sp>
+            <p:nvSpPr>
+              <p:cNvPr id="27" name="TextBox 26">
+                <a:extLst>
+                  <a:ext uri="{FF2B5EF4-FFF2-40B4-BE49-F238E27FC236}">
+                    <a16:creationId xmlns:a16="http://schemas.microsoft.com/office/drawing/2014/main" id="{F3F70474-3FE1-770E-90EA-DC3018546A6D}"/>
+                  </a:ext>
+                </a:extLst>
+              </p:cNvPr>
+              <p:cNvSpPr txBox="1">
+                <a:spLocks noRot="1" noChangeAspect="1" noMove="1" noResize="1" noEditPoints="1" noAdjustHandles="1" noChangeArrowheads="1" noChangeShapeType="1" noTextEdit="1"/>
+              </p:cNvSpPr>
+              <p:nvPr/>
+            </p:nvSpPr>
+            <p:spPr>
+              <a:xfrm>
+                <a:off x="226288" y="4689812"/>
+                <a:ext cx="454902" cy="332399"/>
+              </a:xfrm>
+              <a:prstGeom prst="rect">
+                <a:avLst/>
+              </a:prstGeom>
+              <a:blipFill>
+                <a:blip r:embed="rId25"/>
+                <a:stretch>
+                  <a:fillRect l="-38667" t="-101818" r="-72000" b="-156364"/>
+                </a:stretch>
+              </a:blipFill>
+            </p:spPr>
+            <p:txBody>
+              <a:bodyPr/>
+              <a:lstStyle/>
+              <a:p>
+                <a:r>
+                  <a:rPr lang="en-US">
+                    <a:noFill/>
+                  </a:rPr>
+                  <a:t> </a:t>
+                </a:r>
+              </a:p>
+            </p:txBody>
+          </p:sp>
+        </mc:Fallback>
+      </mc:AlternateContent>
+      <p:sp>
+        <p:nvSpPr>
+          <p:cNvPr id="29" name="Rectangle 28">
+            <a:extLst>
+              <a:ext uri="{FF2B5EF4-FFF2-40B4-BE49-F238E27FC236}">
+                <a16:creationId xmlns:a16="http://schemas.microsoft.com/office/drawing/2014/main" id="{417BC501-BC1B-A803-6267-E5AC6B90DC43}"/>
+              </a:ext>
+            </a:extLst>
+          </p:cNvPr>
+          <p:cNvSpPr/>
+          <p:nvPr/>
+        </p:nvSpPr>
+        <p:spPr>
+          <a:xfrm>
+            <a:off x="685800" y="5990368"/>
+            <a:ext cx="6400800" cy="228600"/>
+          </a:xfrm>
+          <a:prstGeom prst="rect">
+            <a:avLst/>
+          </a:prstGeom>
+          <a:noFill/>
+          <a:ln>
+            <a:solidFill>
+              <a:srgbClr val="FF0000"/>
+            </a:solidFill>
+            <a:prstDash val="sysDash"/>
+          </a:ln>
+        </p:spPr>
+        <p:style>
+          <a:lnRef idx="2">
+            <a:schemeClr val="accent1">
+              <a:shade val="15000"/>
+            </a:schemeClr>
+          </a:lnRef>
+          <a:fillRef idx="1">
+            <a:schemeClr val="accent1"/>
+          </a:fillRef>
+          <a:effectRef idx="0">
+            <a:schemeClr val="accent1"/>
+          </a:effectRef>
+          <a:fontRef idx="minor">
+            <a:schemeClr val="lt1"/>
+          </a:fontRef>
+        </p:style>
+        <p:txBody>
+          <a:bodyPr rtlCol="0" anchor="ctr"/>
+          <a:lstStyle/>
+          <a:p>
+            <a:pPr algn="ctr"/>
+            <a:endParaRPr lang="en-US"/>
+          </a:p>
+        </p:txBody>
+      </p:sp>
+      <mc:AlternateContent xmlns:mc="http://schemas.openxmlformats.org/markup-compatibility/2006" xmlns:a14="http://schemas.microsoft.com/office/drawing/2010/main">
+        <mc:Choice Requires="a14">
+          <p:sp>
+            <p:nvSpPr>
+              <p:cNvPr id="32" name="TextBox 31">
+                <a:extLst>
+                  <a:ext uri="{FF2B5EF4-FFF2-40B4-BE49-F238E27FC236}">
+                    <a16:creationId xmlns:a16="http://schemas.microsoft.com/office/drawing/2014/main" id="{66CDF3A2-2E8E-24D6-723F-E83505739451}"/>
+                  </a:ext>
+                </a:extLst>
+              </p:cNvPr>
+              <p:cNvSpPr txBox="1"/>
+              <p:nvPr/>
+            </p:nvSpPr>
+            <p:spPr>
+              <a:xfrm>
+                <a:off x="228597" y="5919871"/>
+                <a:ext cx="454902" cy="332399"/>
+              </a:xfrm>
+              <a:prstGeom prst="rect">
+                <a:avLst/>
+              </a:prstGeom>
+              <a:noFill/>
+            </p:spPr>
+            <p:txBody>
+              <a:bodyPr wrap="square" rtlCol="0">
+                <a:spAutoFit/>
+              </a:bodyPr>
+              <a:lstStyle/>
+              <a:p>
+                <a:pPr algn="r"/>
+                <a14:m>
+                  <m:oMathPara xmlns:m="http://schemas.openxmlformats.org/officeDocument/2006/math">
+                    <m:oMathParaPr>
+                      <m:jc m:val="right"/>
+                    </m:oMathParaPr>
+                    <m:oMath xmlns:m="http://schemas.openxmlformats.org/officeDocument/2006/math">
+                      <m:f>
+                        <m:fPr>
+                          <m:type m:val="skw"/>
+                          <m:ctrlPr>
+                            <a:rPr lang="en-US" sz="1200" i="1" smtClean="0">
+                              <a:solidFill>
+                                <a:srgbClr val="FF0000"/>
+                              </a:solidFill>
+                              <a:latin typeface="Cambria Math" panose="02040503050406030204" pitchFamily="18" charset="0"/>
+                            </a:rPr>
+                          </m:ctrlPr>
+                        </m:fPr>
+                        <m:num>
+                          <m:r>
+                            <a:rPr lang="en-US" sz="1200" b="0" i="0" smtClean="0">
+                              <a:solidFill>
+                                <a:srgbClr val="FF0000"/>
+                              </a:solidFill>
+                              <a:latin typeface="Cambria Math" panose="02040503050406030204" pitchFamily="18" charset="0"/>
+                            </a:rPr>
+                            <m:t>9</m:t>
+                          </m:r>
+                        </m:num>
+                        <m:den>
+                          <m:r>
+                            <a:rPr lang="en-US" sz="1200" b="0" i="0" smtClean="0">
+                              <a:solidFill>
+                                <a:srgbClr val="FF0000"/>
+                              </a:solidFill>
+                              <a:latin typeface="Cambria Math" panose="02040503050406030204" pitchFamily="18" charset="0"/>
+                            </a:rPr>
+                            <m:t>16</m:t>
+                          </m:r>
+                        </m:den>
+                      </m:f>
+                    </m:oMath>
+                  </m:oMathPara>
+                </a14:m>
+                <a:endParaRPr lang="en-US" sz="1200" dirty="0">
+                  <a:solidFill>
+                    <a:srgbClr val="FF0000"/>
+                  </a:solidFill>
+                </a:endParaRPr>
+              </a:p>
+            </p:txBody>
+          </p:sp>
+        </mc:Choice>
+        <mc:Fallback xmlns="">
+          <p:sp>
+            <p:nvSpPr>
+              <p:cNvPr id="32" name="TextBox 31">
+                <a:extLst>
+                  <a:ext uri="{FF2B5EF4-FFF2-40B4-BE49-F238E27FC236}">
+                    <a16:creationId xmlns:a16="http://schemas.microsoft.com/office/drawing/2014/main" id="{66CDF3A2-2E8E-24D6-723F-E83505739451}"/>
+                  </a:ext>
+                </a:extLst>
+              </p:cNvPr>
+              <p:cNvSpPr txBox="1">
+                <a:spLocks noRot="1" noChangeAspect="1" noMove="1" noResize="1" noEditPoints="1" noAdjustHandles="1" noChangeArrowheads="1" noChangeShapeType="1" noTextEdit="1"/>
+              </p:cNvSpPr>
+              <p:nvPr/>
+            </p:nvSpPr>
+            <p:spPr>
+              <a:xfrm>
+                <a:off x="228597" y="5919871"/>
+                <a:ext cx="454902" cy="332399"/>
+              </a:xfrm>
+              <a:prstGeom prst="rect">
+                <a:avLst/>
+              </a:prstGeom>
+              <a:blipFill>
+                <a:blip r:embed="rId26"/>
+                <a:stretch>
+                  <a:fillRect l="-38667" t="-100000" r="-72000" b="-158182"/>
+                </a:stretch>
+              </a:blipFill>
+            </p:spPr>
+            <p:txBody>
+              <a:bodyPr/>
+              <a:lstStyle/>
+              <a:p>
+                <a:r>
+                  <a:rPr lang="en-US">
+                    <a:noFill/>
+                  </a:rPr>
+                  <a:t> </a:t>
+                </a:r>
+              </a:p>
+            </p:txBody>
+          </p:sp>
+        </mc:Fallback>
+      </mc:AlternateContent>
+      <p:sp>
+        <p:nvSpPr>
+          <p:cNvPr id="34" name="Rectangle 33">
+            <a:extLst>
+              <a:ext uri="{FF2B5EF4-FFF2-40B4-BE49-F238E27FC236}">
+                <a16:creationId xmlns:a16="http://schemas.microsoft.com/office/drawing/2014/main" id="{4267697E-86DC-F986-E2C7-1F905E29F437}"/>
+              </a:ext>
+            </a:extLst>
+          </p:cNvPr>
+          <p:cNvSpPr/>
+          <p:nvPr/>
+        </p:nvSpPr>
+        <p:spPr>
+          <a:xfrm>
+            <a:off x="685800" y="7215894"/>
+            <a:ext cx="6400800" cy="228600"/>
+          </a:xfrm>
+          <a:prstGeom prst="rect">
+            <a:avLst/>
+          </a:prstGeom>
+          <a:noFill/>
+          <a:ln>
+            <a:solidFill>
+              <a:srgbClr val="FF0000"/>
+            </a:solidFill>
+            <a:prstDash val="sysDash"/>
+          </a:ln>
+        </p:spPr>
+        <p:style>
+          <a:lnRef idx="2">
+            <a:schemeClr val="accent1">
+              <a:shade val="15000"/>
+            </a:schemeClr>
+          </a:lnRef>
+          <a:fillRef idx="1">
+            <a:schemeClr val="accent1"/>
+          </a:fillRef>
+          <a:effectRef idx="0">
+            <a:schemeClr val="accent1"/>
+          </a:effectRef>
+          <a:fontRef idx="minor">
+            <a:schemeClr val="lt1"/>
+          </a:fontRef>
+        </p:style>
+        <p:txBody>
+          <a:bodyPr rtlCol="0" anchor="ctr"/>
+          <a:lstStyle/>
+          <a:p>
+            <a:pPr algn="ctr"/>
+            <a:endParaRPr lang="en-US"/>
+          </a:p>
+        </p:txBody>
+      </p:sp>
+      <mc:AlternateContent xmlns:mc="http://schemas.openxmlformats.org/markup-compatibility/2006" xmlns:a14="http://schemas.microsoft.com/office/drawing/2010/main">
+        <mc:Choice Requires="a14">
+          <p:sp>
+            <p:nvSpPr>
+              <p:cNvPr id="50" name="TextBox 49">
+                <a:extLst>
+                  <a:ext uri="{FF2B5EF4-FFF2-40B4-BE49-F238E27FC236}">
+                    <a16:creationId xmlns:a16="http://schemas.microsoft.com/office/drawing/2014/main" id="{1D84543F-8CC4-F618-B426-89C4E0FC1474}"/>
+                  </a:ext>
+                </a:extLst>
+              </p:cNvPr>
+              <p:cNvSpPr txBox="1"/>
+              <p:nvPr/>
+            </p:nvSpPr>
+            <p:spPr>
+              <a:xfrm>
+                <a:off x="89074" y="7145397"/>
+                <a:ext cx="594425" cy="332399"/>
+              </a:xfrm>
+              <a:prstGeom prst="rect">
+                <a:avLst/>
+              </a:prstGeom>
+              <a:noFill/>
+            </p:spPr>
+            <p:txBody>
+              <a:bodyPr wrap="square" rtlCol="0">
+                <a:spAutoFit/>
+              </a:bodyPr>
+              <a:lstStyle/>
+              <a:p>
+                <a:pPr algn="r"/>
+                <a14:m>
+                  <m:oMathPara xmlns:m="http://schemas.openxmlformats.org/officeDocument/2006/math">
+                    <m:oMathParaPr>
+                      <m:jc m:val="right"/>
+                    </m:oMathParaPr>
+                    <m:oMath xmlns:m="http://schemas.openxmlformats.org/officeDocument/2006/math">
+                      <m:f>
+                        <m:fPr>
+                          <m:type m:val="skw"/>
+                          <m:ctrlPr>
+                            <a:rPr lang="en-US" sz="1200" i="1" smtClean="0">
+                              <a:solidFill>
+                                <a:srgbClr val="FF0000"/>
+                              </a:solidFill>
+                              <a:latin typeface="Cambria Math" panose="02040503050406030204" pitchFamily="18" charset="0"/>
+                            </a:rPr>
+                          </m:ctrlPr>
+                        </m:fPr>
+                        <m:num>
+                          <m:r>
+                            <a:rPr lang="en-US" sz="1200" b="0" i="0" smtClean="0">
+                              <a:solidFill>
+                                <a:srgbClr val="FF0000"/>
+                              </a:solidFill>
+                              <a:latin typeface="Cambria Math" panose="02040503050406030204" pitchFamily="18" charset="0"/>
+                            </a:rPr>
+                            <m:t>11</m:t>
+                          </m:r>
+                        </m:num>
+                        <m:den>
+                          <m:r>
+                            <a:rPr lang="en-US" sz="1200" b="0" i="0" smtClean="0">
+                              <a:solidFill>
+                                <a:srgbClr val="FF0000"/>
+                              </a:solidFill>
+                              <a:latin typeface="Cambria Math" panose="02040503050406030204" pitchFamily="18" charset="0"/>
+                            </a:rPr>
+                            <m:t>16</m:t>
+                          </m:r>
+                        </m:den>
+                      </m:f>
+                    </m:oMath>
+                  </m:oMathPara>
+                </a14:m>
+                <a:endParaRPr lang="en-US" sz="1200" dirty="0">
+                  <a:solidFill>
+                    <a:srgbClr val="FF0000"/>
+                  </a:solidFill>
+                </a:endParaRPr>
+              </a:p>
+            </p:txBody>
+          </p:sp>
+        </mc:Choice>
+        <mc:Fallback xmlns="">
+          <p:sp>
+            <p:nvSpPr>
+              <p:cNvPr id="50" name="TextBox 49">
+                <a:extLst>
+                  <a:ext uri="{FF2B5EF4-FFF2-40B4-BE49-F238E27FC236}">
+                    <a16:creationId xmlns:a16="http://schemas.microsoft.com/office/drawing/2014/main" id="{1D84543F-8CC4-F618-B426-89C4E0FC1474}"/>
+                  </a:ext>
+                </a:extLst>
+              </p:cNvPr>
+              <p:cNvSpPr txBox="1">
+                <a:spLocks noRot="1" noChangeAspect="1" noMove="1" noResize="1" noEditPoints="1" noAdjustHandles="1" noChangeArrowheads="1" noChangeShapeType="1" noTextEdit="1"/>
+              </p:cNvSpPr>
+              <p:nvPr/>
+            </p:nvSpPr>
+            <p:spPr>
+              <a:xfrm>
+                <a:off x="89074" y="7145397"/>
+                <a:ext cx="594425" cy="332399"/>
+              </a:xfrm>
+              <a:prstGeom prst="rect">
+                <a:avLst/>
+              </a:prstGeom>
+              <a:blipFill>
+                <a:blip r:embed="rId27"/>
+                <a:stretch>
+                  <a:fillRect l="-14433" t="-101818" r="-59794" b="-156364"/>
+                </a:stretch>
+              </a:blipFill>
+            </p:spPr>
+            <p:txBody>
+              <a:bodyPr/>
+              <a:lstStyle/>
+              <a:p>
+                <a:r>
+                  <a:rPr lang="en-US">
+                    <a:noFill/>
+                  </a:rPr>
+                  <a:t> </a:t>
+                </a:r>
+              </a:p>
+            </p:txBody>
+          </p:sp>
+        </mc:Fallback>
+      </mc:AlternateContent>
+      <p:sp>
+        <p:nvSpPr>
+          <p:cNvPr id="51" name="Rectangle 50">
+            <a:extLst>
+              <a:ext uri="{FF2B5EF4-FFF2-40B4-BE49-F238E27FC236}">
+                <a16:creationId xmlns:a16="http://schemas.microsoft.com/office/drawing/2014/main" id="{309A767A-B8AD-1DA1-7BE9-FAB655EEAF33}"/>
+              </a:ext>
+            </a:extLst>
+          </p:cNvPr>
+          <p:cNvSpPr/>
+          <p:nvPr/>
+        </p:nvSpPr>
+        <p:spPr>
+          <a:xfrm>
+            <a:off x="685800" y="8448555"/>
+            <a:ext cx="6400800" cy="228600"/>
+          </a:xfrm>
+          <a:prstGeom prst="rect">
+            <a:avLst/>
+          </a:prstGeom>
+          <a:noFill/>
+          <a:ln>
+            <a:solidFill>
+              <a:srgbClr val="FF0000"/>
+            </a:solidFill>
+            <a:prstDash val="sysDash"/>
+          </a:ln>
+        </p:spPr>
+        <p:style>
+          <a:lnRef idx="2">
+            <a:schemeClr val="accent1">
+              <a:shade val="15000"/>
+            </a:schemeClr>
+          </a:lnRef>
+          <a:fillRef idx="1">
+            <a:schemeClr val="accent1"/>
+          </a:fillRef>
+          <a:effectRef idx="0">
+            <a:schemeClr val="accent1"/>
+          </a:effectRef>
+          <a:fontRef idx="minor">
+            <a:schemeClr val="lt1"/>
+          </a:fontRef>
+        </p:style>
+        <p:txBody>
+          <a:bodyPr rtlCol="0" anchor="ctr"/>
+          <a:lstStyle/>
+          <a:p>
+            <a:pPr algn="ctr"/>
+            <a:endParaRPr lang="en-US"/>
+          </a:p>
+        </p:txBody>
+      </p:sp>
+      <mc:AlternateContent xmlns:mc="http://schemas.openxmlformats.org/markup-compatibility/2006" xmlns:a14="http://schemas.microsoft.com/office/drawing/2010/main">
+        <mc:Choice Requires="a14">
+          <p:sp>
+            <p:nvSpPr>
+              <p:cNvPr id="54" name="TextBox 53">
+                <a:extLst>
+                  <a:ext uri="{FF2B5EF4-FFF2-40B4-BE49-F238E27FC236}">
+                    <a16:creationId xmlns:a16="http://schemas.microsoft.com/office/drawing/2014/main" id="{F7D2DFB1-99F6-74DC-36BF-B7E3047F15CB}"/>
+                  </a:ext>
+                </a:extLst>
+              </p:cNvPr>
+              <p:cNvSpPr txBox="1"/>
+              <p:nvPr/>
+            </p:nvSpPr>
+            <p:spPr>
+              <a:xfrm>
+                <a:off x="101688" y="8378058"/>
+                <a:ext cx="581811" cy="332399"/>
+              </a:xfrm>
+              <a:prstGeom prst="rect">
+                <a:avLst/>
+              </a:prstGeom>
+              <a:noFill/>
+            </p:spPr>
+            <p:txBody>
+              <a:bodyPr wrap="square" rtlCol="0">
+                <a:spAutoFit/>
+              </a:bodyPr>
+              <a:lstStyle/>
+              <a:p>
+                <a:pPr algn="r"/>
+                <a14:m>
+                  <m:oMathPara xmlns:m="http://schemas.openxmlformats.org/officeDocument/2006/math">
+                    <m:oMathParaPr>
+                      <m:jc m:val="right"/>
+                    </m:oMathParaPr>
+                    <m:oMath xmlns:m="http://schemas.openxmlformats.org/officeDocument/2006/math">
+                      <m:f>
+                        <m:fPr>
+                          <m:type m:val="skw"/>
+                          <m:ctrlPr>
+                            <a:rPr lang="en-US" sz="1200" i="1" smtClean="0">
+                              <a:solidFill>
+                                <a:srgbClr val="FF0000"/>
+                              </a:solidFill>
+                              <a:latin typeface="Cambria Math" panose="02040503050406030204" pitchFamily="18" charset="0"/>
+                            </a:rPr>
+                          </m:ctrlPr>
+                        </m:fPr>
+                        <m:num>
+                          <m:r>
+                            <a:rPr lang="en-US" sz="1200" b="0" i="0" smtClean="0">
+                              <a:solidFill>
+                                <a:srgbClr val="FF0000"/>
+                              </a:solidFill>
+                              <a:latin typeface="Cambria Math" panose="02040503050406030204" pitchFamily="18" charset="0"/>
+                            </a:rPr>
+                            <m:t>13</m:t>
+                          </m:r>
+                        </m:num>
+                        <m:den>
+                          <m:r>
+                            <a:rPr lang="en-US" sz="1200" b="0" i="0" smtClean="0">
+                              <a:solidFill>
+                                <a:srgbClr val="FF0000"/>
+                              </a:solidFill>
+                              <a:latin typeface="Cambria Math" panose="02040503050406030204" pitchFamily="18" charset="0"/>
+                            </a:rPr>
+                            <m:t>16</m:t>
+                          </m:r>
+                        </m:den>
+                      </m:f>
+                    </m:oMath>
+                  </m:oMathPara>
+                </a14:m>
+                <a:endParaRPr lang="en-US" sz="1200" dirty="0">
+                  <a:solidFill>
+                    <a:srgbClr val="FF0000"/>
+                  </a:solidFill>
+                </a:endParaRPr>
+              </a:p>
+            </p:txBody>
+          </p:sp>
+        </mc:Choice>
+        <mc:Fallback xmlns="">
+          <p:sp>
+            <p:nvSpPr>
+              <p:cNvPr id="54" name="TextBox 53">
+                <a:extLst>
+                  <a:ext uri="{FF2B5EF4-FFF2-40B4-BE49-F238E27FC236}">
+                    <a16:creationId xmlns:a16="http://schemas.microsoft.com/office/drawing/2014/main" id="{F7D2DFB1-99F6-74DC-36BF-B7E3047F15CB}"/>
+                  </a:ext>
+                </a:extLst>
+              </p:cNvPr>
+              <p:cNvSpPr txBox="1">
+                <a:spLocks noRot="1" noChangeAspect="1" noMove="1" noResize="1" noEditPoints="1" noAdjustHandles="1" noChangeArrowheads="1" noChangeShapeType="1" noTextEdit="1"/>
+              </p:cNvSpPr>
+              <p:nvPr/>
+            </p:nvSpPr>
+            <p:spPr>
+              <a:xfrm>
+                <a:off x="101688" y="8378058"/>
+                <a:ext cx="581811" cy="332399"/>
+              </a:xfrm>
+              <a:prstGeom prst="rect">
+                <a:avLst/>
+              </a:prstGeom>
+              <a:blipFill>
+                <a:blip r:embed="rId28"/>
+                <a:stretch>
+                  <a:fillRect l="-16842" t="-100000" r="-61053" b="-158182"/>
+                </a:stretch>
+              </a:blipFill>
+            </p:spPr>
+            <p:txBody>
+              <a:bodyPr/>
+              <a:lstStyle/>
+              <a:p>
+                <a:r>
+                  <a:rPr lang="en-US">
+                    <a:noFill/>
+                  </a:rPr>
+                  <a:t> </a:t>
+                </a:r>
+              </a:p>
+            </p:txBody>
+          </p:sp>
+        </mc:Fallback>
+      </mc:AlternateContent>
+      <p:sp>
+        <p:nvSpPr>
+          <p:cNvPr id="70" name="Rectangle 69">
+            <a:extLst>
+              <a:ext uri="{FF2B5EF4-FFF2-40B4-BE49-F238E27FC236}">
+                <a16:creationId xmlns:a16="http://schemas.microsoft.com/office/drawing/2014/main" id="{2FD04F09-3C1F-F10F-409E-DDF36E6054F2}"/>
+              </a:ext>
+            </a:extLst>
+          </p:cNvPr>
+          <p:cNvSpPr/>
+          <p:nvPr/>
+        </p:nvSpPr>
+        <p:spPr>
+          <a:xfrm>
+            <a:off x="685800" y="9683932"/>
+            <a:ext cx="6400800" cy="228600"/>
+          </a:xfrm>
+          <a:prstGeom prst="rect">
+            <a:avLst/>
+          </a:prstGeom>
+          <a:noFill/>
+          <a:ln>
+            <a:solidFill>
+              <a:srgbClr val="FF0000"/>
+            </a:solidFill>
+            <a:prstDash val="sysDash"/>
+          </a:ln>
+        </p:spPr>
+        <p:style>
+          <a:lnRef idx="2">
+            <a:schemeClr val="accent1">
+              <a:shade val="15000"/>
+            </a:schemeClr>
+          </a:lnRef>
+          <a:fillRef idx="1">
+            <a:schemeClr val="accent1"/>
+          </a:fillRef>
+          <a:effectRef idx="0">
+            <a:schemeClr val="accent1"/>
+          </a:effectRef>
+          <a:fontRef idx="minor">
+            <a:schemeClr val="lt1"/>
+          </a:fontRef>
+        </p:style>
+        <p:txBody>
+          <a:bodyPr rtlCol="0" anchor="ctr"/>
+          <a:lstStyle/>
+          <a:p>
+            <a:pPr algn="ctr"/>
+            <a:endParaRPr lang="en-US"/>
+          </a:p>
+        </p:txBody>
+      </p:sp>
+      <mc:AlternateContent xmlns:mc="http://schemas.openxmlformats.org/markup-compatibility/2006" xmlns:a14="http://schemas.microsoft.com/office/drawing/2010/main">
+        <mc:Choice Requires="a14">
+          <p:sp>
+            <p:nvSpPr>
+              <p:cNvPr id="71" name="TextBox 70">
+                <a:extLst>
+                  <a:ext uri="{FF2B5EF4-FFF2-40B4-BE49-F238E27FC236}">
+                    <a16:creationId xmlns:a16="http://schemas.microsoft.com/office/drawing/2014/main" id="{FC8F31D6-58D2-3512-642C-33DD7C487F52}"/>
+                  </a:ext>
+                </a:extLst>
+              </p:cNvPr>
+              <p:cNvSpPr txBox="1"/>
+              <p:nvPr/>
+            </p:nvSpPr>
+            <p:spPr>
+              <a:xfrm>
+                <a:off x="89074" y="9613435"/>
+                <a:ext cx="594425" cy="338619"/>
+              </a:xfrm>
+              <a:prstGeom prst="rect">
+                <a:avLst/>
+              </a:prstGeom>
+              <a:noFill/>
+            </p:spPr>
+            <p:txBody>
+              <a:bodyPr wrap="square" rtlCol="0">
+                <a:spAutoFit/>
+              </a:bodyPr>
+              <a:lstStyle/>
+              <a:p>
+                <a:pPr algn="r"/>
+                <a14:m>
+                  <m:oMathPara xmlns:m="http://schemas.openxmlformats.org/officeDocument/2006/math">
+                    <m:oMathParaPr>
+                      <m:jc m:val="right"/>
+                    </m:oMathParaPr>
+                    <m:oMath xmlns:m="http://schemas.openxmlformats.org/officeDocument/2006/math">
+                      <m:f>
+                        <m:fPr>
+                          <m:type m:val="skw"/>
+                          <m:ctrlPr>
+                            <a:rPr lang="en-US" sz="1200" i="1" smtClean="0">
+                              <a:solidFill>
+                                <a:srgbClr val="FF0000"/>
+                              </a:solidFill>
+                              <a:latin typeface="Cambria Math" panose="02040503050406030204" pitchFamily="18" charset="0"/>
+                            </a:rPr>
+                          </m:ctrlPr>
+                        </m:fPr>
+                        <m:num>
+                          <m:r>
+                            <a:rPr lang="en-US" sz="1200" b="0" i="0" smtClean="0">
+                              <a:solidFill>
+                                <a:srgbClr val="FF0000"/>
+                              </a:solidFill>
+                              <a:latin typeface="Cambria Math" panose="02040503050406030204" pitchFamily="18" charset="0"/>
+                            </a:rPr>
+                            <m:t>15</m:t>
+                          </m:r>
+                        </m:num>
+                        <m:den>
+                          <m:r>
+                            <a:rPr lang="en-US" sz="1200" b="0" i="0" smtClean="0">
+                              <a:solidFill>
+                                <a:srgbClr val="FF0000"/>
+                              </a:solidFill>
+                              <a:latin typeface="Cambria Math" panose="02040503050406030204" pitchFamily="18" charset="0"/>
+                            </a:rPr>
+                            <m:t>16</m:t>
+                          </m:r>
+                        </m:den>
+                      </m:f>
+                    </m:oMath>
+                  </m:oMathPara>
+                </a14:m>
+                <a:endParaRPr lang="en-US" sz="1200" dirty="0">
+                  <a:solidFill>
+                    <a:srgbClr val="FF0000"/>
+                  </a:solidFill>
+                </a:endParaRPr>
+              </a:p>
+            </p:txBody>
+          </p:sp>
+        </mc:Choice>
+        <mc:Fallback xmlns="">
+          <p:sp>
+            <p:nvSpPr>
+              <p:cNvPr id="71" name="TextBox 70">
+                <a:extLst>
+                  <a:ext uri="{FF2B5EF4-FFF2-40B4-BE49-F238E27FC236}">
+                    <a16:creationId xmlns:a16="http://schemas.microsoft.com/office/drawing/2014/main" id="{FC8F31D6-58D2-3512-642C-33DD7C487F52}"/>
+                  </a:ext>
+                </a:extLst>
+              </p:cNvPr>
+              <p:cNvSpPr txBox="1">
+                <a:spLocks noRot="1" noChangeAspect="1" noMove="1" noResize="1" noEditPoints="1" noAdjustHandles="1" noChangeArrowheads="1" noChangeShapeType="1" noTextEdit="1"/>
+              </p:cNvSpPr>
+              <p:nvPr/>
+            </p:nvSpPr>
+            <p:spPr>
+              <a:xfrm>
+                <a:off x="89074" y="9613435"/>
+                <a:ext cx="594425" cy="338619"/>
+              </a:xfrm>
+              <a:prstGeom prst="rect">
+                <a:avLst/>
+              </a:prstGeom>
+              <a:blipFill>
+                <a:blip r:embed="rId29"/>
+                <a:stretch>
+                  <a:fillRect l="-14433" t="-98214" r="-59794" b="-153571"/>
+                </a:stretch>
+              </a:blipFill>
+            </p:spPr>
+            <p:txBody>
+              <a:bodyPr/>
+              <a:lstStyle/>
+              <a:p>
+                <a:r>
+                  <a:rPr lang="en-US">
+                    <a:noFill/>
+                  </a:rPr>
+                  <a:t> </a:t>
+                </a:r>
+              </a:p>
+            </p:txBody>
+          </p:sp>
+        </mc:Fallback>
+      </mc:AlternateContent>
+    </p:spTree>
+    <p:extLst>
+      <p:ext uri="{BB962C8B-B14F-4D97-AF65-F5344CB8AC3E}">
+        <p14:creationId xmlns:p14="http://schemas.microsoft.com/office/powerpoint/2010/main" val="581213716"/>
+      </p:ext>
+    </p:extLst>
+  </p:cSld>
+  <p:clrMapOvr>
+    <a:masterClrMapping/>
+  </p:clrMapOvr>
+</p:sld>
+</file>
+
+<file path=ppt/slides/slide3.xml><?xml version="1.0" encoding="utf-8"?>
+<p:sld xmlns:a="http://schemas.openxmlformats.org/drawingml/2006/main" xmlns:r="http://schemas.openxmlformats.org/officeDocument/2006/relationships" xmlns:p="http://schemas.openxmlformats.org/presentationml/2006/main">
+  <p:cSld>
+    <p:spTree>
+      <p:nvGrpSpPr>
+        <p:cNvPr id="1" name=""/>
+        <p:cNvGrpSpPr/>
+        <p:nvPr/>
+      </p:nvGrpSpPr>
+      <p:grpSpPr>
+        <a:xfrm>
+          <a:off x="0" y="0"/>
+          <a:ext cx="0" cy="0"/>
+          <a:chOff x="0" y="0"/>
+          <a:chExt cx="0" cy="0"/>
+        </a:xfrm>
+      </p:grpSpPr>
+      <p:sp>
+        <p:nvSpPr>
+          <p:cNvPr id="4" name="Rectangle 3">
+            <a:extLst>
+              <a:ext uri="{FF2B5EF4-FFF2-40B4-BE49-F238E27FC236}">
+                <a16:creationId xmlns:a16="http://schemas.microsoft.com/office/drawing/2014/main" id="{F2698484-3F40-B82F-B5F8-4BF78F9D7D42}"/>
+              </a:ext>
+            </a:extLst>
+          </p:cNvPr>
+          <p:cNvSpPr/>
+          <p:nvPr/>
+        </p:nvSpPr>
+        <p:spPr>
+          <a:xfrm>
+            <a:off x="0" y="0"/>
+            <a:ext cx="7772400" cy="10972800"/>
           </a:xfrm>
           <a:prstGeom prst="rect">
             <a:avLst/>
@@ -3598,10 +8565,10 @@
       </p:sp>
       <p:sp>
         <p:nvSpPr>
-          <p:cNvPr id="40" name="Rectangle 39">
+          <p:cNvPr id="13" name="Rectangle 12">
             <a:extLst>
               <a:ext uri="{FF2B5EF4-FFF2-40B4-BE49-F238E27FC236}">
-                <a16:creationId xmlns:a16="http://schemas.microsoft.com/office/drawing/2014/main" id="{C2BCA5C2-F9AA-6E59-78B5-37C8DB6167EA}"/>
+                <a16:creationId xmlns:a16="http://schemas.microsoft.com/office/drawing/2014/main" id="{72E73260-0FFF-C3D5-9F98-D121BC599962}"/>
               </a:ext>
             </a:extLst>
           </p:cNvPr>
@@ -3610,8 +8577,8 @@
         </p:nvSpPr>
         <p:spPr>
           <a:xfrm>
-            <a:off x="5465844" y="685800"/>
-            <a:ext cx="118872" cy="9601198"/>
+            <a:off x="0" y="0"/>
+            <a:ext cx="7086600" cy="10972800"/>
           </a:xfrm>
           <a:prstGeom prst="rect">
             <a:avLst/>
@@ -3648,6 +8615,534 @@
           </a:p>
         </p:txBody>
       </p:sp>
+      <p:sp>
+        <p:nvSpPr>
+          <p:cNvPr id="28" name="Rectangle 27">
+            <a:extLst>
+              <a:ext uri="{FF2B5EF4-FFF2-40B4-BE49-F238E27FC236}">
+                <a16:creationId xmlns:a16="http://schemas.microsoft.com/office/drawing/2014/main" id="{9C32F093-1269-2412-9905-EC7F3D8413E9}"/>
+              </a:ext>
+            </a:extLst>
+          </p:cNvPr>
+          <p:cNvSpPr/>
+          <p:nvPr/>
+        </p:nvSpPr>
+        <p:spPr>
+          <a:xfrm>
+            <a:off x="2275173" y="685802"/>
+            <a:ext cx="118872" cy="9601196"/>
+          </a:xfrm>
+          <a:prstGeom prst="rect">
+            <a:avLst/>
+          </a:prstGeom>
+          <a:noFill/>
+          <a:ln>
+            <a:solidFill>
+              <a:srgbClr val="FF0000"/>
+            </a:solidFill>
+            <a:prstDash val="lgDash"/>
+          </a:ln>
+        </p:spPr>
+        <p:style>
+          <a:lnRef idx="2">
+            <a:schemeClr val="accent1">
+              <a:shade val="15000"/>
+            </a:schemeClr>
+          </a:lnRef>
+          <a:fillRef idx="1">
+            <a:schemeClr val="accent1"/>
+          </a:fillRef>
+          <a:effectRef idx="0">
+            <a:schemeClr val="accent1"/>
+          </a:effectRef>
+          <a:fontRef idx="minor">
+            <a:schemeClr val="lt1"/>
+          </a:fontRef>
+        </p:style>
+        <p:txBody>
+          <a:bodyPr rtlCol="0" anchor="ctr"/>
+          <a:lstStyle/>
+          <a:p>
+            <a:pPr algn="ctr"/>
+            <a:endParaRPr lang="en-US"/>
+          </a:p>
+        </p:txBody>
+      </p:sp>
+      <p:sp>
+        <p:nvSpPr>
+          <p:cNvPr id="30" name="Rectangle 29">
+            <a:extLst>
+              <a:ext uri="{FF2B5EF4-FFF2-40B4-BE49-F238E27FC236}">
+                <a16:creationId xmlns:a16="http://schemas.microsoft.com/office/drawing/2014/main" id="{6FF62DA2-5806-ECDD-02B5-1889D5B1AACB}"/>
+              </a:ext>
+            </a:extLst>
+          </p:cNvPr>
+          <p:cNvSpPr/>
+          <p:nvPr/>
+        </p:nvSpPr>
+        <p:spPr>
+          <a:xfrm>
+            <a:off x="3498690" y="685798"/>
+            <a:ext cx="118872" cy="9601196"/>
+          </a:xfrm>
+          <a:prstGeom prst="rect">
+            <a:avLst/>
+          </a:prstGeom>
+          <a:noFill/>
+          <a:ln>
+            <a:solidFill>
+              <a:srgbClr val="FF0000"/>
+            </a:solidFill>
+          </a:ln>
+        </p:spPr>
+        <p:style>
+          <a:lnRef idx="2">
+            <a:schemeClr val="accent1">
+              <a:shade val="15000"/>
+            </a:schemeClr>
+          </a:lnRef>
+          <a:fillRef idx="1">
+            <a:schemeClr val="accent1"/>
+          </a:fillRef>
+          <a:effectRef idx="0">
+            <a:schemeClr val="accent1"/>
+          </a:effectRef>
+          <a:fontRef idx="minor">
+            <a:schemeClr val="lt1"/>
+          </a:fontRef>
+        </p:style>
+        <p:txBody>
+          <a:bodyPr rtlCol="0" anchor="ctr"/>
+          <a:lstStyle/>
+          <a:p>
+            <a:pPr algn="ctr"/>
+            <a:endParaRPr lang="en-US"/>
+          </a:p>
+        </p:txBody>
+      </p:sp>
+      <p:sp>
+        <p:nvSpPr>
+          <p:cNvPr id="31" name="Rectangle 30">
+            <a:extLst>
+              <a:ext uri="{FF2B5EF4-FFF2-40B4-BE49-F238E27FC236}">
+                <a16:creationId xmlns:a16="http://schemas.microsoft.com/office/drawing/2014/main" id="{5DB14441-ED8C-636B-038E-299925006A0A}"/>
+              </a:ext>
+            </a:extLst>
+          </p:cNvPr>
+          <p:cNvSpPr/>
+          <p:nvPr/>
+        </p:nvSpPr>
+        <p:spPr>
+          <a:xfrm>
+            <a:off x="4681761" y="685801"/>
+            <a:ext cx="118872" cy="9601197"/>
+          </a:xfrm>
+          <a:prstGeom prst="rect">
+            <a:avLst/>
+          </a:prstGeom>
+          <a:noFill/>
+          <a:ln>
+            <a:solidFill>
+              <a:srgbClr val="FF0000"/>
+            </a:solidFill>
+            <a:prstDash val="lgDash"/>
+          </a:ln>
+        </p:spPr>
+        <p:style>
+          <a:lnRef idx="2">
+            <a:schemeClr val="accent1">
+              <a:shade val="15000"/>
+            </a:schemeClr>
+          </a:lnRef>
+          <a:fillRef idx="1">
+            <a:schemeClr val="accent1"/>
+          </a:fillRef>
+          <a:effectRef idx="0">
+            <a:schemeClr val="accent1"/>
+          </a:effectRef>
+          <a:fontRef idx="minor">
+            <a:schemeClr val="lt1"/>
+          </a:fontRef>
+        </p:style>
+        <p:txBody>
+          <a:bodyPr rtlCol="0" anchor="ctr"/>
+          <a:lstStyle/>
+          <a:p>
+            <a:pPr algn="ctr"/>
+            <a:endParaRPr lang="en-US"/>
+          </a:p>
+        </p:txBody>
+      </p:sp>
+      <p:sp>
+        <p:nvSpPr>
+          <p:cNvPr id="33" name="Rectangle 32">
+            <a:extLst>
+              <a:ext uri="{FF2B5EF4-FFF2-40B4-BE49-F238E27FC236}">
+                <a16:creationId xmlns:a16="http://schemas.microsoft.com/office/drawing/2014/main" id="{ADBA91F4-D2DF-D9CE-E163-1D399D3DACA3}"/>
+              </a:ext>
+            </a:extLst>
+          </p:cNvPr>
+          <p:cNvSpPr/>
+          <p:nvPr/>
+        </p:nvSpPr>
+        <p:spPr>
+          <a:xfrm>
+            <a:off x="-4" y="685800"/>
+            <a:ext cx="7772400" cy="9601200"/>
+          </a:xfrm>
+          <a:prstGeom prst="rect">
+            <a:avLst/>
+          </a:prstGeom>
+          <a:noFill/>
+          <a:ln>
+            <a:solidFill>
+              <a:srgbClr val="FF0000"/>
+            </a:solidFill>
+          </a:ln>
+        </p:spPr>
+        <p:style>
+          <a:lnRef idx="2">
+            <a:schemeClr val="accent1">
+              <a:shade val="15000"/>
+            </a:schemeClr>
+          </a:lnRef>
+          <a:fillRef idx="1">
+            <a:schemeClr val="accent1"/>
+          </a:fillRef>
+          <a:effectRef idx="0">
+            <a:schemeClr val="accent1"/>
+          </a:effectRef>
+          <a:fontRef idx="minor">
+            <a:schemeClr val="lt1"/>
+          </a:fontRef>
+        </p:style>
+        <p:txBody>
+          <a:bodyPr rtlCol="0" anchor="ctr"/>
+          <a:lstStyle/>
+          <a:p>
+            <a:pPr algn="ctr"/>
+            <a:endParaRPr lang="en-US"/>
+          </a:p>
+        </p:txBody>
+      </p:sp>
+      <p:sp>
+        <p:nvSpPr>
+          <p:cNvPr id="35" name="Rectangle 34">
+            <a:extLst>
+              <a:ext uri="{FF2B5EF4-FFF2-40B4-BE49-F238E27FC236}">
+                <a16:creationId xmlns:a16="http://schemas.microsoft.com/office/drawing/2014/main" id="{DEC84D2E-541F-E353-1544-2A89E2BBCE73}"/>
+              </a:ext>
+            </a:extLst>
+          </p:cNvPr>
+          <p:cNvSpPr/>
+          <p:nvPr/>
+        </p:nvSpPr>
+        <p:spPr>
+          <a:xfrm>
+            <a:off x="2756382" y="685798"/>
+            <a:ext cx="118872" cy="9601196"/>
+          </a:xfrm>
+          <a:prstGeom prst="rect">
+            <a:avLst/>
+          </a:prstGeom>
+          <a:noFill/>
+          <a:ln>
+            <a:solidFill>
+              <a:srgbClr val="FF0000"/>
+            </a:solidFill>
+            <a:prstDash val="sysDash"/>
+          </a:ln>
+        </p:spPr>
+        <p:style>
+          <a:lnRef idx="2">
+            <a:schemeClr val="accent1">
+              <a:shade val="15000"/>
+            </a:schemeClr>
+          </a:lnRef>
+          <a:fillRef idx="1">
+            <a:schemeClr val="accent1"/>
+          </a:fillRef>
+          <a:effectRef idx="0">
+            <a:schemeClr val="accent1"/>
+          </a:effectRef>
+          <a:fontRef idx="minor">
+            <a:schemeClr val="lt1"/>
+          </a:fontRef>
+        </p:style>
+        <p:txBody>
+          <a:bodyPr rtlCol="0" anchor="ctr"/>
+          <a:lstStyle/>
+          <a:p>
+            <a:pPr algn="ctr"/>
+            <a:endParaRPr lang="en-US"/>
+          </a:p>
+        </p:txBody>
+      </p:sp>
+      <p:sp>
+        <p:nvSpPr>
+          <p:cNvPr id="36" name="Rectangle 35">
+            <a:extLst>
+              <a:ext uri="{FF2B5EF4-FFF2-40B4-BE49-F238E27FC236}">
+                <a16:creationId xmlns:a16="http://schemas.microsoft.com/office/drawing/2014/main" id="{B3C7F101-90FC-8AF5-0635-4F16266A2638}"/>
+              </a:ext>
+            </a:extLst>
+          </p:cNvPr>
+          <p:cNvSpPr/>
+          <p:nvPr/>
+        </p:nvSpPr>
+        <p:spPr>
+          <a:xfrm>
+            <a:off x="4210268" y="685800"/>
+            <a:ext cx="118872" cy="9601194"/>
+          </a:xfrm>
+          <a:prstGeom prst="rect">
+            <a:avLst/>
+          </a:prstGeom>
+          <a:noFill/>
+          <a:ln>
+            <a:solidFill>
+              <a:srgbClr val="FF0000"/>
+            </a:solidFill>
+            <a:prstDash val="sysDash"/>
+          </a:ln>
+        </p:spPr>
+        <p:style>
+          <a:lnRef idx="2">
+            <a:schemeClr val="accent1">
+              <a:shade val="15000"/>
+            </a:schemeClr>
+          </a:lnRef>
+          <a:fillRef idx="1">
+            <a:schemeClr val="accent1"/>
+          </a:fillRef>
+          <a:effectRef idx="0">
+            <a:schemeClr val="accent1"/>
+          </a:effectRef>
+          <a:fontRef idx="minor">
+            <a:schemeClr val="lt1"/>
+          </a:fontRef>
+        </p:style>
+        <p:txBody>
+          <a:bodyPr rtlCol="0" anchor="ctr"/>
+          <a:lstStyle/>
+          <a:p>
+            <a:pPr algn="ctr"/>
+            <a:endParaRPr lang="en-US"/>
+          </a:p>
+        </p:txBody>
+      </p:sp>
+      <p:sp>
+        <p:nvSpPr>
+          <p:cNvPr id="37" name="Rectangle 36">
+            <a:extLst>
+              <a:ext uri="{FF2B5EF4-FFF2-40B4-BE49-F238E27FC236}">
+                <a16:creationId xmlns:a16="http://schemas.microsoft.com/office/drawing/2014/main" id="{597A38E3-4F48-2942-D053-BEA914EE1C94}"/>
+              </a:ext>
+            </a:extLst>
+          </p:cNvPr>
+          <p:cNvSpPr/>
+          <p:nvPr/>
+        </p:nvSpPr>
+        <p:spPr>
+          <a:xfrm>
+            <a:off x="5655020" y="685800"/>
+            <a:ext cx="118872" cy="9601199"/>
+          </a:xfrm>
+          <a:prstGeom prst="rect">
+            <a:avLst/>
+          </a:prstGeom>
+          <a:noFill/>
+          <a:ln>
+            <a:solidFill>
+              <a:srgbClr val="FF0000"/>
+            </a:solidFill>
+            <a:prstDash val="sysDash"/>
+          </a:ln>
+        </p:spPr>
+        <p:style>
+          <a:lnRef idx="2">
+            <a:schemeClr val="accent1">
+              <a:shade val="15000"/>
+            </a:schemeClr>
+          </a:lnRef>
+          <a:fillRef idx="1">
+            <a:schemeClr val="accent1"/>
+          </a:fillRef>
+          <a:effectRef idx="0">
+            <a:schemeClr val="accent1"/>
+          </a:effectRef>
+          <a:fontRef idx="minor">
+            <a:schemeClr val="lt1"/>
+          </a:fontRef>
+        </p:style>
+        <p:txBody>
+          <a:bodyPr rtlCol="0" anchor="ctr"/>
+          <a:lstStyle/>
+          <a:p>
+            <a:pPr algn="ctr"/>
+            <a:endParaRPr lang="en-US"/>
+          </a:p>
+        </p:txBody>
+      </p:sp>
+      <p:sp>
+        <p:nvSpPr>
+          <p:cNvPr id="38" name="Rectangle 37">
+            <a:extLst>
+              <a:ext uri="{FF2B5EF4-FFF2-40B4-BE49-F238E27FC236}">
+                <a16:creationId xmlns:a16="http://schemas.microsoft.com/office/drawing/2014/main" id="{64BBCC47-6287-C32F-2110-9AA4776A116E}"/>
+              </a:ext>
+            </a:extLst>
+          </p:cNvPr>
+          <p:cNvSpPr/>
+          <p:nvPr/>
+        </p:nvSpPr>
+        <p:spPr>
+          <a:xfrm>
+            <a:off x="1320779" y="685800"/>
+            <a:ext cx="118872" cy="9601194"/>
+          </a:xfrm>
+          <a:prstGeom prst="rect">
+            <a:avLst/>
+          </a:prstGeom>
+          <a:noFill/>
+          <a:ln>
+            <a:solidFill>
+              <a:srgbClr val="FF0000"/>
+            </a:solidFill>
+            <a:prstDash val="sysDash"/>
+          </a:ln>
+        </p:spPr>
+        <p:style>
+          <a:lnRef idx="2">
+            <a:schemeClr val="accent1">
+              <a:shade val="15000"/>
+            </a:schemeClr>
+          </a:lnRef>
+          <a:fillRef idx="1">
+            <a:schemeClr val="accent1"/>
+          </a:fillRef>
+          <a:effectRef idx="0">
+            <a:schemeClr val="accent1"/>
+          </a:effectRef>
+          <a:fontRef idx="minor">
+            <a:schemeClr val="lt1"/>
+          </a:fontRef>
+        </p:style>
+        <p:txBody>
+          <a:bodyPr rtlCol="0" anchor="ctr"/>
+          <a:lstStyle/>
+          <a:p>
+            <a:pPr algn="ctr"/>
+            <a:endParaRPr lang="en-US"/>
+          </a:p>
+        </p:txBody>
+      </p:sp>
+      <p:sp>
+        <p:nvSpPr>
+          <p:cNvPr id="39" name="Rectangle 38">
+            <a:extLst>
+              <a:ext uri="{FF2B5EF4-FFF2-40B4-BE49-F238E27FC236}">
+                <a16:creationId xmlns:a16="http://schemas.microsoft.com/office/drawing/2014/main" id="{E554B4C9-EE43-DD6D-FE83-9565067B4207}"/>
+              </a:ext>
+            </a:extLst>
+          </p:cNvPr>
+          <p:cNvSpPr/>
+          <p:nvPr/>
+        </p:nvSpPr>
+        <p:spPr>
+          <a:xfrm>
+            <a:off x="1688278" y="685799"/>
+            <a:ext cx="118872" cy="9601195"/>
+          </a:xfrm>
+          <a:prstGeom prst="rect">
+            <a:avLst/>
+          </a:prstGeom>
+          <a:noFill/>
+          <a:ln>
+            <a:solidFill>
+              <a:srgbClr val="FF0000"/>
+            </a:solidFill>
+            <a:prstDash val="dash"/>
+          </a:ln>
+        </p:spPr>
+        <p:style>
+          <a:lnRef idx="2">
+            <a:schemeClr val="accent1">
+              <a:shade val="15000"/>
+            </a:schemeClr>
+          </a:lnRef>
+          <a:fillRef idx="1">
+            <a:schemeClr val="accent1"/>
+          </a:fillRef>
+          <a:effectRef idx="0">
+            <a:schemeClr val="accent1"/>
+          </a:effectRef>
+          <a:fontRef idx="minor">
+            <a:schemeClr val="lt1"/>
+          </a:fontRef>
+        </p:style>
+        <p:txBody>
+          <a:bodyPr rtlCol="0" anchor="ctr"/>
+          <a:lstStyle/>
+          <a:p>
+            <a:pPr algn="ctr"/>
+            <a:endParaRPr lang="en-US"/>
+          </a:p>
+        </p:txBody>
+      </p:sp>
+      <p:sp>
+        <p:nvSpPr>
+          <p:cNvPr id="40" name="Rectangle 39">
+            <a:extLst>
+              <a:ext uri="{FF2B5EF4-FFF2-40B4-BE49-F238E27FC236}">
+                <a16:creationId xmlns:a16="http://schemas.microsoft.com/office/drawing/2014/main" id="{C2BCA5C2-F9AA-6E59-78B5-37C8DB6167EA}"/>
+              </a:ext>
+            </a:extLst>
+          </p:cNvPr>
+          <p:cNvSpPr/>
+          <p:nvPr/>
+        </p:nvSpPr>
+        <p:spPr>
+          <a:xfrm>
+            <a:off x="5309162" y="685796"/>
+            <a:ext cx="118872" cy="9601198"/>
+          </a:xfrm>
+          <a:prstGeom prst="rect">
+            <a:avLst/>
+          </a:prstGeom>
+          <a:noFill/>
+          <a:ln>
+            <a:solidFill>
+              <a:srgbClr val="FF0000"/>
+            </a:solidFill>
+            <a:prstDash val="dash"/>
+          </a:ln>
+        </p:spPr>
+        <p:style>
+          <a:lnRef idx="2">
+            <a:schemeClr val="accent1">
+              <a:shade val="15000"/>
+            </a:schemeClr>
+          </a:lnRef>
+          <a:fillRef idx="1">
+            <a:schemeClr val="accent1"/>
+          </a:fillRef>
+          <a:effectRef idx="0">
+            <a:schemeClr val="accent1"/>
+          </a:effectRef>
+          <a:fontRef idx="minor">
+            <a:schemeClr val="lt1"/>
+          </a:fontRef>
+        </p:style>
+        <p:txBody>
+          <a:bodyPr rtlCol="0" anchor="ctr"/>
+          <a:lstStyle/>
+          <a:p>
+            <a:pPr algn="ctr"/>
+            <a:endParaRPr lang="en-US"/>
+          </a:p>
+        </p:txBody>
+      </p:sp>
       <mc:AlternateContent xmlns:mc="http://schemas.openxmlformats.org/markup-compatibility/2006">
         <mc:Choice xmlns:a14="http://schemas.microsoft.com/office/drawing/2010/main" Requires="a14">
           <p:sp>
@@ -3664,7 +9159,7 @@
             </p:nvSpPr>
             <p:spPr>
               <a:xfrm>
-                <a:off x="3659976" y="353401"/>
+                <a:off x="3331901" y="353399"/>
                 <a:ext cx="454902" cy="332399"/>
               </a:xfrm>
               <a:prstGeom prst="rect">
@@ -3689,7 +9184,7 @@
                         <m:fPr>
                           <m:type m:val="skw"/>
                           <m:ctrlPr>
-                            <a:rPr lang="en-US" sz="1200" smtClean="0">
+                            <a:rPr lang="en-US" sz="1200" i="1" smtClean="0">
                               <a:solidFill>
                                 <a:srgbClr val="FF0000"/>
                               </a:solidFill>
@@ -3749,7 +9244,7 @@
             </p:nvSpPr>
             <p:spPr>
               <a:xfrm>
-                <a:off x="3659976" y="353401"/>
+                <a:off x="3331901" y="353399"/>
                 <a:ext cx="454902" cy="332399"/>
               </a:xfrm>
               <a:prstGeom prst="rect">
@@ -3758,7 +9253,7 @@
               <a:blipFill>
                 <a:blip r:embed="rId2"/>
                 <a:stretch>
-                  <a:fillRect l="-33333" t="-101818" r="-77333" b="-156364"/>
+                  <a:fillRect l="-35135" t="-103704" r="-78378" b="-161111"/>
                 </a:stretch>
               </a:blipFill>
             </p:spPr>
@@ -3793,7 +9288,7 @@
             </p:nvSpPr>
             <p:spPr>
               <a:xfrm>
-                <a:off x="2022678" y="353401"/>
+                <a:off x="1520988" y="353401"/>
                 <a:ext cx="454902" cy="331757"/>
               </a:xfrm>
               <a:prstGeom prst="rect">
@@ -3818,7 +9313,7 @@
                         <m:fPr>
                           <m:type m:val="skw"/>
                           <m:ctrlPr>
-                            <a:rPr lang="en-US" sz="1200" smtClean="0">
+                            <a:rPr lang="en-US" sz="1200" i="1" smtClean="0">
                               <a:solidFill>
                                 <a:srgbClr val="FF0000"/>
                               </a:solidFill>
@@ -3878,7 +9373,7 @@
             </p:nvSpPr>
             <p:spPr>
               <a:xfrm>
-                <a:off x="2022678" y="353401"/>
+                <a:off x="1520988" y="353401"/>
                 <a:ext cx="454902" cy="331757"/>
               </a:xfrm>
               <a:prstGeom prst="rect">
@@ -3922,7 +9417,7 @@
             </p:nvSpPr>
             <p:spPr>
               <a:xfrm>
-                <a:off x="5622444" y="350066"/>
+                <a:off x="5489312" y="350067"/>
                 <a:ext cx="454902" cy="347724"/>
               </a:xfrm>
               <a:prstGeom prst="rect">
@@ -3947,7 +9442,7 @@
                         <m:fPr>
                           <m:type m:val="skw"/>
                           <m:ctrlPr>
-                            <a:rPr lang="en-US" sz="1200" smtClean="0">
+                            <a:rPr lang="en-US" sz="1200" i="1" smtClean="0">
                               <a:solidFill>
                                 <a:srgbClr val="FF0000"/>
                               </a:solidFill>
@@ -4007,7 +9502,7 @@
             </p:nvSpPr>
             <p:spPr>
               <a:xfrm>
-                <a:off x="5622444" y="350066"/>
+                <a:off x="5489312" y="350067"/>
                 <a:ext cx="454902" cy="347724"/>
               </a:xfrm>
               <a:prstGeom prst="rect">
@@ -4051,7 +9546,7 @@
             </p:nvSpPr>
             <p:spPr>
               <a:xfrm>
-                <a:off x="1695056" y="337114"/>
+                <a:off x="1152764" y="337114"/>
                 <a:ext cx="454902" cy="348365"/>
               </a:xfrm>
               <a:prstGeom prst="rect">
@@ -4076,7 +9571,7 @@
                         <m:fPr>
                           <m:type m:val="skw"/>
                           <m:ctrlPr>
-                            <a:rPr lang="en-US" sz="1200" smtClean="0">
+                            <a:rPr lang="en-US" sz="1200" i="1" smtClean="0">
                               <a:solidFill>
                                 <a:srgbClr val="FF0000"/>
                               </a:solidFill>
@@ -4136,7 +9631,7 @@
             </p:nvSpPr>
             <p:spPr>
               <a:xfrm>
-                <a:off x="1695056" y="337114"/>
+                <a:off x="1152764" y="337114"/>
                 <a:ext cx="454902" cy="348365"/>
               </a:xfrm>
               <a:prstGeom prst="rect">
@@ -4180,7 +9675,7 @@
             </p:nvSpPr>
             <p:spPr>
               <a:xfrm>
-                <a:off x="2578669" y="351541"/>
+                <a:off x="2110646" y="351543"/>
                 <a:ext cx="454902" cy="333617"/>
               </a:xfrm>
               <a:prstGeom prst="rect">
@@ -4205,7 +9700,7 @@
                         <m:fPr>
                           <m:type m:val="skw"/>
                           <m:ctrlPr>
-                            <a:rPr lang="en-US" sz="1200" smtClean="0">
+                            <a:rPr lang="en-US" sz="1200" i="1" smtClean="0">
                               <a:solidFill>
                                 <a:srgbClr val="FF0000"/>
                               </a:solidFill>
@@ -4265,7 +9760,7 @@
             </p:nvSpPr>
             <p:spPr>
               <a:xfrm>
-                <a:off x="2578669" y="351541"/>
+                <a:off x="2110646" y="351543"/>
                 <a:ext cx="454902" cy="333617"/>
               </a:xfrm>
               <a:prstGeom prst="rect">
@@ -4309,7 +9804,7 @@
             </p:nvSpPr>
             <p:spPr>
               <a:xfrm>
-                <a:off x="2996952" y="336793"/>
+                <a:off x="2582663" y="336791"/>
                 <a:ext cx="454902" cy="348365"/>
               </a:xfrm>
               <a:prstGeom prst="rect">
@@ -4334,7 +9829,7 @@
                         <m:fPr>
                           <m:type m:val="skw"/>
                           <m:ctrlPr>
-                            <a:rPr lang="en-US" sz="1200" smtClean="0">
+                            <a:rPr lang="en-US" sz="1200" i="1" smtClean="0">
                               <a:solidFill>
                                 <a:srgbClr val="FF0000"/>
                               </a:solidFill>
@@ -4394,7 +9889,7 @@
             </p:nvSpPr>
             <p:spPr>
               <a:xfrm>
-                <a:off x="2996952" y="336793"/>
+                <a:off x="2582663" y="336791"/>
                 <a:ext cx="454902" cy="348365"/>
               </a:xfrm>
               <a:prstGeom prst="rect">
@@ -4438,7 +9933,7 @@
             </p:nvSpPr>
             <p:spPr>
               <a:xfrm>
-                <a:off x="4311424" y="341665"/>
+                <a:off x="4041132" y="341665"/>
                 <a:ext cx="454902" cy="338619"/>
               </a:xfrm>
               <a:prstGeom prst="rect">
@@ -4463,7 +9958,7 @@
                         <m:fPr>
                           <m:type m:val="skw"/>
                           <m:ctrlPr>
-                            <a:rPr lang="en-US" sz="1200" smtClean="0">
+                            <a:rPr lang="en-US" sz="1200" i="1" smtClean="0">
                               <a:solidFill>
                                 <a:srgbClr val="FF0000"/>
                               </a:solidFill>
@@ -4523,7 +10018,7 @@
             </p:nvSpPr>
             <p:spPr>
               <a:xfrm>
-                <a:off x="4311424" y="341665"/>
+                <a:off x="4041132" y="341665"/>
                 <a:ext cx="454902" cy="338619"/>
               </a:xfrm>
               <a:prstGeom prst="rect">
@@ -4532,7 +10027,7 @@
               <a:blipFill>
                 <a:blip r:embed="rId8"/>
                 <a:stretch>
-                  <a:fillRect l="-33333" t="-98214" r="-77333" b="-153571"/>
+                  <a:fillRect l="-34667" t="-98214" r="-76000" b="-153571"/>
                 </a:stretch>
               </a:blipFill>
             </p:spPr>
@@ -4567,7 +10062,7 @@
             </p:nvSpPr>
             <p:spPr>
               <a:xfrm>
-                <a:off x="4766658" y="351540"/>
+                <a:off x="4528959" y="351542"/>
                 <a:ext cx="454902" cy="333617"/>
               </a:xfrm>
               <a:prstGeom prst="rect">
@@ -4592,7 +10087,7 @@
                         <m:fPr>
                           <m:type m:val="skw"/>
                           <m:ctrlPr>
-                            <a:rPr lang="en-US" sz="1200" smtClean="0">
+                            <a:rPr lang="en-US" sz="1200" i="1" smtClean="0">
                               <a:solidFill>
                                 <a:srgbClr val="FF0000"/>
                               </a:solidFill>
@@ -4652,7 +10147,7 @@
             </p:nvSpPr>
             <p:spPr>
               <a:xfrm>
-                <a:off x="4766658" y="351540"/>
+                <a:off x="4528959" y="351542"/>
                 <a:ext cx="454902" cy="333617"/>
               </a:xfrm>
               <a:prstGeom prst="rect">
@@ -4696,7 +10191,7 @@
             </p:nvSpPr>
             <p:spPr>
               <a:xfrm>
-                <a:off x="5301249" y="334869"/>
+                <a:off x="5144567" y="334865"/>
                 <a:ext cx="454902" cy="332976"/>
               </a:xfrm>
               <a:prstGeom prst="rect">
@@ -4721,7 +10216,7 @@
                         <m:fPr>
                           <m:type m:val="skw"/>
                           <m:ctrlPr>
-                            <a:rPr lang="en-US" sz="1200" smtClean="0">
+                            <a:rPr lang="en-US" sz="1200" i="1" smtClean="0">
                               <a:solidFill>
                                 <a:srgbClr val="FF0000"/>
                               </a:solidFill>
@@ -4781,7 +10276,7 @@
             </p:nvSpPr>
             <p:spPr>
               <a:xfrm>
-                <a:off x="5301249" y="334869"/>
+                <a:off x="5144567" y="334865"/>
                 <a:ext cx="454902" cy="332976"/>
               </a:xfrm>
               <a:prstGeom prst="rect">
@@ -4790,1590 +10285,7 @@
               <a:blipFill>
                 <a:blip r:embed="rId10"/>
                 <a:stretch>
-                  <a:fillRect l="-35135" t="-100000" r="-78378" b="-158182"/>
-                </a:stretch>
-              </a:blipFill>
-            </p:spPr>
-            <p:txBody>
-              <a:bodyPr/>
-              <a:lstStyle/>
-              <a:p>
-                <a:r>
-                  <a:rPr lang="en-US">
-                    <a:noFill/>
-                  </a:rPr>
-                  <a:t> </a:t>
-                </a:r>
-              </a:p>
-            </p:txBody>
-          </p:sp>
-        </mc:Fallback>
-      </mc:AlternateContent>
-      <p:sp>
-        <p:nvSpPr>
-          <p:cNvPr id="52" name="Rectangle 51">
-            <a:extLst>
-              <a:ext uri="{FF2B5EF4-FFF2-40B4-BE49-F238E27FC236}">
-                <a16:creationId xmlns:a16="http://schemas.microsoft.com/office/drawing/2014/main" id="{52B3B1F7-731D-5E54-C02F-50ADF6201F60}"/>
-              </a:ext>
-            </a:extLst>
-          </p:cNvPr>
-          <p:cNvSpPr/>
-          <p:nvPr/>
-        </p:nvSpPr>
-        <p:spPr>
-          <a:xfrm>
-            <a:off x="685796" y="2914904"/>
-            <a:ext cx="6400800" cy="228600"/>
-          </a:xfrm>
-          <a:prstGeom prst="rect">
-            <a:avLst/>
-          </a:prstGeom>
-          <a:noFill/>
-          <a:ln>
-            <a:solidFill>
-              <a:srgbClr val="FF0000"/>
-            </a:solidFill>
-          </a:ln>
-        </p:spPr>
-        <p:style>
-          <a:lnRef idx="2">
-            <a:schemeClr val="accent1">
-              <a:shade val="15000"/>
-            </a:schemeClr>
-          </a:lnRef>
-          <a:fillRef idx="1">
-            <a:schemeClr val="accent1"/>
-          </a:fillRef>
-          <a:effectRef idx="0">
-            <a:schemeClr val="accent1"/>
-          </a:effectRef>
-          <a:fontRef idx="minor">
-            <a:schemeClr val="lt1"/>
-          </a:fontRef>
-        </p:style>
-        <p:txBody>
-          <a:bodyPr rtlCol="0" anchor="ctr"/>
-          <a:lstStyle/>
-          <a:p>
-            <a:pPr algn="ctr"/>
-            <a:endParaRPr lang="en-US"/>
-          </a:p>
-        </p:txBody>
-      </p:sp>
-      <p:sp>
-        <p:nvSpPr>
-          <p:cNvPr id="53" name="Rectangle 52">
-            <a:extLst>
-              <a:ext uri="{FF2B5EF4-FFF2-40B4-BE49-F238E27FC236}">
-                <a16:creationId xmlns:a16="http://schemas.microsoft.com/office/drawing/2014/main" id="{D7967B60-BCE6-BC9D-E944-F5D234E66E25}"/>
-              </a:ext>
-            </a:extLst>
-          </p:cNvPr>
-          <p:cNvSpPr/>
-          <p:nvPr/>
-        </p:nvSpPr>
-        <p:spPr>
-          <a:xfrm>
-            <a:off x="685796" y="7832344"/>
-            <a:ext cx="6400800" cy="228600"/>
-          </a:xfrm>
-          <a:prstGeom prst="rect">
-            <a:avLst/>
-          </a:prstGeom>
-          <a:noFill/>
-          <a:ln>
-            <a:solidFill>
-              <a:srgbClr val="FF0000"/>
-            </a:solidFill>
-          </a:ln>
-        </p:spPr>
-        <p:style>
-          <a:lnRef idx="2">
-            <a:schemeClr val="accent1">
-              <a:shade val="15000"/>
-            </a:schemeClr>
-          </a:lnRef>
-          <a:fillRef idx="1">
-            <a:schemeClr val="accent1"/>
-          </a:fillRef>
-          <a:effectRef idx="0">
-            <a:schemeClr val="accent1"/>
-          </a:effectRef>
-          <a:fontRef idx="minor">
-            <a:schemeClr val="lt1"/>
-          </a:fontRef>
-        </p:style>
-        <p:txBody>
-          <a:bodyPr rtlCol="0" anchor="ctr"/>
-          <a:lstStyle/>
-          <a:p>
-            <a:pPr algn="ctr"/>
-            <a:endParaRPr lang="en-US"/>
-          </a:p>
-        </p:txBody>
-      </p:sp>
-      <p:sp>
-        <p:nvSpPr>
-          <p:cNvPr id="55" name="Rectangle 54">
-            <a:extLst>
-              <a:ext uri="{FF2B5EF4-FFF2-40B4-BE49-F238E27FC236}">
-                <a16:creationId xmlns:a16="http://schemas.microsoft.com/office/drawing/2014/main" id="{8A49B0AA-081F-624D-4466-62877B9C3F10}"/>
-              </a:ext>
-            </a:extLst>
-          </p:cNvPr>
-          <p:cNvSpPr/>
-          <p:nvPr/>
-        </p:nvSpPr>
-        <p:spPr>
-          <a:xfrm>
-            <a:off x="685796" y="3729448"/>
-            <a:ext cx="6400800" cy="228600"/>
-          </a:xfrm>
-          <a:prstGeom prst="rect">
-            <a:avLst/>
-          </a:prstGeom>
-          <a:noFill/>
-          <a:ln>
-            <a:solidFill>
-              <a:srgbClr val="FF0000"/>
-            </a:solidFill>
-            <a:prstDash val="lgDash"/>
-          </a:ln>
-        </p:spPr>
-        <p:style>
-          <a:lnRef idx="2">
-            <a:schemeClr val="accent1">
-              <a:shade val="15000"/>
-            </a:schemeClr>
-          </a:lnRef>
-          <a:fillRef idx="1">
-            <a:schemeClr val="accent1"/>
-          </a:fillRef>
-          <a:effectRef idx="0">
-            <a:schemeClr val="accent1"/>
-          </a:effectRef>
-          <a:fontRef idx="minor">
-            <a:schemeClr val="lt1"/>
-          </a:fontRef>
-        </p:style>
-        <p:txBody>
-          <a:bodyPr rtlCol="0" anchor="ctr"/>
-          <a:lstStyle/>
-          <a:p>
-            <a:pPr algn="ctr"/>
-            <a:endParaRPr lang="en-US"/>
-          </a:p>
-        </p:txBody>
-      </p:sp>
-      <p:sp>
-        <p:nvSpPr>
-          <p:cNvPr id="56" name="Rectangle 55">
-            <a:extLst>
-              <a:ext uri="{FF2B5EF4-FFF2-40B4-BE49-F238E27FC236}">
-                <a16:creationId xmlns:a16="http://schemas.microsoft.com/office/drawing/2014/main" id="{0E505527-E9EA-2BEA-78A5-0D37A9350794}"/>
-              </a:ext>
-            </a:extLst>
-          </p:cNvPr>
-          <p:cNvSpPr/>
-          <p:nvPr/>
-        </p:nvSpPr>
-        <p:spPr>
-          <a:xfrm>
-            <a:off x="685796" y="7003000"/>
-            <a:ext cx="6400800" cy="228600"/>
-          </a:xfrm>
-          <a:prstGeom prst="rect">
-            <a:avLst/>
-          </a:prstGeom>
-          <a:noFill/>
-          <a:ln>
-            <a:solidFill>
-              <a:srgbClr val="FF0000"/>
-            </a:solidFill>
-            <a:prstDash val="lgDash"/>
-          </a:ln>
-        </p:spPr>
-        <p:style>
-          <a:lnRef idx="2">
-            <a:schemeClr val="accent1">
-              <a:shade val="15000"/>
-            </a:schemeClr>
-          </a:lnRef>
-          <a:fillRef idx="1">
-            <a:schemeClr val="accent1"/>
-          </a:fillRef>
-          <a:effectRef idx="0">
-            <a:schemeClr val="accent1"/>
-          </a:effectRef>
-          <a:fontRef idx="minor">
-            <a:schemeClr val="lt1"/>
-          </a:fontRef>
-        </p:style>
-        <p:txBody>
-          <a:bodyPr rtlCol="0" anchor="ctr"/>
-          <a:lstStyle/>
-          <a:p>
-            <a:pPr algn="ctr"/>
-            <a:endParaRPr lang="en-US"/>
-          </a:p>
-        </p:txBody>
-      </p:sp>
-      <p:sp>
-        <p:nvSpPr>
-          <p:cNvPr id="57" name="Rectangle 56">
-            <a:extLst>
-              <a:ext uri="{FF2B5EF4-FFF2-40B4-BE49-F238E27FC236}">
-                <a16:creationId xmlns:a16="http://schemas.microsoft.com/office/drawing/2014/main" id="{253A0027-44A6-A946-C8C9-9B31FD7572E8}"/>
-              </a:ext>
-            </a:extLst>
-          </p:cNvPr>
-          <p:cNvSpPr/>
-          <p:nvPr/>
-        </p:nvSpPr>
-        <p:spPr>
-          <a:xfrm>
-            <a:off x="685796" y="2426208"/>
-            <a:ext cx="6400800" cy="228600"/>
-          </a:xfrm>
-          <a:prstGeom prst="rect">
-            <a:avLst/>
-          </a:prstGeom>
-          <a:noFill/>
-          <a:ln>
-            <a:solidFill>
-              <a:srgbClr val="FF0000"/>
-            </a:solidFill>
-            <a:prstDash val="dash"/>
-          </a:ln>
-        </p:spPr>
-        <p:style>
-          <a:lnRef idx="2">
-            <a:schemeClr val="accent1">
-              <a:shade val="15000"/>
-            </a:schemeClr>
-          </a:lnRef>
-          <a:fillRef idx="1">
-            <a:schemeClr val="accent1"/>
-          </a:fillRef>
-          <a:effectRef idx="0">
-            <a:schemeClr val="accent1"/>
-          </a:effectRef>
-          <a:fontRef idx="minor">
-            <a:schemeClr val="lt1"/>
-          </a:fontRef>
-        </p:style>
-        <p:txBody>
-          <a:bodyPr rtlCol="0" anchor="ctr"/>
-          <a:lstStyle/>
-          <a:p>
-            <a:pPr algn="ctr"/>
-            <a:endParaRPr lang="en-US"/>
-          </a:p>
-        </p:txBody>
-      </p:sp>
-      <p:sp>
-        <p:nvSpPr>
-          <p:cNvPr id="58" name="Rectangle 57">
-            <a:extLst>
-              <a:ext uri="{FF2B5EF4-FFF2-40B4-BE49-F238E27FC236}">
-                <a16:creationId xmlns:a16="http://schemas.microsoft.com/office/drawing/2014/main" id="{D2CBECAC-8BF5-D149-4FB4-693B740D6615}"/>
-              </a:ext>
-            </a:extLst>
-          </p:cNvPr>
-          <p:cNvSpPr/>
-          <p:nvPr/>
-        </p:nvSpPr>
-        <p:spPr>
-          <a:xfrm>
-            <a:off x="685796" y="4392168"/>
-            <a:ext cx="6400800" cy="228600"/>
-          </a:xfrm>
-          <a:prstGeom prst="rect">
-            <a:avLst/>
-          </a:prstGeom>
-          <a:noFill/>
-          <a:ln>
-            <a:solidFill>
-              <a:srgbClr val="FF0000"/>
-            </a:solidFill>
-            <a:prstDash val="dash"/>
-          </a:ln>
-        </p:spPr>
-        <p:style>
-          <a:lnRef idx="2">
-            <a:schemeClr val="accent1">
-              <a:shade val="15000"/>
-            </a:schemeClr>
-          </a:lnRef>
-          <a:fillRef idx="1">
-            <a:schemeClr val="accent1"/>
-          </a:fillRef>
-          <a:effectRef idx="0">
-            <a:schemeClr val="accent1"/>
-          </a:effectRef>
-          <a:fontRef idx="minor">
-            <a:schemeClr val="lt1"/>
-          </a:fontRef>
-        </p:style>
-        <p:txBody>
-          <a:bodyPr rtlCol="0" anchor="ctr"/>
-          <a:lstStyle/>
-          <a:p>
-            <a:pPr algn="ctr"/>
-            <a:endParaRPr lang="en-US"/>
-          </a:p>
-        </p:txBody>
-      </p:sp>
-      <p:sp>
-        <p:nvSpPr>
-          <p:cNvPr id="59" name="Rectangle 58">
-            <a:extLst>
-              <a:ext uri="{FF2B5EF4-FFF2-40B4-BE49-F238E27FC236}">
-                <a16:creationId xmlns:a16="http://schemas.microsoft.com/office/drawing/2014/main" id="{EF8E1896-F3CC-4827-AED2-FDAEC6A11CFC}"/>
-              </a:ext>
-            </a:extLst>
-          </p:cNvPr>
-          <p:cNvSpPr/>
-          <p:nvPr/>
-        </p:nvSpPr>
-        <p:spPr>
-          <a:xfrm>
-            <a:off x="685796" y="6355076"/>
-            <a:ext cx="6400800" cy="228600"/>
-          </a:xfrm>
-          <a:prstGeom prst="rect">
-            <a:avLst/>
-          </a:prstGeom>
-          <a:noFill/>
-          <a:ln>
-            <a:solidFill>
-              <a:srgbClr val="FF0000"/>
-            </a:solidFill>
-            <a:prstDash val="dash"/>
-          </a:ln>
-        </p:spPr>
-        <p:style>
-          <a:lnRef idx="2">
-            <a:schemeClr val="accent1">
-              <a:shade val="15000"/>
-            </a:schemeClr>
-          </a:lnRef>
-          <a:fillRef idx="1">
-            <a:schemeClr val="accent1"/>
-          </a:fillRef>
-          <a:effectRef idx="0">
-            <a:schemeClr val="accent1"/>
-          </a:effectRef>
-          <a:fontRef idx="minor">
-            <a:schemeClr val="lt1"/>
-          </a:fontRef>
-        </p:style>
-        <p:txBody>
-          <a:bodyPr rtlCol="0" anchor="ctr"/>
-          <a:lstStyle/>
-          <a:p>
-            <a:pPr algn="ctr"/>
-            <a:endParaRPr lang="en-US"/>
-          </a:p>
-        </p:txBody>
-      </p:sp>
-      <p:sp>
-        <p:nvSpPr>
-          <p:cNvPr id="60" name="Rectangle 59">
-            <a:extLst>
-              <a:ext uri="{FF2B5EF4-FFF2-40B4-BE49-F238E27FC236}">
-                <a16:creationId xmlns:a16="http://schemas.microsoft.com/office/drawing/2014/main" id="{575703ED-B6AB-07DA-A74D-EABA42182962}"/>
-              </a:ext>
-            </a:extLst>
-          </p:cNvPr>
-          <p:cNvSpPr/>
-          <p:nvPr/>
-        </p:nvSpPr>
-        <p:spPr>
-          <a:xfrm>
-            <a:off x="685796" y="8321036"/>
-            <a:ext cx="6400800" cy="228600"/>
-          </a:xfrm>
-          <a:prstGeom prst="rect">
-            <a:avLst/>
-          </a:prstGeom>
-          <a:noFill/>
-          <a:ln>
-            <a:solidFill>
-              <a:srgbClr val="FF0000"/>
-            </a:solidFill>
-            <a:prstDash val="dash"/>
-          </a:ln>
-        </p:spPr>
-        <p:style>
-          <a:lnRef idx="2">
-            <a:schemeClr val="accent1">
-              <a:shade val="15000"/>
-            </a:schemeClr>
-          </a:lnRef>
-          <a:fillRef idx="1">
-            <a:schemeClr val="accent1"/>
-          </a:fillRef>
-          <a:effectRef idx="0">
-            <a:schemeClr val="accent1"/>
-          </a:effectRef>
-          <a:fontRef idx="minor">
-            <a:schemeClr val="lt1"/>
-          </a:fontRef>
-        </p:style>
-        <p:txBody>
-          <a:bodyPr rtlCol="0" anchor="ctr"/>
-          <a:lstStyle/>
-          <a:p>
-            <a:pPr algn="ctr"/>
-            <a:endParaRPr lang="en-US"/>
-          </a:p>
-        </p:txBody>
-      </p:sp>
-      <mc:AlternateContent xmlns:mc="http://schemas.openxmlformats.org/markup-compatibility/2006">
-        <mc:Choice xmlns:a14="http://schemas.microsoft.com/office/drawing/2010/main" Requires="a14">
-          <p:sp>
-            <p:nvSpPr>
-              <p:cNvPr id="61" name="TextBox 60">
-                <a:extLst>
-                  <a:ext uri="{FF2B5EF4-FFF2-40B4-BE49-F238E27FC236}">
-                    <a16:creationId xmlns:a16="http://schemas.microsoft.com/office/drawing/2014/main" id="{CB5293E2-F799-1185-E3DC-3FD409563EFF}"/>
-                  </a:ext>
-                </a:extLst>
-              </p:cNvPr>
-              <p:cNvSpPr txBox="1"/>
-              <p:nvPr/>
-            </p:nvSpPr>
-            <p:spPr>
-              <a:xfrm>
-                <a:off x="228593" y="5320196"/>
-                <a:ext cx="454902" cy="332399"/>
-              </a:xfrm>
-              <a:prstGeom prst="rect">
-                <a:avLst/>
-              </a:prstGeom>
-              <a:noFill/>
-            </p:spPr>
-            <p:txBody>
-              <a:bodyPr wrap="square" rtlCol="0">
-                <a:spAutoFit/>
-              </a:bodyPr>
-              <a:lstStyle/>
-              <a:p>
-                <a:pPr algn="r"/>
-                <a14:m>
-                  <m:oMathPara xmlns:m="http://schemas.openxmlformats.org/officeDocument/2006/math">
-                    <m:oMathParaPr>
-                      <m:jc m:val="right"/>
-                    </m:oMathParaPr>
-                    <m:oMath xmlns:m="http://schemas.openxmlformats.org/officeDocument/2006/math">
-                      <m:f>
-                        <m:fPr>
-                          <m:type m:val="skw"/>
-                          <m:ctrlPr>
-                            <a:rPr lang="en-US" sz="1200" smtClean="0">
-                              <a:solidFill>
-                                <a:srgbClr val="FF0000"/>
-                              </a:solidFill>
-                              <a:latin typeface="Cambria Math" panose="02040503050406030204" pitchFamily="18" charset="0"/>
-                            </a:rPr>
-                          </m:ctrlPr>
-                        </m:fPr>
-                        <m:num>
-                          <m:r>
-                            <a:rPr lang="en-US" sz="1200" b="0" i="0" smtClean="0">
-                              <a:solidFill>
-                                <a:srgbClr val="FF0000"/>
-                              </a:solidFill>
-                              <a:latin typeface="Cambria Math" panose="02040503050406030204" pitchFamily="18" charset="0"/>
-                            </a:rPr>
-                            <m:t>1</m:t>
-                          </m:r>
-                        </m:num>
-                        <m:den>
-                          <m:r>
-                            <a:rPr lang="en-US" sz="1200" b="0" i="0" smtClean="0">
-                              <a:solidFill>
-                                <a:srgbClr val="FF0000"/>
-                              </a:solidFill>
-                              <a:latin typeface="Cambria Math" panose="02040503050406030204" pitchFamily="18" charset="0"/>
-                            </a:rPr>
-                            <m:t>2</m:t>
-                          </m:r>
-                        </m:den>
-                      </m:f>
-                    </m:oMath>
-                  </m:oMathPara>
-                </a14:m>
-                <a:endParaRPr lang="en-US" sz="1200" dirty="0">
-                  <a:solidFill>
-                    <a:srgbClr val="FF0000"/>
-                  </a:solidFill>
-                </a:endParaRPr>
-              </a:p>
-            </p:txBody>
-          </p:sp>
-        </mc:Choice>
-        <mc:Fallback>
-          <p:sp>
-            <p:nvSpPr>
-              <p:cNvPr id="61" name="TextBox 60">
-                <a:extLst>
-                  <a:ext uri="{FF2B5EF4-FFF2-40B4-BE49-F238E27FC236}">
-                    <a16:creationId xmlns:a16="http://schemas.microsoft.com/office/drawing/2014/main" id="{CB5293E2-F799-1185-E3DC-3FD409563EFF}"/>
-                  </a:ext>
-                </a:extLst>
-              </p:cNvPr>
-              <p:cNvSpPr txBox="1">
-                <a:spLocks noRot="1" noChangeAspect="1" noMove="1" noResize="1" noEditPoints="1" noAdjustHandles="1" noChangeArrowheads="1" noChangeShapeType="1" noTextEdit="1"/>
-              </p:cNvSpPr>
-              <p:nvPr/>
-            </p:nvSpPr>
-            <p:spPr>
-              <a:xfrm>
-                <a:off x="228593" y="5320196"/>
-                <a:ext cx="454902" cy="332399"/>
-              </a:xfrm>
-              <a:prstGeom prst="rect">
-                <a:avLst/>
-              </a:prstGeom>
-              <a:blipFill>
-                <a:blip r:embed="rId11"/>
-                <a:stretch>
-                  <a:fillRect l="-29333" t="-103704" r="-81333" b="-161111"/>
-                </a:stretch>
-              </a:blipFill>
-            </p:spPr>
-            <p:txBody>
-              <a:bodyPr/>
-              <a:lstStyle/>
-              <a:p>
-                <a:r>
-                  <a:rPr lang="en-US">
-                    <a:noFill/>
-                  </a:rPr>
-                  <a:t> </a:t>
-                </a:r>
-              </a:p>
-            </p:txBody>
-          </p:sp>
-        </mc:Fallback>
-      </mc:AlternateContent>
-      <mc:AlternateContent xmlns:mc="http://schemas.openxmlformats.org/markup-compatibility/2006">
-        <mc:Choice xmlns:a14="http://schemas.microsoft.com/office/drawing/2010/main" Requires="a14">
-          <p:sp>
-            <p:nvSpPr>
-              <p:cNvPr id="62" name="TextBox 61">
-                <a:extLst>
-                  <a:ext uri="{FF2B5EF4-FFF2-40B4-BE49-F238E27FC236}">
-                    <a16:creationId xmlns:a16="http://schemas.microsoft.com/office/drawing/2014/main" id="{D8ACB1D9-6210-37F8-A032-F4E956B6E356}"/>
-                  </a:ext>
-                </a:extLst>
-              </p:cNvPr>
-              <p:cNvSpPr txBox="1"/>
-              <p:nvPr/>
-            </p:nvSpPr>
-            <p:spPr>
-              <a:xfrm>
-                <a:off x="230892" y="2860161"/>
-                <a:ext cx="454902" cy="331757"/>
-              </a:xfrm>
-              <a:prstGeom prst="rect">
-                <a:avLst/>
-              </a:prstGeom>
-              <a:noFill/>
-            </p:spPr>
-            <p:txBody>
-              <a:bodyPr wrap="square" rtlCol="0">
-                <a:spAutoFit/>
-              </a:bodyPr>
-              <a:lstStyle/>
-              <a:p>
-                <a:pPr algn="r"/>
-                <a14:m>
-                  <m:oMathPara xmlns:m="http://schemas.openxmlformats.org/officeDocument/2006/math">
-                    <m:oMathParaPr>
-                      <m:jc m:val="right"/>
-                    </m:oMathParaPr>
-                    <m:oMath xmlns:m="http://schemas.openxmlformats.org/officeDocument/2006/math">
-                      <m:f>
-                        <m:fPr>
-                          <m:type m:val="skw"/>
-                          <m:ctrlPr>
-                            <a:rPr lang="en-US" sz="1200" smtClean="0">
-                              <a:solidFill>
-                                <a:srgbClr val="FF0000"/>
-                              </a:solidFill>
-                              <a:latin typeface="Cambria Math" panose="02040503050406030204" pitchFamily="18" charset="0"/>
-                            </a:rPr>
-                          </m:ctrlPr>
-                        </m:fPr>
-                        <m:num>
-                          <m:r>
-                            <a:rPr lang="en-US" sz="1200" b="0" i="0" smtClean="0">
-                              <a:solidFill>
-                                <a:srgbClr val="FF0000"/>
-                              </a:solidFill>
-                              <a:latin typeface="Cambria Math" panose="02040503050406030204" pitchFamily="18" charset="0"/>
-                            </a:rPr>
-                            <m:t>1</m:t>
-                          </m:r>
-                        </m:num>
-                        <m:den>
-                          <m:r>
-                            <a:rPr lang="en-US" sz="1200" b="0" i="0" smtClean="0">
-                              <a:solidFill>
-                                <a:srgbClr val="FF0000"/>
-                              </a:solidFill>
-                              <a:latin typeface="Cambria Math" panose="02040503050406030204" pitchFamily="18" charset="0"/>
-                            </a:rPr>
-                            <m:t>4</m:t>
-                          </m:r>
-                        </m:den>
-                      </m:f>
-                    </m:oMath>
-                  </m:oMathPara>
-                </a14:m>
-                <a:endParaRPr lang="en-US" sz="1200" dirty="0">
-                  <a:solidFill>
-                    <a:srgbClr val="FF0000"/>
-                  </a:solidFill>
-                </a:endParaRPr>
-              </a:p>
-            </p:txBody>
-          </p:sp>
-        </mc:Choice>
-        <mc:Fallback>
-          <p:sp>
-            <p:nvSpPr>
-              <p:cNvPr id="62" name="TextBox 61">
-                <a:extLst>
-                  <a:ext uri="{FF2B5EF4-FFF2-40B4-BE49-F238E27FC236}">
-                    <a16:creationId xmlns:a16="http://schemas.microsoft.com/office/drawing/2014/main" id="{D8ACB1D9-6210-37F8-A032-F4E956B6E356}"/>
-                  </a:ext>
-                </a:extLst>
-              </p:cNvPr>
-              <p:cNvSpPr txBox="1">
-                <a:spLocks noRot="1" noChangeAspect="1" noMove="1" noResize="1" noEditPoints="1" noAdjustHandles="1" noChangeArrowheads="1" noChangeShapeType="1" noTextEdit="1"/>
-              </p:cNvSpPr>
-              <p:nvPr/>
-            </p:nvSpPr>
-            <p:spPr>
-              <a:xfrm>
-                <a:off x="230892" y="2860161"/>
-                <a:ext cx="454902" cy="331757"/>
-              </a:xfrm>
-              <a:prstGeom prst="rect">
-                <a:avLst/>
-              </a:prstGeom>
-              <a:blipFill>
-                <a:blip r:embed="rId3"/>
-                <a:stretch>
-                  <a:fillRect l="-31081" t="-101818" r="-82432" b="-156364"/>
-                </a:stretch>
-              </a:blipFill>
-            </p:spPr>
-            <p:txBody>
-              <a:bodyPr/>
-              <a:lstStyle/>
-              <a:p>
-                <a:r>
-                  <a:rPr lang="en-US">
-                    <a:noFill/>
-                  </a:rPr>
-                  <a:t> </a:t>
-                </a:r>
-              </a:p>
-            </p:txBody>
-          </p:sp>
-        </mc:Fallback>
-      </mc:AlternateContent>
-      <mc:AlternateContent xmlns:mc="http://schemas.openxmlformats.org/markup-compatibility/2006">
-        <mc:Choice xmlns:a14="http://schemas.microsoft.com/office/drawing/2010/main" Requires="a14">
-          <p:sp>
-            <p:nvSpPr>
-              <p:cNvPr id="63" name="TextBox 62">
-                <a:extLst>
-                  <a:ext uri="{FF2B5EF4-FFF2-40B4-BE49-F238E27FC236}">
-                    <a16:creationId xmlns:a16="http://schemas.microsoft.com/office/drawing/2014/main" id="{BABD0317-320F-32F0-9A1D-BE24E8A98FE1}"/>
-                  </a:ext>
-                </a:extLst>
-              </p:cNvPr>
-              <p:cNvSpPr txBox="1"/>
-              <p:nvPr/>
-            </p:nvSpPr>
-            <p:spPr>
-              <a:xfrm>
-                <a:off x="228593" y="8258359"/>
-                <a:ext cx="454902" cy="347724"/>
-              </a:xfrm>
-              <a:prstGeom prst="rect">
-                <a:avLst/>
-              </a:prstGeom>
-              <a:noFill/>
-            </p:spPr>
-            <p:txBody>
-              <a:bodyPr wrap="square" rtlCol="0">
-                <a:spAutoFit/>
-              </a:bodyPr>
-              <a:lstStyle/>
-              <a:p>
-                <a:pPr algn="r"/>
-                <a14:m>
-                  <m:oMathPara xmlns:m="http://schemas.openxmlformats.org/officeDocument/2006/math">
-                    <m:oMathParaPr>
-                      <m:jc m:val="right"/>
-                    </m:oMathParaPr>
-                    <m:oMath xmlns:m="http://schemas.openxmlformats.org/officeDocument/2006/math">
-                      <m:f>
-                        <m:fPr>
-                          <m:type m:val="skw"/>
-                          <m:ctrlPr>
-                            <a:rPr lang="en-US" sz="1200" smtClean="0">
-                              <a:solidFill>
-                                <a:srgbClr val="FF0000"/>
-                              </a:solidFill>
-                              <a:latin typeface="Cambria Math" panose="02040503050406030204" pitchFamily="18" charset="0"/>
-                            </a:rPr>
-                          </m:ctrlPr>
-                        </m:fPr>
-                        <m:num>
-                          <m:r>
-                            <a:rPr lang="en-US" sz="1200" b="0" i="0" smtClean="0">
-                              <a:solidFill>
-                                <a:srgbClr val="FF0000"/>
-                              </a:solidFill>
-                              <a:latin typeface="Cambria Math" panose="02040503050406030204" pitchFamily="18" charset="0"/>
-                            </a:rPr>
-                            <m:t>4</m:t>
-                          </m:r>
-                        </m:num>
-                        <m:den>
-                          <m:r>
-                            <a:rPr lang="en-US" sz="1200" b="0" i="0" smtClean="0">
-                              <a:solidFill>
-                                <a:srgbClr val="FF0000"/>
-                              </a:solidFill>
-                              <a:latin typeface="Cambria Math" panose="02040503050406030204" pitchFamily="18" charset="0"/>
-                            </a:rPr>
-                            <m:t>5</m:t>
-                          </m:r>
-                        </m:den>
-                      </m:f>
-                    </m:oMath>
-                  </m:oMathPara>
-                </a14:m>
-                <a:endParaRPr lang="en-US" sz="1200" dirty="0">
-                  <a:solidFill>
-                    <a:srgbClr val="FF0000"/>
-                  </a:solidFill>
-                </a:endParaRPr>
-              </a:p>
-            </p:txBody>
-          </p:sp>
-        </mc:Choice>
-        <mc:Fallback>
-          <p:sp>
-            <p:nvSpPr>
-              <p:cNvPr id="63" name="TextBox 62">
-                <a:extLst>
-                  <a:ext uri="{FF2B5EF4-FFF2-40B4-BE49-F238E27FC236}">
-                    <a16:creationId xmlns:a16="http://schemas.microsoft.com/office/drawing/2014/main" id="{BABD0317-320F-32F0-9A1D-BE24E8A98FE1}"/>
-                  </a:ext>
-                </a:extLst>
-              </p:cNvPr>
-              <p:cNvSpPr txBox="1">
-                <a:spLocks noRot="1" noChangeAspect="1" noMove="1" noResize="1" noEditPoints="1" noAdjustHandles="1" noChangeArrowheads="1" noChangeShapeType="1" noTextEdit="1"/>
-              </p:cNvSpPr>
-              <p:nvPr/>
-            </p:nvSpPr>
-            <p:spPr>
-              <a:xfrm>
-                <a:off x="228593" y="8258359"/>
-                <a:ext cx="454902" cy="347724"/>
-              </a:xfrm>
-              <a:prstGeom prst="rect">
-                <a:avLst/>
-              </a:prstGeom>
-              <a:blipFill>
-                <a:blip r:embed="rId12"/>
-                <a:stretch>
-                  <a:fillRect l="-29333" t="-98246" r="-81333" b="-147368"/>
-                </a:stretch>
-              </a:blipFill>
-            </p:spPr>
-            <p:txBody>
-              <a:bodyPr/>
-              <a:lstStyle/>
-              <a:p>
-                <a:r>
-                  <a:rPr lang="en-US">
-                    <a:noFill/>
-                  </a:rPr>
-                  <a:t> </a:t>
-                </a:r>
-              </a:p>
-            </p:txBody>
-          </p:sp>
-        </mc:Fallback>
-      </mc:AlternateContent>
-      <mc:AlternateContent xmlns:mc="http://schemas.openxmlformats.org/markup-compatibility/2006">
-        <mc:Choice xmlns:a14="http://schemas.microsoft.com/office/drawing/2010/main" Requires="a14">
-          <p:sp>
-            <p:nvSpPr>
-              <p:cNvPr id="64" name="TextBox 63">
-                <a:extLst>
-                  <a:ext uri="{FF2B5EF4-FFF2-40B4-BE49-F238E27FC236}">
-                    <a16:creationId xmlns:a16="http://schemas.microsoft.com/office/drawing/2014/main" id="{2504BD0D-59FF-008A-F965-6BE974A4C935}"/>
-                  </a:ext>
-                </a:extLst>
-              </p:cNvPr>
-              <p:cNvSpPr txBox="1"/>
-              <p:nvPr/>
-            </p:nvSpPr>
-            <p:spPr>
-              <a:xfrm>
-                <a:off x="228593" y="2355174"/>
-                <a:ext cx="454902" cy="348365"/>
-              </a:xfrm>
-              <a:prstGeom prst="rect">
-                <a:avLst/>
-              </a:prstGeom>
-              <a:noFill/>
-            </p:spPr>
-            <p:txBody>
-              <a:bodyPr wrap="square" rtlCol="0">
-                <a:spAutoFit/>
-              </a:bodyPr>
-              <a:lstStyle/>
-              <a:p>
-                <a:pPr algn="r"/>
-                <a14:m>
-                  <m:oMathPara xmlns:m="http://schemas.openxmlformats.org/officeDocument/2006/math">
-                    <m:oMathParaPr>
-                      <m:jc m:val="right"/>
-                    </m:oMathParaPr>
-                    <m:oMath xmlns:m="http://schemas.openxmlformats.org/officeDocument/2006/math">
-                      <m:f>
-                        <m:fPr>
-                          <m:type m:val="skw"/>
-                          <m:ctrlPr>
-                            <a:rPr lang="en-US" sz="1200" smtClean="0">
-                              <a:solidFill>
-                                <a:srgbClr val="FF0000"/>
-                              </a:solidFill>
-                              <a:latin typeface="Cambria Math" panose="02040503050406030204" pitchFamily="18" charset="0"/>
-                            </a:rPr>
-                          </m:ctrlPr>
-                        </m:fPr>
-                        <m:num>
-                          <m:r>
-                            <a:rPr lang="en-US" sz="1200" b="0" i="0" smtClean="0">
-                              <a:solidFill>
-                                <a:srgbClr val="FF0000"/>
-                              </a:solidFill>
-                              <a:latin typeface="Cambria Math" panose="02040503050406030204" pitchFamily="18" charset="0"/>
-                            </a:rPr>
-                            <m:t>1</m:t>
-                          </m:r>
-                        </m:num>
-                        <m:den>
-                          <m:r>
-                            <a:rPr lang="en-US" sz="1200" b="0" i="0" smtClean="0">
-                              <a:solidFill>
-                                <a:srgbClr val="FF0000"/>
-                              </a:solidFill>
-                              <a:latin typeface="Cambria Math" panose="02040503050406030204" pitchFamily="18" charset="0"/>
-                            </a:rPr>
-                            <m:t>5</m:t>
-                          </m:r>
-                        </m:den>
-                      </m:f>
-                    </m:oMath>
-                  </m:oMathPara>
-                </a14:m>
-                <a:endParaRPr lang="en-US" sz="1200" dirty="0">
-                  <a:solidFill>
-                    <a:srgbClr val="FF0000"/>
-                  </a:solidFill>
-                </a:endParaRPr>
-              </a:p>
-            </p:txBody>
-          </p:sp>
-        </mc:Choice>
-        <mc:Fallback>
-          <p:sp>
-            <p:nvSpPr>
-              <p:cNvPr id="64" name="TextBox 63">
-                <a:extLst>
-                  <a:ext uri="{FF2B5EF4-FFF2-40B4-BE49-F238E27FC236}">
-                    <a16:creationId xmlns:a16="http://schemas.microsoft.com/office/drawing/2014/main" id="{2504BD0D-59FF-008A-F965-6BE974A4C935}"/>
-                  </a:ext>
-                </a:extLst>
-              </p:cNvPr>
-              <p:cNvSpPr txBox="1">
-                <a:spLocks noRot="1" noChangeAspect="1" noMove="1" noResize="1" noEditPoints="1" noAdjustHandles="1" noChangeArrowheads="1" noChangeShapeType="1" noTextEdit="1"/>
-              </p:cNvSpPr>
-              <p:nvPr/>
-            </p:nvSpPr>
-            <p:spPr>
-              <a:xfrm>
-                <a:off x="228593" y="2355174"/>
-                <a:ext cx="454902" cy="348365"/>
-              </a:xfrm>
-              <a:prstGeom prst="rect">
-                <a:avLst/>
-              </a:prstGeom>
-              <a:blipFill>
-                <a:blip r:embed="rId13"/>
-                <a:stretch>
-                  <a:fillRect l="-29333" t="-98246" r="-81333" b="-147368"/>
-                </a:stretch>
-              </a:blipFill>
-            </p:spPr>
-            <p:txBody>
-              <a:bodyPr/>
-              <a:lstStyle/>
-              <a:p>
-                <a:r>
-                  <a:rPr lang="en-US">
-                    <a:noFill/>
-                  </a:rPr>
-                  <a:t> </a:t>
-                </a:r>
-              </a:p>
-            </p:txBody>
-          </p:sp>
-        </mc:Fallback>
-      </mc:AlternateContent>
-      <mc:AlternateContent xmlns:mc="http://schemas.openxmlformats.org/markup-compatibility/2006">
-        <mc:Choice xmlns:a14="http://schemas.microsoft.com/office/drawing/2010/main" Requires="a14">
-          <p:sp>
-            <p:nvSpPr>
-              <p:cNvPr id="65" name="TextBox 64">
-                <a:extLst>
-                  <a:ext uri="{FF2B5EF4-FFF2-40B4-BE49-F238E27FC236}">
-                    <a16:creationId xmlns:a16="http://schemas.microsoft.com/office/drawing/2014/main" id="{9FE518DD-A598-DAFE-DAFB-4C70219661F1}"/>
-                  </a:ext>
-                </a:extLst>
-              </p:cNvPr>
-              <p:cNvSpPr txBox="1"/>
-              <p:nvPr/>
-            </p:nvSpPr>
-            <p:spPr>
-              <a:xfrm>
-                <a:off x="228593" y="3674683"/>
-                <a:ext cx="454902" cy="333617"/>
-              </a:xfrm>
-              <a:prstGeom prst="rect">
-                <a:avLst/>
-              </a:prstGeom>
-              <a:noFill/>
-            </p:spPr>
-            <p:txBody>
-              <a:bodyPr wrap="square" rtlCol="0">
-                <a:spAutoFit/>
-              </a:bodyPr>
-              <a:lstStyle/>
-              <a:p>
-                <a:pPr algn="r"/>
-                <a14:m>
-                  <m:oMathPara xmlns:m="http://schemas.openxmlformats.org/officeDocument/2006/math">
-                    <m:oMathParaPr>
-                      <m:jc m:val="right"/>
-                    </m:oMathParaPr>
-                    <m:oMath xmlns:m="http://schemas.openxmlformats.org/officeDocument/2006/math">
-                      <m:f>
-                        <m:fPr>
-                          <m:type m:val="skw"/>
-                          <m:ctrlPr>
-                            <a:rPr lang="en-US" sz="1200" smtClean="0">
-                              <a:solidFill>
-                                <a:srgbClr val="FF0000"/>
-                              </a:solidFill>
-                              <a:latin typeface="Cambria Math" panose="02040503050406030204" pitchFamily="18" charset="0"/>
-                            </a:rPr>
-                          </m:ctrlPr>
-                        </m:fPr>
-                        <m:num>
-                          <m:r>
-                            <a:rPr lang="en-US" sz="1200" b="0" i="0" smtClean="0">
-                              <a:solidFill>
-                                <a:srgbClr val="FF0000"/>
-                              </a:solidFill>
-                              <a:latin typeface="Cambria Math" panose="02040503050406030204" pitchFamily="18" charset="0"/>
-                            </a:rPr>
-                            <m:t>1</m:t>
-                          </m:r>
-                        </m:num>
-                        <m:den>
-                          <m:r>
-                            <a:rPr lang="en-US" sz="1200" b="0" i="0" smtClean="0">
-                              <a:solidFill>
-                                <a:srgbClr val="FF0000"/>
-                              </a:solidFill>
-                              <a:latin typeface="Cambria Math" panose="02040503050406030204" pitchFamily="18" charset="0"/>
-                            </a:rPr>
-                            <m:t>3</m:t>
-                          </m:r>
-                        </m:den>
-                      </m:f>
-                    </m:oMath>
-                  </m:oMathPara>
-                </a14:m>
-                <a:endParaRPr lang="en-US" sz="1200" dirty="0">
-                  <a:solidFill>
-                    <a:srgbClr val="FF0000"/>
-                  </a:solidFill>
-                </a:endParaRPr>
-              </a:p>
-            </p:txBody>
-          </p:sp>
-        </mc:Choice>
-        <mc:Fallback>
-          <p:sp>
-            <p:nvSpPr>
-              <p:cNvPr id="65" name="TextBox 64">
-                <a:extLst>
-                  <a:ext uri="{FF2B5EF4-FFF2-40B4-BE49-F238E27FC236}">
-                    <a16:creationId xmlns:a16="http://schemas.microsoft.com/office/drawing/2014/main" id="{9FE518DD-A598-DAFE-DAFB-4C70219661F1}"/>
-                  </a:ext>
-                </a:extLst>
-              </p:cNvPr>
-              <p:cNvSpPr txBox="1">
-                <a:spLocks noRot="1" noChangeAspect="1" noMove="1" noResize="1" noEditPoints="1" noAdjustHandles="1" noChangeArrowheads="1" noChangeShapeType="1" noTextEdit="1"/>
-              </p:cNvSpPr>
-              <p:nvPr/>
-            </p:nvSpPr>
-            <p:spPr>
-              <a:xfrm>
-                <a:off x="228593" y="3674683"/>
-                <a:ext cx="454902" cy="333617"/>
-              </a:xfrm>
-              <a:prstGeom prst="rect">
-                <a:avLst/>
-              </a:prstGeom>
-              <a:blipFill>
-                <a:blip r:embed="rId14"/>
-                <a:stretch>
-                  <a:fillRect l="-29333" t="-101818" r="-81333" b="-156364"/>
-                </a:stretch>
-              </a:blipFill>
-            </p:spPr>
-            <p:txBody>
-              <a:bodyPr/>
-              <a:lstStyle/>
-              <a:p>
-                <a:r>
-                  <a:rPr lang="en-US">
-                    <a:noFill/>
-                  </a:rPr>
-                  <a:t> </a:t>
-                </a:r>
-              </a:p>
-            </p:txBody>
-          </p:sp>
-        </mc:Fallback>
-      </mc:AlternateContent>
-      <mc:AlternateContent xmlns:mc="http://schemas.openxmlformats.org/markup-compatibility/2006">
-        <mc:Choice xmlns:a14="http://schemas.microsoft.com/office/drawing/2010/main" Requires="a14">
-          <p:sp>
-            <p:nvSpPr>
-              <p:cNvPr id="66" name="TextBox 65">
-                <a:extLst>
-                  <a:ext uri="{FF2B5EF4-FFF2-40B4-BE49-F238E27FC236}">
-                    <a16:creationId xmlns:a16="http://schemas.microsoft.com/office/drawing/2014/main" id="{6552BA45-45EC-8BB4-6E29-222B41BA352B}"/>
-                  </a:ext>
-                </a:extLst>
-              </p:cNvPr>
-              <p:cNvSpPr txBox="1"/>
-              <p:nvPr/>
-            </p:nvSpPr>
-            <p:spPr>
-              <a:xfrm>
-                <a:off x="228593" y="4332285"/>
-                <a:ext cx="454902" cy="348365"/>
-              </a:xfrm>
-              <a:prstGeom prst="rect">
-                <a:avLst/>
-              </a:prstGeom>
-              <a:noFill/>
-            </p:spPr>
-            <p:txBody>
-              <a:bodyPr wrap="square" rtlCol="0">
-                <a:spAutoFit/>
-              </a:bodyPr>
-              <a:lstStyle/>
-              <a:p>
-                <a:pPr algn="r"/>
-                <a14:m>
-                  <m:oMathPara xmlns:m="http://schemas.openxmlformats.org/officeDocument/2006/math">
-                    <m:oMathParaPr>
-                      <m:jc m:val="right"/>
-                    </m:oMathParaPr>
-                    <m:oMath xmlns:m="http://schemas.openxmlformats.org/officeDocument/2006/math">
-                      <m:f>
-                        <m:fPr>
-                          <m:type m:val="skw"/>
-                          <m:ctrlPr>
-                            <a:rPr lang="en-US" sz="1200" smtClean="0">
-                              <a:solidFill>
-                                <a:srgbClr val="FF0000"/>
-                              </a:solidFill>
-                              <a:latin typeface="Cambria Math" panose="02040503050406030204" pitchFamily="18" charset="0"/>
-                            </a:rPr>
-                          </m:ctrlPr>
-                        </m:fPr>
-                        <m:num>
-                          <m:r>
-                            <a:rPr lang="en-US" sz="1200" b="0" i="0" smtClean="0">
-                              <a:solidFill>
-                                <a:srgbClr val="FF0000"/>
-                              </a:solidFill>
-                              <a:latin typeface="Cambria Math" panose="02040503050406030204" pitchFamily="18" charset="0"/>
-                            </a:rPr>
-                            <m:t>2</m:t>
-                          </m:r>
-                        </m:num>
-                        <m:den>
-                          <m:r>
-                            <a:rPr lang="en-US" sz="1200" b="0" i="0" smtClean="0">
-                              <a:solidFill>
-                                <a:srgbClr val="FF0000"/>
-                              </a:solidFill>
-                              <a:latin typeface="Cambria Math" panose="02040503050406030204" pitchFamily="18" charset="0"/>
-                            </a:rPr>
-                            <m:t>5</m:t>
-                          </m:r>
-                        </m:den>
-                      </m:f>
-                    </m:oMath>
-                  </m:oMathPara>
-                </a14:m>
-                <a:endParaRPr lang="en-US" sz="1200" dirty="0">
-                  <a:solidFill>
-                    <a:srgbClr val="FF0000"/>
-                  </a:solidFill>
-                </a:endParaRPr>
-              </a:p>
-            </p:txBody>
-          </p:sp>
-        </mc:Choice>
-        <mc:Fallback>
-          <p:sp>
-            <p:nvSpPr>
-              <p:cNvPr id="66" name="TextBox 65">
-                <a:extLst>
-                  <a:ext uri="{FF2B5EF4-FFF2-40B4-BE49-F238E27FC236}">
-                    <a16:creationId xmlns:a16="http://schemas.microsoft.com/office/drawing/2014/main" id="{6552BA45-45EC-8BB4-6E29-222B41BA352B}"/>
-                  </a:ext>
-                </a:extLst>
-              </p:cNvPr>
-              <p:cNvSpPr txBox="1">
-                <a:spLocks noRot="1" noChangeAspect="1" noMove="1" noResize="1" noEditPoints="1" noAdjustHandles="1" noChangeArrowheads="1" noChangeShapeType="1" noTextEdit="1"/>
-              </p:cNvSpPr>
-              <p:nvPr/>
-            </p:nvSpPr>
-            <p:spPr>
-              <a:xfrm>
-                <a:off x="228593" y="4332285"/>
-                <a:ext cx="454902" cy="348365"/>
-              </a:xfrm>
-              <a:prstGeom prst="rect">
-                <a:avLst/>
-              </a:prstGeom>
-              <a:blipFill>
-                <a:blip r:embed="rId15"/>
-                <a:stretch>
-                  <a:fillRect l="-29333" t="-98246" r="-81333" b="-147368"/>
-                </a:stretch>
-              </a:blipFill>
-            </p:spPr>
-            <p:txBody>
-              <a:bodyPr/>
-              <a:lstStyle/>
-              <a:p>
-                <a:r>
-                  <a:rPr lang="en-US">
-                    <a:noFill/>
-                  </a:rPr>
-                  <a:t> </a:t>
-                </a:r>
-              </a:p>
-            </p:txBody>
-          </p:sp>
-        </mc:Fallback>
-      </mc:AlternateContent>
-      <mc:AlternateContent xmlns:mc="http://schemas.openxmlformats.org/markup-compatibility/2006">
-        <mc:Choice xmlns:a14="http://schemas.microsoft.com/office/drawing/2010/main" Requires="a14">
-          <p:sp>
-            <p:nvSpPr>
-              <p:cNvPr id="67" name="TextBox 66">
-                <a:extLst>
-                  <a:ext uri="{FF2B5EF4-FFF2-40B4-BE49-F238E27FC236}">
-                    <a16:creationId xmlns:a16="http://schemas.microsoft.com/office/drawing/2014/main" id="{63A3C246-B59F-2938-0961-74DAEA684F06}"/>
-                  </a:ext>
-                </a:extLst>
-              </p:cNvPr>
-              <p:cNvSpPr txBox="1"/>
-              <p:nvPr/>
-            </p:nvSpPr>
-            <p:spPr>
-              <a:xfrm>
-                <a:off x="228593" y="6300066"/>
-                <a:ext cx="454902" cy="338619"/>
-              </a:xfrm>
-              <a:prstGeom prst="rect">
-                <a:avLst/>
-              </a:prstGeom>
-              <a:noFill/>
-            </p:spPr>
-            <p:txBody>
-              <a:bodyPr wrap="square" rtlCol="0">
-                <a:spAutoFit/>
-              </a:bodyPr>
-              <a:lstStyle/>
-              <a:p>
-                <a:pPr algn="r"/>
-                <a14:m>
-                  <m:oMathPara xmlns:m="http://schemas.openxmlformats.org/officeDocument/2006/math">
-                    <m:oMathParaPr>
-                      <m:jc m:val="right"/>
-                    </m:oMathParaPr>
-                    <m:oMath xmlns:m="http://schemas.openxmlformats.org/officeDocument/2006/math">
-                      <m:f>
-                        <m:fPr>
-                          <m:type m:val="skw"/>
-                          <m:ctrlPr>
-                            <a:rPr lang="en-US" sz="1200" smtClean="0">
-                              <a:solidFill>
-                                <a:srgbClr val="FF0000"/>
-                              </a:solidFill>
-                              <a:latin typeface="Cambria Math" panose="02040503050406030204" pitchFamily="18" charset="0"/>
-                            </a:rPr>
-                          </m:ctrlPr>
-                        </m:fPr>
-                        <m:num>
-                          <m:r>
-                            <a:rPr lang="en-US" sz="1200" b="0" i="0" smtClean="0">
-                              <a:solidFill>
-                                <a:srgbClr val="FF0000"/>
-                              </a:solidFill>
-                              <a:latin typeface="Cambria Math" panose="02040503050406030204" pitchFamily="18" charset="0"/>
-                            </a:rPr>
-                            <m:t>3</m:t>
-                          </m:r>
-                        </m:num>
-                        <m:den>
-                          <m:r>
-                            <a:rPr lang="en-US" sz="1200" b="0" i="0" smtClean="0">
-                              <a:solidFill>
-                                <a:srgbClr val="FF0000"/>
-                              </a:solidFill>
-                              <a:latin typeface="Cambria Math" panose="02040503050406030204" pitchFamily="18" charset="0"/>
-                            </a:rPr>
-                            <m:t>5</m:t>
-                          </m:r>
-                        </m:den>
-                      </m:f>
-                    </m:oMath>
-                  </m:oMathPara>
-                </a14:m>
-                <a:endParaRPr lang="en-US" sz="1200" dirty="0">
-                  <a:solidFill>
-                    <a:srgbClr val="FF0000"/>
-                  </a:solidFill>
-                </a:endParaRPr>
-              </a:p>
-            </p:txBody>
-          </p:sp>
-        </mc:Choice>
-        <mc:Fallback>
-          <p:sp>
-            <p:nvSpPr>
-              <p:cNvPr id="67" name="TextBox 66">
-                <a:extLst>
-                  <a:ext uri="{FF2B5EF4-FFF2-40B4-BE49-F238E27FC236}">
-                    <a16:creationId xmlns:a16="http://schemas.microsoft.com/office/drawing/2014/main" id="{63A3C246-B59F-2938-0961-74DAEA684F06}"/>
-                  </a:ext>
-                </a:extLst>
-              </p:cNvPr>
-              <p:cNvSpPr txBox="1">
-                <a:spLocks noRot="1" noChangeAspect="1" noMove="1" noResize="1" noEditPoints="1" noAdjustHandles="1" noChangeArrowheads="1" noChangeShapeType="1" noTextEdit="1"/>
-              </p:cNvSpPr>
-              <p:nvPr/>
-            </p:nvSpPr>
-            <p:spPr>
-              <a:xfrm>
-                <a:off x="228593" y="6300066"/>
-                <a:ext cx="454902" cy="338619"/>
-              </a:xfrm>
-              <a:prstGeom prst="rect">
-                <a:avLst/>
-              </a:prstGeom>
-              <a:blipFill>
-                <a:blip r:embed="rId16"/>
-                <a:stretch>
-                  <a:fillRect l="-29333" t="-98214" r="-81333" b="-153571"/>
-                </a:stretch>
-              </a:blipFill>
-            </p:spPr>
-            <p:txBody>
-              <a:bodyPr/>
-              <a:lstStyle/>
-              <a:p>
-                <a:r>
-                  <a:rPr lang="en-US">
-                    <a:noFill/>
-                  </a:rPr>
-                  <a:t> </a:t>
-                </a:r>
-              </a:p>
-            </p:txBody>
-          </p:sp>
-        </mc:Fallback>
-      </mc:AlternateContent>
-      <mc:AlternateContent xmlns:mc="http://schemas.openxmlformats.org/markup-compatibility/2006">
-        <mc:Choice xmlns:a14="http://schemas.microsoft.com/office/drawing/2010/main" Requires="a14">
-          <p:sp>
-            <p:nvSpPr>
-              <p:cNvPr id="68" name="TextBox 67">
-                <a:extLst>
-                  <a:ext uri="{FF2B5EF4-FFF2-40B4-BE49-F238E27FC236}">
-                    <a16:creationId xmlns:a16="http://schemas.microsoft.com/office/drawing/2014/main" id="{7EE7F86A-E433-A96D-BD8C-E8431E569906}"/>
-                  </a:ext>
-                </a:extLst>
-              </p:cNvPr>
-              <p:cNvSpPr txBox="1"/>
-              <p:nvPr/>
-            </p:nvSpPr>
-            <p:spPr>
-              <a:xfrm>
-                <a:off x="228593" y="6951929"/>
-                <a:ext cx="454902" cy="333617"/>
-              </a:xfrm>
-              <a:prstGeom prst="rect">
-                <a:avLst/>
-              </a:prstGeom>
-              <a:noFill/>
-            </p:spPr>
-            <p:txBody>
-              <a:bodyPr wrap="square" rtlCol="0">
-                <a:spAutoFit/>
-              </a:bodyPr>
-              <a:lstStyle/>
-              <a:p>
-                <a:pPr algn="r"/>
-                <a14:m>
-                  <m:oMathPara xmlns:m="http://schemas.openxmlformats.org/officeDocument/2006/math">
-                    <m:oMathParaPr>
-                      <m:jc m:val="right"/>
-                    </m:oMathParaPr>
-                    <m:oMath xmlns:m="http://schemas.openxmlformats.org/officeDocument/2006/math">
-                      <m:f>
-                        <m:fPr>
-                          <m:type m:val="skw"/>
-                          <m:ctrlPr>
-                            <a:rPr lang="en-US" sz="1200" smtClean="0">
-                              <a:solidFill>
-                                <a:srgbClr val="FF0000"/>
-                              </a:solidFill>
-                              <a:latin typeface="Cambria Math" panose="02040503050406030204" pitchFamily="18" charset="0"/>
-                            </a:rPr>
-                          </m:ctrlPr>
-                        </m:fPr>
-                        <m:num>
-                          <m:r>
-                            <a:rPr lang="en-US" sz="1200" b="0" i="0" smtClean="0">
-                              <a:solidFill>
-                                <a:srgbClr val="FF0000"/>
-                              </a:solidFill>
-                              <a:latin typeface="Cambria Math" panose="02040503050406030204" pitchFamily="18" charset="0"/>
-                            </a:rPr>
-                            <m:t>2</m:t>
-                          </m:r>
-                        </m:num>
-                        <m:den>
-                          <m:r>
-                            <a:rPr lang="en-US" sz="1200" b="0" i="0" smtClean="0">
-                              <a:solidFill>
-                                <a:srgbClr val="FF0000"/>
-                              </a:solidFill>
-                              <a:latin typeface="Cambria Math" panose="02040503050406030204" pitchFamily="18" charset="0"/>
-                            </a:rPr>
-                            <m:t>3</m:t>
-                          </m:r>
-                        </m:den>
-                      </m:f>
-                    </m:oMath>
-                  </m:oMathPara>
-                </a14:m>
-                <a:endParaRPr lang="en-US" sz="1200" dirty="0">
-                  <a:solidFill>
-                    <a:srgbClr val="FF0000"/>
-                  </a:solidFill>
-                </a:endParaRPr>
-              </a:p>
-            </p:txBody>
-          </p:sp>
-        </mc:Choice>
-        <mc:Fallback>
-          <p:sp>
-            <p:nvSpPr>
-              <p:cNvPr id="68" name="TextBox 67">
-                <a:extLst>
-                  <a:ext uri="{FF2B5EF4-FFF2-40B4-BE49-F238E27FC236}">
-                    <a16:creationId xmlns:a16="http://schemas.microsoft.com/office/drawing/2014/main" id="{7EE7F86A-E433-A96D-BD8C-E8431E569906}"/>
-                  </a:ext>
-                </a:extLst>
-              </p:cNvPr>
-              <p:cNvSpPr txBox="1">
-                <a:spLocks noRot="1" noChangeAspect="1" noMove="1" noResize="1" noEditPoints="1" noAdjustHandles="1" noChangeArrowheads="1" noChangeShapeType="1" noTextEdit="1"/>
-              </p:cNvSpPr>
-              <p:nvPr/>
-            </p:nvSpPr>
-            <p:spPr>
-              <a:xfrm>
-                <a:off x="228593" y="6951929"/>
-                <a:ext cx="454902" cy="333617"/>
-              </a:xfrm>
-              <a:prstGeom prst="rect">
-                <a:avLst/>
-              </a:prstGeom>
-              <a:blipFill>
-                <a:blip r:embed="rId17"/>
-                <a:stretch>
-                  <a:fillRect l="-29333" t="-101818" r="-81333" b="-156364"/>
-                </a:stretch>
-              </a:blipFill>
-            </p:spPr>
-            <p:txBody>
-              <a:bodyPr/>
-              <a:lstStyle/>
-              <a:p>
-                <a:r>
-                  <a:rPr lang="en-US">
-                    <a:noFill/>
-                  </a:rPr>
-                  <a:t> </a:t>
-                </a:r>
-              </a:p>
-            </p:txBody>
-          </p:sp>
-        </mc:Fallback>
-      </mc:AlternateContent>
-      <mc:AlternateContent xmlns:mc="http://schemas.openxmlformats.org/markup-compatibility/2006">
-        <mc:Choice xmlns:a14="http://schemas.microsoft.com/office/drawing/2010/main" Requires="a14">
-          <p:sp>
-            <p:nvSpPr>
-              <p:cNvPr id="69" name="TextBox 68">
-                <a:extLst>
-                  <a:ext uri="{FF2B5EF4-FFF2-40B4-BE49-F238E27FC236}">
-                    <a16:creationId xmlns:a16="http://schemas.microsoft.com/office/drawing/2014/main" id="{7A70E13F-3A7B-3A40-F5B4-9E5E07A9A1C4}"/>
-                  </a:ext>
-                </a:extLst>
-              </p:cNvPr>
-              <p:cNvSpPr txBox="1"/>
-              <p:nvPr/>
-            </p:nvSpPr>
-            <p:spPr>
-              <a:xfrm>
-                <a:off x="229795" y="7767303"/>
-                <a:ext cx="454902" cy="332976"/>
-              </a:xfrm>
-              <a:prstGeom prst="rect">
-                <a:avLst/>
-              </a:prstGeom>
-              <a:noFill/>
-            </p:spPr>
-            <p:txBody>
-              <a:bodyPr wrap="square" rtlCol="0">
-                <a:spAutoFit/>
-              </a:bodyPr>
-              <a:lstStyle/>
-              <a:p>
-                <a:pPr algn="r"/>
-                <a14:m>
-                  <m:oMathPara xmlns:m="http://schemas.openxmlformats.org/officeDocument/2006/math">
-                    <m:oMathParaPr>
-                      <m:jc m:val="right"/>
-                    </m:oMathParaPr>
-                    <m:oMath xmlns:m="http://schemas.openxmlformats.org/officeDocument/2006/math">
-                      <m:f>
-                        <m:fPr>
-                          <m:type m:val="skw"/>
-                          <m:ctrlPr>
-                            <a:rPr lang="en-US" sz="1200" smtClean="0">
-                              <a:solidFill>
-                                <a:srgbClr val="FF0000"/>
-                              </a:solidFill>
-                              <a:latin typeface="Cambria Math" panose="02040503050406030204" pitchFamily="18" charset="0"/>
-                            </a:rPr>
-                          </m:ctrlPr>
-                        </m:fPr>
-                        <m:num>
-                          <m:r>
-                            <a:rPr lang="en-US" sz="1200" b="0" i="0" smtClean="0">
-                              <a:solidFill>
-                                <a:srgbClr val="FF0000"/>
-                              </a:solidFill>
-                              <a:latin typeface="Cambria Math" panose="02040503050406030204" pitchFamily="18" charset="0"/>
-                            </a:rPr>
-                            <m:t>3</m:t>
-                          </m:r>
-                        </m:num>
-                        <m:den>
-                          <m:r>
-                            <a:rPr lang="en-US" sz="1200" b="0" i="0" smtClean="0">
-                              <a:solidFill>
-                                <a:srgbClr val="FF0000"/>
-                              </a:solidFill>
-                              <a:latin typeface="Cambria Math" panose="02040503050406030204" pitchFamily="18" charset="0"/>
-                            </a:rPr>
-                            <m:t>4</m:t>
-                          </m:r>
-                        </m:den>
-                      </m:f>
-                    </m:oMath>
-                  </m:oMathPara>
-                </a14:m>
-                <a:endParaRPr lang="en-US" sz="1200" dirty="0">
-                  <a:solidFill>
-                    <a:srgbClr val="FF0000"/>
-                  </a:solidFill>
-                </a:endParaRPr>
-              </a:p>
-            </p:txBody>
-          </p:sp>
-        </mc:Choice>
-        <mc:Fallback>
-          <p:sp>
-            <p:nvSpPr>
-              <p:cNvPr id="69" name="TextBox 68">
-                <a:extLst>
-                  <a:ext uri="{FF2B5EF4-FFF2-40B4-BE49-F238E27FC236}">
-                    <a16:creationId xmlns:a16="http://schemas.microsoft.com/office/drawing/2014/main" id="{7A70E13F-3A7B-3A40-F5B4-9E5E07A9A1C4}"/>
-                  </a:ext>
-                </a:extLst>
-              </p:cNvPr>
-              <p:cNvSpPr txBox="1">
-                <a:spLocks noRot="1" noChangeAspect="1" noMove="1" noResize="1" noEditPoints="1" noAdjustHandles="1" noChangeArrowheads="1" noChangeShapeType="1" noTextEdit="1"/>
-              </p:cNvSpPr>
-              <p:nvPr/>
-            </p:nvSpPr>
-            <p:spPr>
-              <a:xfrm>
-                <a:off x="229795" y="7767303"/>
-                <a:ext cx="454902" cy="332976"/>
-              </a:xfrm>
-              <a:prstGeom prst="rect">
-                <a:avLst/>
-              </a:prstGeom>
-              <a:blipFill>
-                <a:blip r:embed="rId18"/>
-                <a:stretch>
-                  <a:fillRect l="-31081" t="-100000" r="-82432" b="-158182"/>
+                  <a:fillRect l="-34667" t="-100000" r="-76000" b="-158182"/>
                 </a:stretch>
               </a:blipFill>
             </p:spPr>
@@ -6395,7 +10307,7 @@
     </p:spTree>
     <p:extLst>
       <p:ext uri="{BB962C8B-B14F-4D97-AF65-F5344CB8AC3E}">
-        <p14:creationId xmlns:p14="http://schemas.microsoft.com/office/powerpoint/2010/main" val="1322328086"/>
+        <p14:creationId xmlns:p14="http://schemas.microsoft.com/office/powerpoint/2010/main" val="3931804686"/>
       </p:ext>
     </p:extLst>
   </p:cSld>
@@ -6664,4 +10576,299 @@
     </a:ext>
   </a:extLst>
 </a:theme>
+</file>
+
+<file path=ppt/theme/theme2.xml><?xml version="1.0" encoding="utf-8"?>
+<a:theme xmlns:a="http://schemas.openxmlformats.org/drawingml/2006/main" name="Office Theme">
+  <a:themeElements>
+    <a:clrScheme name="Office">
+      <a:dk1>
+        <a:sysClr val="windowText" lastClr="000000"/>
+      </a:dk1>
+      <a:lt1>
+        <a:sysClr val="window" lastClr="FFFFFF"/>
+      </a:lt1>
+      <a:dk2>
+        <a:srgbClr val="44546A"/>
+      </a:dk2>
+      <a:lt2>
+        <a:srgbClr val="E7E6E6"/>
+      </a:lt2>
+      <a:accent1>
+        <a:srgbClr val="4472C4"/>
+      </a:accent1>
+      <a:accent2>
+        <a:srgbClr val="ED7D31"/>
+      </a:accent2>
+      <a:accent3>
+        <a:srgbClr val="A5A5A5"/>
+      </a:accent3>
+      <a:accent4>
+        <a:srgbClr val="FFC000"/>
+      </a:accent4>
+      <a:accent5>
+        <a:srgbClr val="5B9BD5"/>
+      </a:accent5>
+      <a:accent6>
+        <a:srgbClr val="70AD47"/>
+      </a:accent6>
+      <a:hlink>
+        <a:srgbClr val="0563C1"/>
+      </a:hlink>
+      <a:folHlink>
+        <a:srgbClr val="954F72"/>
+      </a:folHlink>
+    </a:clrScheme>
+    <a:fontScheme name="Office">
+      <a:majorFont>
+        <a:latin typeface="Calibri Light" panose="020F0302020204030204"/>
+        <a:ea typeface=""/>
+        <a:cs typeface=""/>
+        <a:font script="Jpan" typeface="游ゴシック Light"/>
+        <a:font script="Hang" typeface="맑은 고딕"/>
+        <a:font script="Hans" typeface="等线 Light"/>
+        <a:font script="Hant" typeface="新細明體"/>
+        <a:font script="Arab" typeface="Times New Roman"/>
+        <a:font script="Hebr" typeface="Times New Roman"/>
+        <a:font script="Thai" typeface="Angsana New"/>
+        <a:font script="Ethi" typeface="Nyala"/>
+        <a:font script="Beng" typeface="Vrinda"/>
+        <a:font script="Gujr" typeface="Shruti"/>
+        <a:font script="Khmr" typeface="MoolBoran"/>
+        <a:font script="Knda" typeface="Tunga"/>
+        <a:font script="Guru" typeface="Raavi"/>
+        <a:font script="Cans" typeface="Euphemia"/>
+        <a:font script="Cher" typeface="Plantagenet Cherokee"/>
+        <a:font script="Yiii" typeface="Microsoft Yi Baiti"/>
+        <a:font script="Tibt" typeface="Microsoft Himalaya"/>
+        <a:font script="Thaa" typeface="MV Boli"/>
+        <a:font script="Deva" typeface="Mangal"/>
+        <a:font script="Telu" typeface="Gautami"/>
+        <a:font script="Taml" typeface="Latha"/>
+        <a:font script="Syrc" typeface="Estrangelo Edessa"/>
+        <a:font script="Orya" typeface="Kalinga"/>
+        <a:font script="Mlym" typeface="Kartika"/>
+        <a:font script="Laoo" typeface="DokChampa"/>
+        <a:font script="Sinh" typeface="Iskoola Pota"/>
+        <a:font script="Mong" typeface="Mongolian Baiti"/>
+        <a:font script="Viet" typeface="Times New Roman"/>
+        <a:font script="Uigh" typeface="Microsoft Uighur"/>
+        <a:font script="Geor" typeface="Sylfaen"/>
+        <a:font script="Armn" typeface="Arial"/>
+        <a:font script="Bugi" typeface="Leelawadee UI"/>
+        <a:font script="Bopo" typeface="Microsoft JhengHei"/>
+        <a:font script="Java" typeface="Javanese Text"/>
+        <a:font script="Lisu" typeface="Segoe UI"/>
+        <a:font script="Mymr" typeface="Myanmar Text"/>
+        <a:font script="Nkoo" typeface="Ebrima"/>
+        <a:font script="Olck" typeface="Nirmala UI"/>
+        <a:font script="Osma" typeface="Ebrima"/>
+        <a:font script="Phag" typeface="Phagspa"/>
+        <a:font script="Syrn" typeface="Estrangelo Edessa"/>
+        <a:font script="Syrj" typeface="Estrangelo Edessa"/>
+        <a:font script="Syre" typeface="Estrangelo Edessa"/>
+        <a:font script="Sora" typeface="Nirmala UI"/>
+        <a:font script="Tale" typeface="Microsoft Tai Le"/>
+        <a:font script="Talu" typeface="Microsoft New Tai Lue"/>
+        <a:font script="Tfng" typeface="Ebrima"/>
+      </a:majorFont>
+      <a:minorFont>
+        <a:latin typeface="Calibri" panose="020F0502020204030204"/>
+        <a:ea typeface=""/>
+        <a:cs typeface=""/>
+        <a:font script="Jpan" typeface="游ゴシック"/>
+        <a:font script="Hang" typeface="맑은 고딕"/>
+        <a:font script="Hans" typeface="等线"/>
+        <a:font script="Hant" typeface="新細明體"/>
+        <a:font script="Arab" typeface="Arial"/>
+        <a:font script="Hebr" typeface="Arial"/>
+        <a:font script="Thai" typeface="Cordia New"/>
+        <a:font script="Ethi" typeface="Nyala"/>
+        <a:font script="Beng" typeface="Vrinda"/>
+        <a:font script="Gujr" typeface="Shruti"/>
+        <a:font script="Khmr" typeface="DaunPenh"/>
+        <a:font script="Knda" typeface="Tunga"/>
+        <a:font script="Guru" typeface="Raavi"/>
+        <a:font script="Cans" typeface="Euphemia"/>
+        <a:font script="Cher" typeface="Plantagenet Cherokee"/>
+        <a:font script="Yiii" typeface="Microsoft Yi Baiti"/>
+        <a:font script="Tibt" typeface="Microsoft Himalaya"/>
+        <a:font script="Thaa" typeface="MV Boli"/>
+        <a:font script="Deva" typeface="Mangal"/>
+        <a:font script="Telu" typeface="Gautami"/>
+        <a:font script="Taml" typeface="Latha"/>
+        <a:font script="Syrc" typeface="Estrangelo Edessa"/>
+        <a:font script="Orya" typeface="Kalinga"/>
+        <a:font script="Mlym" typeface="Kartika"/>
+        <a:font script="Laoo" typeface="DokChampa"/>
+        <a:font script="Sinh" typeface="Iskoola Pota"/>
+        <a:font script="Mong" typeface="Mongolian Baiti"/>
+        <a:font script="Viet" typeface="Arial"/>
+        <a:font script="Uigh" typeface="Microsoft Uighur"/>
+        <a:font script="Geor" typeface="Sylfaen"/>
+        <a:font script="Armn" typeface="Arial"/>
+        <a:font script="Bugi" typeface="Leelawadee UI"/>
+        <a:font script="Bopo" typeface="Microsoft JhengHei"/>
+        <a:font script="Java" typeface="Javanese Text"/>
+        <a:font script="Lisu" typeface="Segoe UI"/>
+        <a:font script="Mymr" typeface="Myanmar Text"/>
+        <a:font script="Nkoo" typeface="Ebrima"/>
+        <a:font script="Olck" typeface="Nirmala UI"/>
+        <a:font script="Osma" typeface="Ebrima"/>
+        <a:font script="Phag" typeface="Phagspa"/>
+        <a:font script="Syrn" typeface="Estrangelo Edessa"/>
+        <a:font script="Syrj" typeface="Estrangelo Edessa"/>
+        <a:font script="Syre" typeface="Estrangelo Edessa"/>
+        <a:font script="Sora" typeface="Nirmala UI"/>
+        <a:font script="Tale" typeface="Microsoft Tai Le"/>
+        <a:font script="Talu" typeface="Microsoft New Tai Lue"/>
+        <a:font script="Tfng" typeface="Ebrima"/>
+      </a:minorFont>
+    </a:fontScheme>
+    <a:fmtScheme name="Office">
+      <a:fillStyleLst>
+        <a:solidFill>
+          <a:schemeClr val="phClr"/>
+        </a:solidFill>
+        <a:gradFill rotWithShape="1">
+          <a:gsLst>
+            <a:gs pos="0">
+              <a:schemeClr val="phClr">
+                <a:lumMod val="110000"/>
+                <a:satMod val="105000"/>
+                <a:tint val="67000"/>
+              </a:schemeClr>
+            </a:gs>
+            <a:gs pos="50000">
+              <a:schemeClr val="phClr">
+                <a:lumMod val="105000"/>
+                <a:satMod val="103000"/>
+                <a:tint val="73000"/>
+              </a:schemeClr>
+            </a:gs>
+            <a:gs pos="100000">
+              <a:schemeClr val="phClr">
+                <a:lumMod val="105000"/>
+                <a:satMod val="109000"/>
+                <a:tint val="81000"/>
+              </a:schemeClr>
+            </a:gs>
+          </a:gsLst>
+          <a:lin ang="5400000" scaled="0"/>
+        </a:gradFill>
+        <a:gradFill rotWithShape="1">
+          <a:gsLst>
+            <a:gs pos="0">
+              <a:schemeClr val="phClr">
+                <a:satMod val="103000"/>
+                <a:lumMod val="102000"/>
+                <a:tint val="94000"/>
+              </a:schemeClr>
+            </a:gs>
+            <a:gs pos="50000">
+              <a:schemeClr val="phClr">
+                <a:satMod val="110000"/>
+                <a:lumMod val="100000"/>
+                <a:shade val="100000"/>
+              </a:schemeClr>
+            </a:gs>
+            <a:gs pos="100000">
+              <a:schemeClr val="phClr">
+                <a:lumMod val="99000"/>
+                <a:satMod val="120000"/>
+                <a:shade val="78000"/>
+              </a:schemeClr>
+            </a:gs>
+          </a:gsLst>
+          <a:lin ang="5400000" scaled="0"/>
+        </a:gradFill>
+      </a:fillStyleLst>
+      <a:lnStyleLst>
+        <a:ln w="6350" cap="flat" cmpd="sng" algn="ctr">
+          <a:solidFill>
+            <a:schemeClr val="phClr"/>
+          </a:solidFill>
+          <a:prstDash val="solid"/>
+          <a:miter lim="800000"/>
+        </a:ln>
+        <a:ln w="12700" cap="flat" cmpd="sng" algn="ctr">
+          <a:solidFill>
+            <a:schemeClr val="phClr"/>
+          </a:solidFill>
+          <a:prstDash val="solid"/>
+          <a:miter lim="800000"/>
+        </a:ln>
+        <a:ln w="19050" cap="flat" cmpd="sng" algn="ctr">
+          <a:solidFill>
+            <a:schemeClr val="phClr"/>
+          </a:solidFill>
+          <a:prstDash val="solid"/>
+          <a:miter lim="800000"/>
+        </a:ln>
+      </a:lnStyleLst>
+      <a:effectStyleLst>
+        <a:effectStyle>
+          <a:effectLst/>
+        </a:effectStyle>
+        <a:effectStyle>
+          <a:effectLst/>
+        </a:effectStyle>
+        <a:effectStyle>
+          <a:effectLst>
+            <a:outerShdw blurRad="57150" dist="19050" dir="5400000" algn="ctr" rotWithShape="0">
+              <a:srgbClr val="000000">
+                <a:alpha val="63000"/>
+              </a:srgbClr>
+            </a:outerShdw>
+          </a:effectLst>
+        </a:effectStyle>
+      </a:effectStyleLst>
+      <a:bgFillStyleLst>
+        <a:solidFill>
+          <a:schemeClr val="phClr"/>
+        </a:solidFill>
+        <a:solidFill>
+          <a:schemeClr val="phClr">
+            <a:tint val="95000"/>
+            <a:satMod val="170000"/>
+          </a:schemeClr>
+        </a:solidFill>
+        <a:gradFill rotWithShape="1">
+          <a:gsLst>
+            <a:gs pos="0">
+              <a:schemeClr val="phClr">
+                <a:tint val="93000"/>
+                <a:satMod val="150000"/>
+                <a:shade val="98000"/>
+                <a:lumMod val="102000"/>
+              </a:schemeClr>
+            </a:gs>
+            <a:gs pos="50000">
+              <a:schemeClr val="phClr">
+                <a:tint val="98000"/>
+                <a:satMod val="130000"/>
+                <a:shade val="90000"/>
+                <a:lumMod val="103000"/>
+              </a:schemeClr>
+            </a:gs>
+            <a:gs pos="100000">
+              <a:schemeClr val="phClr">
+                <a:shade val="63000"/>
+                <a:satMod val="120000"/>
+              </a:schemeClr>
+            </a:gs>
+          </a:gsLst>
+          <a:lin ang="5400000" scaled="0"/>
+        </a:gradFill>
+      </a:bgFillStyleLst>
+    </a:fmtScheme>
+  </a:themeElements>
+  <a:objectDefaults/>
+  <a:extraClrSchemeLst/>
+  <a:extLst>
+    <a:ext uri="{05A4C25C-085E-4340-85A3-A5531E510DB2}">
+      <thm15:themeFamily xmlns:thm15="http://schemas.microsoft.com/office/thememl/2012/main" name="Office Theme" id="{62F939B6-93AF-4DB8-9C6B-D6C7DFDC589F}" vid="{4A3C46E8-61CC-4603-A589-7422A47A8E4A}"/>
+    </a:ext>
+  </a:extLst>
+</a:theme>
 </file>